--- a/HW2/ppt/105360043_hw2_Car Racing.pptx
+++ b/HW2/ppt/105360043_hw2_Car Racing.pptx
@@ -5,17 +5,15 @@
     <p:sldMasterId id="2147483648" r:id="rId1"/>
   </p:sldMasterIdLst>
   <p:notesMasterIdLst>
-    <p:notesMasterId r:id="rId10"/>
+    <p:notesMasterId r:id="rId8"/>
   </p:notesMasterIdLst>
   <p:sldIdLst>
     <p:sldId id="256" r:id="rId2"/>
-    <p:sldId id="258" r:id="rId3"/>
-    <p:sldId id="263" r:id="rId4"/>
-    <p:sldId id="264" r:id="rId5"/>
-    <p:sldId id="265" r:id="rId6"/>
-    <p:sldId id="260" r:id="rId7"/>
-    <p:sldId id="259" r:id="rId8"/>
-    <p:sldId id="262" r:id="rId9"/>
+    <p:sldId id="267" r:id="rId3"/>
+    <p:sldId id="264" r:id="rId4"/>
+    <p:sldId id="266" r:id="rId5"/>
+    <p:sldId id="259" r:id="rId6"/>
+    <p:sldId id="262" r:id="rId7"/>
   </p:sldIdLst>
   <p:sldSz cx="12192000" cy="6858000"/>
   <p:notesSz cx="6858000" cy="9144000"/>
@@ -620,7 +618,7 @@
           <a:p>
             <a:fld id="{D5E3B9A9-7985-4143-AEC1-C9EB83E44317}" type="slidenum">
               <a:rPr lang="zh-TW" altLang="en-US" smtClean="0"/>
-              <a:t>8</a:t>
+              <a:t>6</a:t>
             </a:fld>
             <a:endParaRPr lang="zh-TW" altLang="en-US"/>
           </a:p>
@@ -7063,7 +7061,7 @@
         </p:nvSpPr>
         <p:spPr>
           <a:xfrm>
-            <a:off x="3034826" y="549369"/>
+            <a:off x="3044986" y="549369"/>
             <a:ext cx="6743700" cy="584775"/>
           </a:xfrm>
           <a:prstGeom prst="rect">
@@ -7081,14 +7079,14 @@
               <a:buChar char="l"/>
             </a:pPr>
             <a:r>
-              <a:rPr lang="en-US" altLang="zh-TW" sz="3200" dirty="0">
+              <a:rPr lang="zh-TW" altLang="en-US" sz="3200" dirty="0">
                 <a:solidFill>
                   <a:schemeClr val="bg1"/>
                 </a:solidFill>
                 <a:latin typeface="Consolas" panose="020B0609020204030204" pitchFamily="49" charset="0"/>
                 <a:ea typeface="微軟正黑體" panose="020B0604030504040204" pitchFamily="34" charset="-120"/>
               </a:rPr>
-              <a:t>import</a:t>
+              <a:t>參數調整說明</a:t>
             </a:r>
             <a:endParaRPr lang="zh-TW" altLang="en-US" sz="2400" dirty="0">
               <a:solidFill>
@@ -7521,7 +7519,7 @@
           <p:cNvPr id="2" name="圖片 1">
             <a:extLst>
               <a:ext uri="{FF2B5EF4-FFF2-40B4-BE49-F238E27FC236}">
-                <a16:creationId xmlns:a16="http://schemas.microsoft.com/office/drawing/2014/main" id="{131859F7-9DC6-4F8F-832C-366D93D3003D}"/>
+                <a16:creationId xmlns:a16="http://schemas.microsoft.com/office/drawing/2014/main" id="{45D8B953-8553-4BA0-8F74-597B24716102}"/>
               </a:ext>
             </a:extLst>
           </p:cNvPr>
@@ -7538,8 +7536,8 @@
         </p:blipFill>
         <p:spPr>
           <a:xfrm>
-            <a:off x="3728058" y="1297339"/>
-            <a:ext cx="6130167" cy="4690506"/>
+            <a:off x="3514059" y="1148314"/>
+            <a:ext cx="8301974" cy="4235702"/>
           </a:xfrm>
           <a:prstGeom prst="rect">
             <a:avLst/>
@@ -7549,7 +7547,7 @@
     </p:spTree>
     <p:extLst>
       <p:ext uri="{BB962C8B-B14F-4D97-AF65-F5344CB8AC3E}">
-        <p14:creationId xmlns:p14="http://schemas.microsoft.com/office/powerpoint/2010/main" val="351014899"/>
+        <p14:creationId xmlns:p14="http://schemas.microsoft.com/office/powerpoint/2010/main" val="4260104627"/>
       </p:ext>
     </p:extLst>
   </p:cSld>
@@ -7586,195 +7584,6 @@
           <a:chExt cx="0" cy="0"/>
         </a:xfrm>
       </p:grpSpPr>
-      <p:pic>
-        <p:nvPicPr>
-          <p:cNvPr id="8" name="圖片 7">
-            <a:extLst>
-              <a:ext uri="{FF2B5EF4-FFF2-40B4-BE49-F238E27FC236}">
-                <a16:creationId xmlns:a16="http://schemas.microsoft.com/office/drawing/2014/main" id="{CFAD0A90-F8C3-48FA-AA88-2E5B948046AD}"/>
-              </a:ext>
-            </a:extLst>
-          </p:cNvPr>
-          <p:cNvPicPr>
-            <a:picLocks noChangeAspect="1"/>
-          </p:cNvPicPr>
-          <p:nvPr/>
-        </p:nvPicPr>
-        <p:blipFill>
-          <a:blip r:embed="rId2"/>
-          <a:stretch>
-            <a:fillRect/>
-          </a:stretch>
-        </p:blipFill>
-        <p:spPr>
-          <a:xfrm>
-            <a:off x="3452483" y="3795191"/>
-            <a:ext cx="8641008" cy="2802254"/>
-          </a:xfrm>
-          <a:prstGeom prst="rect">
-            <a:avLst/>
-          </a:prstGeom>
-        </p:spPr>
-      </p:pic>
-      <p:grpSp>
-        <p:nvGrpSpPr>
-          <p:cNvPr id="62" name="群組 61"/>
-          <p:cNvGrpSpPr/>
-          <p:nvPr/>
-        </p:nvGrpSpPr>
-        <p:grpSpPr>
-          <a:xfrm rot="9562422">
-            <a:off x="10244013" y="5379962"/>
-            <a:ext cx="3000905" cy="3244073"/>
-            <a:chOff x="3151230" y="-70935"/>
-            <a:chExt cx="6649625" cy="7188455"/>
-          </a:xfrm>
-        </p:grpSpPr>
-        <p:sp>
-          <p:nvSpPr>
-            <p:cNvPr id="63" name="橢圓 62"/>
-            <p:cNvSpPr/>
-            <p:nvPr/>
-          </p:nvSpPr>
-          <p:spPr>
-            <a:xfrm>
-              <a:off x="3294962" y="342212"/>
-              <a:ext cx="6173576" cy="6173576"/>
-            </a:xfrm>
-            <a:prstGeom prst="ellipse">
-              <a:avLst/>
-            </a:prstGeom>
-            <a:solidFill>
-              <a:srgbClr val="27C0CE">
-                <a:alpha val="27000"/>
-              </a:srgbClr>
-            </a:solidFill>
-            <a:ln>
-              <a:noFill/>
-            </a:ln>
-          </p:spPr>
-          <p:style>
-            <a:lnRef idx="2">
-              <a:schemeClr val="accent1">
-                <a:shade val="50000"/>
-              </a:schemeClr>
-            </a:lnRef>
-            <a:fillRef idx="1">
-              <a:schemeClr val="accent1"/>
-            </a:fillRef>
-            <a:effectRef idx="0">
-              <a:schemeClr val="accent1"/>
-            </a:effectRef>
-            <a:fontRef idx="minor">
-              <a:schemeClr val="lt1"/>
-            </a:fontRef>
-          </p:style>
-          <p:txBody>
-            <a:bodyPr rtlCol="0" anchor="ctr"/>
-            <a:lstStyle/>
-            <a:p>
-              <a:pPr algn="ctr"/>
-              <a:endParaRPr lang="zh-TW" altLang="en-US" b="1" dirty="0"/>
-            </a:p>
-          </p:txBody>
-        </p:sp>
-        <p:sp>
-          <p:nvSpPr>
-            <p:cNvPr id="64" name="橢圓 63"/>
-            <p:cNvSpPr/>
-            <p:nvPr/>
-          </p:nvSpPr>
-          <p:spPr>
-            <a:xfrm>
-              <a:off x="3627279" y="943944"/>
-              <a:ext cx="6173576" cy="6173576"/>
-            </a:xfrm>
-            <a:prstGeom prst="ellipse">
-              <a:avLst/>
-            </a:prstGeom>
-            <a:solidFill>
-              <a:srgbClr val="27C0CE">
-                <a:alpha val="27000"/>
-              </a:srgbClr>
-            </a:solidFill>
-            <a:ln>
-              <a:noFill/>
-            </a:ln>
-          </p:spPr>
-          <p:style>
-            <a:lnRef idx="2">
-              <a:schemeClr val="accent1">
-                <a:shade val="50000"/>
-              </a:schemeClr>
-            </a:lnRef>
-            <a:fillRef idx="1">
-              <a:schemeClr val="accent1"/>
-            </a:fillRef>
-            <a:effectRef idx="0">
-              <a:schemeClr val="accent1"/>
-            </a:effectRef>
-            <a:fontRef idx="minor">
-              <a:schemeClr val="lt1"/>
-            </a:fontRef>
-          </p:style>
-          <p:txBody>
-            <a:bodyPr rtlCol="0" anchor="ctr"/>
-            <a:lstStyle/>
-            <a:p>
-              <a:pPr algn="ctr"/>
-              <a:endParaRPr lang="zh-TW" altLang="en-US" b="1" dirty="0"/>
-            </a:p>
-          </p:txBody>
-        </p:sp>
-        <p:sp>
-          <p:nvSpPr>
-            <p:cNvPr id="65" name="橢圓 64"/>
-            <p:cNvSpPr/>
-            <p:nvPr/>
-          </p:nvSpPr>
-          <p:spPr>
-            <a:xfrm>
-              <a:off x="3151230" y="-70935"/>
-              <a:ext cx="6173576" cy="6173576"/>
-            </a:xfrm>
-            <a:prstGeom prst="ellipse">
-              <a:avLst/>
-            </a:prstGeom>
-            <a:solidFill>
-              <a:srgbClr val="27C0CE">
-                <a:alpha val="27000"/>
-              </a:srgbClr>
-            </a:solidFill>
-            <a:ln>
-              <a:noFill/>
-            </a:ln>
-          </p:spPr>
-          <p:style>
-            <a:lnRef idx="2">
-              <a:schemeClr val="accent1">
-                <a:shade val="50000"/>
-              </a:schemeClr>
-            </a:lnRef>
-            <a:fillRef idx="1">
-              <a:schemeClr val="accent1"/>
-            </a:fillRef>
-            <a:effectRef idx="0">
-              <a:schemeClr val="accent1"/>
-            </a:effectRef>
-            <a:fontRef idx="minor">
-              <a:schemeClr val="lt1"/>
-            </a:fontRef>
-          </p:style>
-          <p:txBody>
-            <a:bodyPr rtlCol="0" anchor="ctr"/>
-            <a:lstStyle/>
-            <a:p>
-              <a:pPr algn="ctr"/>
-              <a:endParaRPr lang="zh-TW" altLang="en-US" b="1" dirty="0"/>
-            </a:p>
-          </p:txBody>
-        </p:sp>
-      </p:grpSp>
       <p:sp>
         <p:nvSpPr>
           <p:cNvPr id="5" name="矩形 4"/>
@@ -7783,7 +7592,7 @@
         </p:nvSpPr>
         <p:spPr>
           <a:xfrm>
-            <a:off x="3034826" y="549369"/>
+            <a:off x="3044986" y="549369"/>
             <a:ext cx="6743700" cy="584775"/>
           </a:xfrm>
           <a:prstGeom prst="rect">
@@ -7808,7 +7617,7 @@
                 <a:latin typeface="Consolas" panose="020B0609020204030204" pitchFamily="49" charset="0"/>
                 <a:ea typeface="微軟正黑體" panose="020B0604030504040204" pitchFamily="34" charset="-120"/>
               </a:rPr>
-              <a:t>初始化環境</a:t>
+              <a:t>參數調整說明</a:t>
             </a:r>
             <a:endParaRPr lang="zh-TW" altLang="en-US" sz="2400" dirty="0">
               <a:solidFill>
@@ -8014,6 +7823,165 @@
           </p:txBody>
         </p:sp>
       </p:grpSp>
+      <p:grpSp>
+        <p:nvGrpSpPr>
+          <p:cNvPr id="62" name="群組 61"/>
+          <p:cNvGrpSpPr/>
+          <p:nvPr/>
+        </p:nvGrpSpPr>
+        <p:grpSpPr>
+          <a:xfrm rot="9562422">
+            <a:off x="10244013" y="5379962"/>
+            <a:ext cx="3000905" cy="3244073"/>
+            <a:chOff x="3151230" y="-70935"/>
+            <a:chExt cx="6649625" cy="7188455"/>
+          </a:xfrm>
+        </p:grpSpPr>
+        <p:sp>
+          <p:nvSpPr>
+            <p:cNvPr id="63" name="橢圓 62"/>
+            <p:cNvSpPr/>
+            <p:nvPr/>
+          </p:nvSpPr>
+          <p:spPr>
+            <a:xfrm>
+              <a:off x="3294962" y="342212"/>
+              <a:ext cx="6173576" cy="6173576"/>
+            </a:xfrm>
+            <a:prstGeom prst="ellipse">
+              <a:avLst/>
+            </a:prstGeom>
+            <a:solidFill>
+              <a:srgbClr val="27C0CE">
+                <a:alpha val="27000"/>
+              </a:srgbClr>
+            </a:solidFill>
+            <a:ln>
+              <a:noFill/>
+            </a:ln>
+          </p:spPr>
+          <p:style>
+            <a:lnRef idx="2">
+              <a:schemeClr val="accent1">
+                <a:shade val="50000"/>
+              </a:schemeClr>
+            </a:lnRef>
+            <a:fillRef idx="1">
+              <a:schemeClr val="accent1"/>
+            </a:fillRef>
+            <a:effectRef idx="0">
+              <a:schemeClr val="accent1"/>
+            </a:effectRef>
+            <a:fontRef idx="minor">
+              <a:schemeClr val="lt1"/>
+            </a:fontRef>
+          </p:style>
+          <p:txBody>
+            <a:bodyPr rtlCol="0" anchor="ctr"/>
+            <a:lstStyle/>
+            <a:p>
+              <a:pPr algn="ctr"/>
+              <a:endParaRPr lang="zh-TW" altLang="en-US" b="1" dirty="0"/>
+            </a:p>
+          </p:txBody>
+        </p:sp>
+        <p:sp>
+          <p:nvSpPr>
+            <p:cNvPr id="64" name="橢圓 63"/>
+            <p:cNvSpPr/>
+            <p:nvPr/>
+          </p:nvSpPr>
+          <p:spPr>
+            <a:xfrm>
+              <a:off x="3627279" y="943944"/>
+              <a:ext cx="6173576" cy="6173576"/>
+            </a:xfrm>
+            <a:prstGeom prst="ellipse">
+              <a:avLst/>
+            </a:prstGeom>
+            <a:solidFill>
+              <a:srgbClr val="27C0CE">
+                <a:alpha val="27000"/>
+              </a:srgbClr>
+            </a:solidFill>
+            <a:ln>
+              <a:noFill/>
+            </a:ln>
+          </p:spPr>
+          <p:style>
+            <a:lnRef idx="2">
+              <a:schemeClr val="accent1">
+                <a:shade val="50000"/>
+              </a:schemeClr>
+            </a:lnRef>
+            <a:fillRef idx="1">
+              <a:schemeClr val="accent1"/>
+            </a:fillRef>
+            <a:effectRef idx="0">
+              <a:schemeClr val="accent1"/>
+            </a:effectRef>
+            <a:fontRef idx="minor">
+              <a:schemeClr val="lt1"/>
+            </a:fontRef>
+          </p:style>
+          <p:txBody>
+            <a:bodyPr rtlCol="0" anchor="ctr"/>
+            <a:lstStyle/>
+            <a:p>
+              <a:pPr algn="ctr"/>
+              <a:endParaRPr lang="zh-TW" altLang="en-US" b="1" dirty="0"/>
+            </a:p>
+          </p:txBody>
+        </p:sp>
+        <p:sp>
+          <p:nvSpPr>
+            <p:cNvPr id="65" name="橢圓 64"/>
+            <p:cNvSpPr/>
+            <p:nvPr/>
+          </p:nvSpPr>
+          <p:spPr>
+            <a:xfrm>
+              <a:off x="3151230" y="-70935"/>
+              <a:ext cx="6173576" cy="6173576"/>
+            </a:xfrm>
+            <a:prstGeom prst="ellipse">
+              <a:avLst/>
+            </a:prstGeom>
+            <a:solidFill>
+              <a:srgbClr val="27C0CE">
+                <a:alpha val="27000"/>
+              </a:srgbClr>
+            </a:solidFill>
+            <a:ln>
+              <a:noFill/>
+            </a:ln>
+          </p:spPr>
+          <p:style>
+            <a:lnRef idx="2">
+              <a:schemeClr val="accent1">
+                <a:shade val="50000"/>
+              </a:schemeClr>
+            </a:lnRef>
+            <a:fillRef idx="1">
+              <a:schemeClr val="accent1"/>
+            </a:fillRef>
+            <a:effectRef idx="0">
+              <a:schemeClr val="accent1"/>
+            </a:effectRef>
+            <a:fontRef idx="minor">
+              <a:schemeClr val="lt1"/>
+            </a:fontRef>
+          </p:style>
+          <p:txBody>
+            <a:bodyPr rtlCol="0" anchor="ctr"/>
+            <a:lstStyle/>
+            <a:p>
+              <a:pPr algn="ctr"/>
+              <a:endParaRPr lang="zh-TW" altLang="en-US" b="1" dirty="0"/>
+            </a:p>
+          </p:txBody>
+        </p:sp>
+      </p:grpSp>
       <p:sp>
         <p:nvSpPr>
           <p:cNvPr id="115" name="矩形 114"/>
@@ -8077,83 +8045,12 @@
           </a:p>
         </p:txBody>
       </p:sp>
-      <p:sp>
-        <p:nvSpPr>
-          <p:cNvPr id="17" name="矩形 16">
+      <p:pic>
+        <p:nvPicPr>
+          <p:cNvPr id="3" name="圖片 2">
             <a:extLst>
               <a:ext uri="{FF2B5EF4-FFF2-40B4-BE49-F238E27FC236}">
-                <a16:creationId xmlns:a16="http://schemas.microsoft.com/office/drawing/2014/main" id="{C4FA1246-A8C9-47C1-BD03-C465C79573B3}"/>
-              </a:ext>
-            </a:extLst>
-          </p:cNvPr>
-          <p:cNvSpPr/>
-          <p:nvPr/>
-        </p:nvSpPr>
-        <p:spPr>
-          <a:xfrm>
-            <a:off x="3034825" y="3080462"/>
-            <a:ext cx="6969973" cy="584775"/>
-          </a:xfrm>
-          <a:prstGeom prst="rect">
-            <a:avLst/>
-          </a:prstGeom>
-        </p:spPr>
-        <p:txBody>
-          <a:bodyPr wrap="square">
-            <a:spAutoFit/>
-          </a:bodyPr>
-          <a:lstStyle/>
-          <a:p>
-            <a:pPr marL="342900" indent="-342900">
-              <a:buFont typeface="Wingdings" panose="05000000000000000000" pitchFamily="2" charset="2"/>
-              <a:buChar char="l"/>
-            </a:pPr>
-            <a:r>
-              <a:rPr lang="zh-TW" altLang="en-US" sz="3200" dirty="0">
-                <a:solidFill>
-                  <a:schemeClr val="bg1"/>
-                </a:solidFill>
-                <a:latin typeface="Consolas" panose="020B0609020204030204" pitchFamily="49" charset="0"/>
-                <a:ea typeface="微軟正黑體" panose="020B0604030504040204" pitchFamily="34" charset="-120"/>
-              </a:rPr>
-              <a:t>根據</a:t>
-            </a:r>
-            <a:r>
-              <a:rPr lang="en-US" altLang="zh-TW" sz="3200" dirty="0">
-                <a:solidFill>
-                  <a:schemeClr val="bg1"/>
-                </a:solidFill>
-                <a:latin typeface="Consolas" panose="020B0609020204030204" pitchFamily="49" charset="0"/>
-                <a:ea typeface="微軟正黑體" panose="020B0604030504040204" pitchFamily="34" charset="-120"/>
-              </a:rPr>
-              <a:t>Q-Learning</a:t>
-            </a:r>
-            <a:r>
-              <a:rPr lang="zh-TW" altLang="en-US" sz="3200" dirty="0">
-                <a:solidFill>
-                  <a:schemeClr val="bg1"/>
-                </a:solidFill>
-                <a:latin typeface="Consolas" panose="020B0609020204030204" pitchFamily="49" charset="0"/>
-                <a:ea typeface="微軟正黑體" panose="020B0604030504040204" pitchFamily="34" charset="-120"/>
-              </a:rPr>
-              <a:t>公式進行參數調整</a:t>
-            </a:r>
-            <a:endParaRPr lang="zh-TW" altLang="en-US" sz="2400" dirty="0">
-              <a:solidFill>
-                <a:schemeClr val="bg1"/>
-              </a:solidFill>
-              <a:latin typeface="Consolas" panose="020B0609020204030204" pitchFamily="49" charset="0"/>
-              <a:ea typeface="微軟正黑體" panose="020B0604030504040204" pitchFamily="34" charset="-120"/>
-            </a:endParaRPr>
-          </a:p>
-        </p:txBody>
-      </p:sp>
-      <p:pic>
-        <p:nvPicPr>
-          <p:cNvPr id="4" name="圖片 3">
-            <a:extLst>
-              <a:ext uri="{FF2B5EF4-FFF2-40B4-BE49-F238E27FC236}">
-                <a16:creationId xmlns:a16="http://schemas.microsoft.com/office/drawing/2014/main" id="{ADB0D8A2-D804-40DB-BC72-278B87AA953D}"/>
+                <a16:creationId xmlns:a16="http://schemas.microsoft.com/office/drawing/2014/main" id="{F941760B-0747-47EF-9A91-C4DF30229741}"/>
               </a:ext>
             </a:extLst>
           </p:cNvPr>
@@ -8163,15 +8060,15 @@
           <p:nvPr/>
         </p:nvPicPr>
         <p:blipFill>
-          <a:blip r:embed="rId3"/>
+          <a:blip r:embed="rId2"/>
           <a:stretch>
             <a:fillRect/>
           </a:stretch>
         </p:blipFill>
         <p:spPr>
           <a:xfrm>
-            <a:off x="3489705" y="1231693"/>
-            <a:ext cx="6971818" cy="1718815"/>
+            <a:off x="3462199" y="1189037"/>
+            <a:ext cx="8560082" cy="3640698"/>
           </a:xfrm>
           <a:prstGeom prst="rect">
             <a:avLst/>
@@ -8181,7 +8078,7 @@
     </p:spTree>
     <p:extLst>
       <p:ext uri="{BB962C8B-B14F-4D97-AF65-F5344CB8AC3E}">
-        <p14:creationId xmlns:p14="http://schemas.microsoft.com/office/powerpoint/2010/main" val="378860933"/>
+        <p14:creationId xmlns:p14="http://schemas.microsoft.com/office/powerpoint/2010/main" val="3885048835"/>
       </p:ext>
     </p:extLst>
   </p:cSld>
@@ -8679,35 +8576,6 @@
           </a:p>
         </p:txBody>
       </p:sp>
-      <p:pic>
-        <p:nvPicPr>
-          <p:cNvPr id="14" name="圖片 13">
-            <a:extLst>
-              <a:ext uri="{FF2B5EF4-FFF2-40B4-BE49-F238E27FC236}">
-                <a16:creationId xmlns:a16="http://schemas.microsoft.com/office/drawing/2014/main" id="{77BAA182-3E64-4599-8890-7986FD472B2D}"/>
-              </a:ext>
-            </a:extLst>
-          </p:cNvPr>
-          <p:cNvPicPr>
-            <a:picLocks noChangeAspect="1"/>
-          </p:cNvPicPr>
-          <p:nvPr/>
-        </p:nvPicPr>
-        <p:blipFill rotWithShape="1">
-          <a:blip r:embed="rId2"/>
-          <a:srcRect t="7756" b="26411"/>
-          <a:stretch/>
-        </p:blipFill>
-        <p:spPr>
-          <a:xfrm>
-            <a:off x="3375801" y="1109864"/>
-            <a:ext cx="7804916" cy="1777174"/>
-          </a:xfrm>
-          <a:prstGeom prst="rect">
-            <a:avLst/>
-          </a:prstGeom>
-        </p:spPr>
-      </p:pic>
       <p:sp>
         <p:nvSpPr>
           <p:cNvPr id="16" name="矩形 15">
@@ -8722,8 +8590,8 @@
         </p:nvSpPr>
         <p:spPr>
           <a:xfrm>
-            <a:off x="3087739" y="3088355"/>
-            <a:ext cx="9038860" cy="3416320"/>
+            <a:off x="3084314" y="2274838"/>
+            <a:ext cx="9038860" cy="2308324"/>
           </a:xfrm>
           <a:prstGeom prst="rect">
             <a:avLst/>
@@ -8740,16 +8608,6 @@
               <a:buChar char="l"/>
             </a:pPr>
             <a:r>
-              <a:rPr lang="en-US" altLang="zh-TW" sz="2400" dirty="0" err="1">
-                <a:solidFill>
-                  <a:schemeClr val="bg1"/>
-                </a:solidFill>
-                <a:latin typeface="Consolas" panose="020B0609020204030204" pitchFamily="49" charset="0"/>
-                <a:ea typeface="微軟正黑體" panose="020B0604030504040204" pitchFamily="34" charset="-120"/>
-              </a:rPr>
-              <a:t>eposides</a:t>
-            </a:r>
-            <a:r>
               <a:rPr lang="en-US" altLang="zh-TW" sz="2400" dirty="0">
                 <a:solidFill>
                   <a:schemeClr val="bg1"/>
@@ -8757,7 +8615,7 @@
                 <a:latin typeface="Consolas" panose="020B0609020204030204" pitchFamily="49" charset="0"/>
                 <a:ea typeface="微軟正黑體" panose="020B0604030504040204" pitchFamily="34" charset="-120"/>
               </a:rPr>
-              <a:t> = 100000000</a:t>
+              <a:t>MAX_SIZE=2600</a:t>
             </a:r>
           </a:p>
           <a:p>
@@ -8779,7 +8637,27 @@
                 <a:latin typeface="Consolas" panose="020B0609020204030204" pitchFamily="49" charset="0"/>
                 <a:ea typeface="微軟正黑體" panose="020B0604030504040204" pitchFamily="34" charset="-120"/>
               </a:rPr>
-              <a:t>更多的訓練次數，理想是無限多</a:t>
+              <a:t>提高訓練時所使用的</a:t>
+            </a:r>
+            <a:r>
+              <a:rPr lang="en-US" altLang="zh-TW" sz="2400" dirty="0">
+                <a:solidFill>
+                  <a:schemeClr val="bg1"/>
+                </a:solidFill>
+                <a:latin typeface="Consolas" panose="020B0609020204030204" pitchFamily="49" charset="0"/>
+                <a:ea typeface="微軟正黑體" panose="020B0604030504040204" pitchFamily="34" charset="-120"/>
+              </a:rPr>
+              <a:t>GPU</a:t>
+            </a:r>
+            <a:r>
+              <a:rPr lang="zh-TW" altLang="en-US" sz="2400" dirty="0">
+                <a:solidFill>
+                  <a:schemeClr val="bg1"/>
+                </a:solidFill>
+                <a:latin typeface="Consolas" panose="020B0609020204030204" pitchFamily="49" charset="0"/>
+                <a:ea typeface="微軟正黑體" panose="020B0604030504040204" pitchFamily="34" charset="-120"/>
+              </a:rPr>
+              <a:t>記憶體</a:t>
             </a:r>
           </a:p>
           <a:p>
@@ -8795,7 +8673,7 @@
                 <a:latin typeface="Consolas" panose="020B0609020204030204" pitchFamily="49" charset="0"/>
                 <a:ea typeface="微軟正黑體" panose="020B0604030504040204" pitchFamily="34" charset="-120"/>
               </a:rPr>
-              <a:t>gamma = 0.99</a:t>
+              <a:t>NUM_EPISODES = 1000000</a:t>
             </a:r>
           </a:p>
           <a:p>
@@ -8817,7 +8695,7 @@
                 <a:latin typeface="Consolas" panose="020B0609020204030204" pitchFamily="49" charset="0"/>
                 <a:ea typeface="微軟正黑體" panose="020B0604030504040204" pitchFamily="34" charset="-120"/>
               </a:rPr>
-              <a:t>比預設值更趨近於</a:t>
+              <a:t>更多的訓練次數，直到</a:t>
             </a:r>
             <a:r>
               <a:rPr lang="en-US" altLang="zh-TW" sz="2400" dirty="0">
@@ -8827,7 +8705,7 @@
                 <a:latin typeface="Consolas" panose="020B0609020204030204" pitchFamily="49" charset="0"/>
                 <a:ea typeface="微軟正黑體" panose="020B0604030504040204" pitchFamily="34" charset="-120"/>
               </a:rPr>
-              <a:t>1</a:t>
+              <a:t>Agent</a:t>
             </a:r>
             <a:r>
               <a:rPr lang="zh-TW" altLang="en-US" sz="2400" dirty="0">
@@ -8837,8 +8715,15 @@
                 <a:latin typeface="Consolas" panose="020B0609020204030204" pitchFamily="49" charset="0"/>
                 <a:ea typeface="微軟正黑體" panose="020B0604030504040204" pitchFamily="34" charset="-120"/>
               </a:rPr>
-              <a:t>，更重視長期的獎勵</a:t>
+              <a:t>成功破關為止</a:t>
             </a:r>
+            <a:endParaRPr lang="en-US" altLang="zh-TW" sz="2400" dirty="0">
+              <a:solidFill>
+                <a:schemeClr val="bg1"/>
+              </a:solidFill>
+              <a:latin typeface="Consolas" panose="020B0609020204030204" pitchFamily="49" charset="0"/>
+              <a:ea typeface="微軟正黑體" panose="020B0604030504040204" pitchFamily="34" charset="-120"/>
+            </a:endParaRPr>
           </a:p>
           <a:p>
             <a:pPr marL="342900" indent="-342900">
@@ -8853,7 +8738,7 @@
                 <a:latin typeface="Consolas" panose="020B0609020204030204" pitchFamily="49" charset="0"/>
                 <a:ea typeface="微軟正黑體" panose="020B0604030504040204" pitchFamily="34" charset="-120"/>
               </a:rPr>
-              <a:t>alpha = 0.005</a:t>
+              <a:t>LEARNING_RATE = 0.0001</a:t>
             </a:r>
           </a:p>
           <a:p>
@@ -8877,95 +8762,6 @@
               </a:rPr>
               <a:t>降低學習率，但要提高訓練次數才能達到加強學習的效果</a:t>
             </a:r>
-          </a:p>
-          <a:p>
-            <a:pPr marL="342900" indent="-342900">
-              <a:buFont typeface="Wingdings" panose="05000000000000000000" pitchFamily="2" charset="2"/>
-              <a:buChar char="l"/>
-            </a:pPr>
-            <a:r>
-              <a:rPr lang="en-US" altLang="zh-TW" sz="2400" dirty="0" err="1">
-                <a:solidFill>
-                  <a:schemeClr val="bg1"/>
-                </a:solidFill>
-                <a:latin typeface="Consolas" panose="020B0609020204030204" pitchFamily="49" charset="0"/>
-                <a:ea typeface="微軟正黑體" panose="020B0604030504040204" pitchFamily="34" charset="-120"/>
-              </a:rPr>
-              <a:t>eposilon</a:t>
-            </a:r>
-            <a:r>
-              <a:rPr lang="en-US" altLang="zh-TW" sz="2400" dirty="0">
-                <a:solidFill>
-                  <a:schemeClr val="bg1"/>
-                </a:solidFill>
-                <a:latin typeface="Consolas" panose="020B0609020204030204" pitchFamily="49" charset="0"/>
-                <a:ea typeface="微軟正黑體" panose="020B0604030504040204" pitchFamily="34" charset="-120"/>
-              </a:rPr>
-              <a:t> = 0.99</a:t>
-            </a:r>
-          </a:p>
-          <a:p>
-            <a:pPr lvl="1"/>
-            <a:r>
-              <a:rPr lang="en-US" altLang="zh-TW" sz="2400" dirty="0">
-                <a:solidFill>
-                  <a:schemeClr val="bg1"/>
-                </a:solidFill>
-                <a:latin typeface="Consolas" panose="020B0609020204030204" pitchFamily="49" charset="0"/>
-                <a:ea typeface="微軟正黑體" panose="020B0604030504040204" pitchFamily="34" charset="-120"/>
-              </a:rPr>
-              <a:t>	</a:t>
-            </a:r>
-            <a:r>
-              <a:rPr lang="zh-TW" altLang="en-US" sz="2400" dirty="0">
-                <a:solidFill>
-                  <a:schemeClr val="bg1"/>
-                </a:solidFill>
-                <a:latin typeface="Consolas" panose="020B0609020204030204" pitchFamily="49" charset="0"/>
-                <a:ea typeface="微軟正黑體" panose="020B0604030504040204" pitchFamily="34" charset="-120"/>
-              </a:rPr>
-              <a:t>提高</a:t>
-            </a:r>
-            <a:r>
-              <a:rPr lang="en-US" altLang="zh-TW" sz="2400" dirty="0">
-                <a:solidFill>
-                  <a:schemeClr val="bg1"/>
-                </a:solidFill>
-                <a:latin typeface="Consolas" panose="020B0609020204030204" pitchFamily="49" charset="0"/>
-                <a:ea typeface="微軟正黑體" panose="020B0604030504040204" pitchFamily="34" charset="-120"/>
-              </a:rPr>
-              <a:t>Greedy</a:t>
-            </a:r>
-            <a:r>
-              <a:rPr lang="zh-TW" altLang="en-US" sz="2400" dirty="0">
-                <a:solidFill>
-                  <a:schemeClr val="bg1"/>
-                </a:solidFill>
-                <a:latin typeface="Consolas" panose="020B0609020204030204" pitchFamily="49" charset="0"/>
-                <a:ea typeface="微軟正黑體" panose="020B0604030504040204" pitchFamily="34" charset="-120"/>
-              </a:rPr>
-              <a:t>初始搜尋路徑的廣泛性，比較慢收斂，但藉由</a:t>
-            </a:r>
-            <a:r>
-              <a:rPr lang="en-US" altLang="zh-TW" sz="2400" dirty="0">
-                <a:solidFill>
-                  <a:schemeClr val="bg1"/>
-                </a:solidFill>
-                <a:latin typeface="Consolas" panose="020B0609020204030204" pitchFamily="49" charset="0"/>
-                <a:ea typeface="微軟正黑體" panose="020B0604030504040204" pitchFamily="34" charset="-120"/>
-              </a:rPr>
-              <a:t>	</a:t>
-            </a:r>
-            <a:r>
-              <a:rPr lang="zh-TW" altLang="en-US" sz="2400" dirty="0">
-                <a:solidFill>
-                  <a:schemeClr val="bg1"/>
-                </a:solidFill>
-                <a:latin typeface="Consolas" panose="020B0609020204030204" pitchFamily="49" charset="0"/>
-                <a:ea typeface="微軟正黑體" panose="020B0604030504040204" pitchFamily="34" charset="-120"/>
-              </a:rPr>
-              <a:t>訓練次數增加會有較好的學習效果</a:t>
-            </a:r>
             <a:endParaRPr lang="en-US" altLang="zh-TW" sz="2400" dirty="0">
               <a:solidFill>
                 <a:schemeClr val="bg1"/>
@@ -8979,7 +8775,7 @@
     </p:spTree>
     <p:extLst>
       <p:ext uri="{BB962C8B-B14F-4D97-AF65-F5344CB8AC3E}">
-        <p14:creationId xmlns:p14="http://schemas.microsoft.com/office/powerpoint/2010/main" val="3885048835"/>
+        <p14:creationId xmlns:p14="http://schemas.microsoft.com/office/powerpoint/2010/main" val="4261980028"/>
       </p:ext>
     </p:extLst>
   </p:cSld>
@@ -9016,4527 +8812,6 @@
           <a:chExt cx="0" cy="0"/>
         </a:xfrm>
       </p:grpSpPr>
-      <p:pic>
-        <p:nvPicPr>
-          <p:cNvPr id="4" name="圖片 3">
-            <a:extLst>
-              <a:ext uri="{FF2B5EF4-FFF2-40B4-BE49-F238E27FC236}">
-                <a16:creationId xmlns:a16="http://schemas.microsoft.com/office/drawing/2014/main" id="{9D5AEBD1-DE02-46EE-981A-FEBE0CEDE49A}"/>
-              </a:ext>
-            </a:extLst>
-          </p:cNvPr>
-          <p:cNvPicPr>
-            <a:picLocks noChangeAspect="1"/>
-          </p:cNvPicPr>
-          <p:nvPr/>
-        </p:nvPicPr>
-        <p:blipFill>
-          <a:blip r:embed="rId2"/>
-          <a:stretch>
-            <a:fillRect/>
-          </a:stretch>
-        </p:blipFill>
-        <p:spPr>
-          <a:xfrm>
-            <a:off x="3375801" y="2821597"/>
-            <a:ext cx="8698218" cy="3156102"/>
-          </a:xfrm>
-          <a:prstGeom prst="rect">
-            <a:avLst/>
-          </a:prstGeom>
-        </p:spPr>
-      </p:pic>
-      <p:cxnSp>
-        <p:nvCxnSpPr>
-          <p:cNvPr id="6" name="直線接點 5"/>
-          <p:cNvCxnSpPr/>
-          <p:nvPr/>
-        </p:nvCxnSpPr>
-        <p:spPr>
-          <a:xfrm>
-            <a:off x="3279522" y="0"/>
-            <a:ext cx="0" cy="7029450"/>
-          </a:xfrm>
-          <a:prstGeom prst="line">
-            <a:avLst/>
-          </a:prstGeom>
-          <a:ln w="3175">
-            <a:solidFill>
-              <a:schemeClr val="bg1"/>
-            </a:solidFill>
-          </a:ln>
-        </p:spPr>
-        <p:style>
-          <a:lnRef idx="1">
-            <a:schemeClr val="accent1"/>
-          </a:lnRef>
-          <a:fillRef idx="0">
-            <a:schemeClr val="accent1"/>
-          </a:fillRef>
-          <a:effectRef idx="0">
-            <a:schemeClr val="accent1"/>
-          </a:effectRef>
-          <a:fontRef idx="minor">
-            <a:schemeClr val="tx1"/>
-          </a:fontRef>
-        </p:style>
-      </p:cxnSp>
-      <p:grpSp>
-        <p:nvGrpSpPr>
-          <p:cNvPr id="58" name="群組 57"/>
-          <p:cNvGrpSpPr/>
-          <p:nvPr/>
-        </p:nvGrpSpPr>
-        <p:grpSpPr>
-          <a:xfrm rot="1014714">
-            <a:off x="-3222552" y="-4205015"/>
-            <a:ext cx="6649625" cy="7188455"/>
-            <a:chOff x="3151230" y="-70935"/>
-            <a:chExt cx="6649625" cy="7188455"/>
-          </a:xfrm>
-        </p:grpSpPr>
-        <p:sp>
-          <p:nvSpPr>
-            <p:cNvPr id="59" name="橢圓 58"/>
-            <p:cNvSpPr/>
-            <p:nvPr/>
-          </p:nvSpPr>
-          <p:spPr>
-            <a:xfrm>
-              <a:off x="3294962" y="342212"/>
-              <a:ext cx="6173576" cy="6173576"/>
-            </a:xfrm>
-            <a:prstGeom prst="ellipse">
-              <a:avLst/>
-            </a:prstGeom>
-            <a:solidFill>
-              <a:srgbClr val="27C0CE">
-                <a:alpha val="27000"/>
-              </a:srgbClr>
-            </a:solidFill>
-            <a:ln>
-              <a:noFill/>
-            </a:ln>
-          </p:spPr>
-          <p:style>
-            <a:lnRef idx="2">
-              <a:schemeClr val="accent1">
-                <a:shade val="50000"/>
-              </a:schemeClr>
-            </a:lnRef>
-            <a:fillRef idx="1">
-              <a:schemeClr val="accent1"/>
-            </a:fillRef>
-            <a:effectRef idx="0">
-              <a:schemeClr val="accent1"/>
-            </a:effectRef>
-            <a:fontRef idx="minor">
-              <a:schemeClr val="lt1"/>
-            </a:fontRef>
-          </p:style>
-          <p:txBody>
-            <a:bodyPr rtlCol="0" anchor="ctr"/>
-            <a:lstStyle/>
-            <a:p>
-              <a:pPr algn="ctr"/>
-              <a:endParaRPr lang="zh-TW" altLang="en-US" b="1" dirty="0"/>
-            </a:p>
-          </p:txBody>
-        </p:sp>
-        <p:sp>
-          <p:nvSpPr>
-            <p:cNvPr id="60" name="橢圓 59"/>
-            <p:cNvSpPr/>
-            <p:nvPr/>
-          </p:nvSpPr>
-          <p:spPr>
-            <a:xfrm>
-              <a:off x="3627279" y="943944"/>
-              <a:ext cx="6173576" cy="6173576"/>
-            </a:xfrm>
-            <a:prstGeom prst="ellipse">
-              <a:avLst/>
-            </a:prstGeom>
-            <a:solidFill>
-              <a:srgbClr val="27C0CE">
-                <a:alpha val="27000"/>
-              </a:srgbClr>
-            </a:solidFill>
-            <a:ln>
-              <a:noFill/>
-            </a:ln>
-          </p:spPr>
-          <p:style>
-            <a:lnRef idx="2">
-              <a:schemeClr val="accent1">
-                <a:shade val="50000"/>
-              </a:schemeClr>
-            </a:lnRef>
-            <a:fillRef idx="1">
-              <a:schemeClr val="accent1"/>
-            </a:fillRef>
-            <a:effectRef idx="0">
-              <a:schemeClr val="accent1"/>
-            </a:effectRef>
-            <a:fontRef idx="minor">
-              <a:schemeClr val="lt1"/>
-            </a:fontRef>
-          </p:style>
-          <p:txBody>
-            <a:bodyPr rtlCol="0" anchor="ctr"/>
-            <a:lstStyle/>
-            <a:p>
-              <a:pPr algn="ctr"/>
-              <a:endParaRPr lang="zh-TW" altLang="en-US" b="1" dirty="0"/>
-            </a:p>
-          </p:txBody>
-        </p:sp>
-        <p:sp>
-          <p:nvSpPr>
-            <p:cNvPr id="61" name="橢圓 60"/>
-            <p:cNvSpPr/>
-            <p:nvPr/>
-          </p:nvSpPr>
-          <p:spPr>
-            <a:xfrm>
-              <a:off x="3151230" y="-70935"/>
-              <a:ext cx="6173576" cy="6173576"/>
-            </a:xfrm>
-            <a:prstGeom prst="ellipse">
-              <a:avLst/>
-            </a:prstGeom>
-            <a:solidFill>
-              <a:srgbClr val="27C0CE">
-                <a:alpha val="27000"/>
-              </a:srgbClr>
-            </a:solidFill>
-            <a:ln>
-              <a:noFill/>
-            </a:ln>
-          </p:spPr>
-          <p:style>
-            <a:lnRef idx="2">
-              <a:schemeClr val="accent1">
-                <a:shade val="50000"/>
-              </a:schemeClr>
-            </a:lnRef>
-            <a:fillRef idx="1">
-              <a:schemeClr val="accent1"/>
-            </a:fillRef>
-            <a:effectRef idx="0">
-              <a:schemeClr val="accent1"/>
-            </a:effectRef>
-            <a:fontRef idx="minor">
-              <a:schemeClr val="lt1"/>
-            </a:fontRef>
-          </p:style>
-          <p:txBody>
-            <a:bodyPr rtlCol="0" anchor="ctr"/>
-            <a:lstStyle/>
-            <a:p>
-              <a:pPr algn="ctr"/>
-              <a:endParaRPr lang="zh-TW" altLang="en-US" b="1" dirty="0"/>
-            </a:p>
-          </p:txBody>
-        </p:sp>
-      </p:grpSp>
-      <p:grpSp>
-        <p:nvGrpSpPr>
-          <p:cNvPr id="62" name="群組 61"/>
-          <p:cNvGrpSpPr/>
-          <p:nvPr/>
-        </p:nvGrpSpPr>
-        <p:grpSpPr>
-          <a:xfrm rot="9562422">
-            <a:off x="10244013" y="5379962"/>
-            <a:ext cx="3000905" cy="3244073"/>
-            <a:chOff x="3151230" y="-70935"/>
-            <a:chExt cx="6649625" cy="7188455"/>
-          </a:xfrm>
-        </p:grpSpPr>
-        <p:sp>
-          <p:nvSpPr>
-            <p:cNvPr id="63" name="橢圓 62"/>
-            <p:cNvSpPr/>
-            <p:nvPr/>
-          </p:nvSpPr>
-          <p:spPr>
-            <a:xfrm>
-              <a:off x="3294962" y="342212"/>
-              <a:ext cx="6173576" cy="6173576"/>
-            </a:xfrm>
-            <a:prstGeom prst="ellipse">
-              <a:avLst/>
-            </a:prstGeom>
-            <a:solidFill>
-              <a:srgbClr val="27C0CE">
-                <a:alpha val="27000"/>
-              </a:srgbClr>
-            </a:solidFill>
-            <a:ln>
-              <a:noFill/>
-            </a:ln>
-          </p:spPr>
-          <p:style>
-            <a:lnRef idx="2">
-              <a:schemeClr val="accent1">
-                <a:shade val="50000"/>
-              </a:schemeClr>
-            </a:lnRef>
-            <a:fillRef idx="1">
-              <a:schemeClr val="accent1"/>
-            </a:fillRef>
-            <a:effectRef idx="0">
-              <a:schemeClr val="accent1"/>
-            </a:effectRef>
-            <a:fontRef idx="minor">
-              <a:schemeClr val="lt1"/>
-            </a:fontRef>
-          </p:style>
-          <p:txBody>
-            <a:bodyPr rtlCol="0" anchor="ctr"/>
-            <a:lstStyle/>
-            <a:p>
-              <a:pPr algn="ctr"/>
-              <a:endParaRPr lang="zh-TW" altLang="en-US" b="1" dirty="0"/>
-            </a:p>
-          </p:txBody>
-        </p:sp>
-        <p:sp>
-          <p:nvSpPr>
-            <p:cNvPr id="64" name="橢圓 63"/>
-            <p:cNvSpPr/>
-            <p:nvPr/>
-          </p:nvSpPr>
-          <p:spPr>
-            <a:xfrm>
-              <a:off x="3627279" y="943944"/>
-              <a:ext cx="6173576" cy="6173576"/>
-            </a:xfrm>
-            <a:prstGeom prst="ellipse">
-              <a:avLst/>
-            </a:prstGeom>
-            <a:solidFill>
-              <a:srgbClr val="27C0CE">
-                <a:alpha val="27000"/>
-              </a:srgbClr>
-            </a:solidFill>
-            <a:ln>
-              <a:noFill/>
-            </a:ln>
-          </p:spPr>
-          <p:style>
-            <a:lnRef idx="2">
-              <a:schemeClr val="accent1">
-                <a:shade val="50000"/>
-              </a:schemeClr>
-            </a:lnRef>
-            <a:fillRef idx="1">
-              <a:schemeClr val="accent1"/>
-            </a:fillRef>
-            <a:effectRef idx="0">
-              <a:schemeClr val="accent1"/>
-            </a:effectRef>
-            <a:fontRef idx="minor">
-              <a:schemeClr val="lt1"/>
-            </a:fontRef>
-          </p:style>
-          <p:txBody>
-            <a:bodyPr rtlCol="0" anchor="ctr"/>
-            <a:lstStyle/>
-            <a:p>
-              <a:pPr algn="ctr"/>
-              <a:endParaRPr lang="zh-TW" altLang="en-US" b="1" dirty="0"/>
-            </a:p>
-          </p:txBody>
-        </p:sp>
-        <p:sp>
-          <p:nvSpPr>
-            <p:cNvPr id="65" name="橢圓 64"/>
-            <p:cNvSpPr/>
-            <p:nvPr/>
-          </p:nvSpPr>
-          <p:spPr>
-            <a:xfrm>
-              <a:off x="3151230" y="-70935"/>
-              <a:ext cx="6173576" cy="6173576"/>
-            </a:xfrm>
-            <a:prstGeom prst="ellipse">
-              <a:avLst/>
-            </a:prstGeom>
-            <a:solidFill>
-              <a:srgbClr val="27C0CE">
-                <a:alpha val="27000"/>
-              </a:srgbClr>
-            </a:solidFill>
-            <a:ln>
-              <a:noFill/>
-            </a:ln>
-          </p:spPr>
-          <p:style>
-            <a:lnRef idx="2">
-              <a:schemeClr val="accent1">
-                <a:shade val="50000"/>
-              </a:schemeClr>
-            </a:lnRef>
-            <a:fillRef idx="1">
-              <a:schemeClr val="accent1"/>
-            </a:fillRef>
-            <a:effectRef idx="0">
-              <a:schemeClr val="accent1"/>
-            </a:effectRef>
-            <a:fontRef idx="minor">
-              <a:schemeClr val="lt1"/>
-            </a:fontRef>
-          </p:style>
-          <p:txBody>
-            <a:bodyPr rtlCol="0" anchor="ctr"/>
-            <a:lstStyle/>
-            <a:p>
-              <a:pPr algn="ctr"/>
-              <a:endParaRPr lang="zh-TW" altLang="en-US" b="1" dirty="0"/>
-            </a:p>
-          </p:txBody>
-        </p:sp>
-      </p:grpSp>
-      <p:sp>
-        <p:nvSpPr>
-          <p:cNvPr id="115" name="矩形 114"/>
-          <p:cNvSpPr/>
-          <p:nvPr/>
-        </p:nvSpPr>
-        <p:spPr>
-          <a:xfrm>
-            <a:off x="412531" y="23573"/>
-            <a:ext cx="1851789" cy="2172582"/>
-          </a:xfrm>
-          <a:prstGeom prst="rect">
-            <a:avLst/>
-          </a:prstGeom>
-        </p:spPr>
-        <p:txBody>
-          <a:bodyPr wrap="none">
-            <a:spAutoFit/>
-          </a:bodyPr>
-          <a:lstStyle/>
-          <a:p>
-            <a:pPr>
-              <a:lnSpc>
-                <a:spcPct val="150000"/>
-              </a:lnSpc>
-            </a:pPr>
-            <a:r>
-              <a:rPr lang="zh-TW" altLang="en-US" sz="4800" b="1" dirty="0">
-                <a:solidFill>
-                  <a:schemeClr val="bg1"/>
-                </a:solidFill>
-                <a:latin typeface="微軟正黑體" panose="020B0604030504040204" pitchFamily="34" charset="-120"/>
-                <a:ea typeface="微軟正黑體" panose="020B0604030504040204" pitchFamily="34" charset="-120"/>
-              </a:rPr>
-              <a:t>程式</a:t>
-            </a:r>
-            <a:endParaRPr lang="en-US" altLang="zh-TW" sz="4800" b="1" dirty="0">
-              <a:solidFill>
-                <a:schemeClr val="bg1"/>
-              </a:solidFill>
-              <a:latin typeface="微軟正黑體" panose="020B0604030504040204" pitchFamily="34" charset="-120"/>
-              <a:ea typeface="微軟正黑體" panose="020B0604030504040204" pitchFamily="34" charset="-120"/>
-            </a:endParaRPr>
-          </a:p>
-          <a:p>
-            <a:pPr>
-              <a:lnSpc>
-                <a:spcPct val="150000"/>
-              </a:lnSpc>
-            </a:pPr>
-            <a:r>
-              <a:rPr lang="zh-TW" altLang="en-US" sz="4800" b="1" dirty="0">
-                <a:solidFill>
-                  <a:schemeClr val="bg1"/>
-                </a:solidFill>
-                <a:latin typeface="微軟正黑體" panose="020B0604030504040204" pitchFamily="34" charset="-120"/>
-                <a:ea typeface="微軟正黑體" panose="020B0604030504040204" pitchFamily="34" charset="-120"/>
-              </a:rPr>
-              <a:t>│說明</a:t>
-            </a:r>
-          </a:p>
-        </p:txBody>
-      </p:sp>
-      <p:sp>
-        <p:nvSpPr>
-          <p:cNvPr id="15" name="矩形 14">
-            <a:extLst>
-              <a:ext uri="{FF2B5EF4-FFF2-40B4-BE49-F238E27FC236}">
-                <a16:creationId xmlns:a16="http://schemas.microsoft.com/office/drawing/2014/main" id="{D7A74507-4523-45F4-8C0D-CCC2BF64054E}"/>
-              </a:ext>
-            </a:extLst>
-          </p:cNvPr>
-          <p:cNvSpPr/>
-          <p:nvPr/>
-        </p:nvSpPr>
-        <p:spPr>
-          <a:xfrm>
-            <a:off x="3044986" y="549369"/>
-            <a:ext cx="6743700" cy="584775"/>
-          </a:xfrm>
-          <a:prstGeom prst="rect">
-            <a:avLst/>
-          </a:prstGeom>
-        </p:spPr>
-        <p:txBody>
-          <a:bodyPr wrap="square">
-            <a:spAutoFit/>
-          </a:bodyPr>
-          <a:lstStyle/>
-          <a:p>
-            <a:pPr marL="342900" indent="-342900">
-              <a:buFont typeface="Wingdings" panose="05000000000000000000" pitchFamily="2" charset="2"/>
-              <a:buChar char="l"/>
-            </a:pPr>
-            <a:r>
-              <a:rPr lang="zh-TW" altLang="en-US" sz="3200" dirty="0">
-                <a:solidFill>
-                  <a:schemeClr val="bg1"/>
-                </a:solidFill>
-                <a:latin typeface="Consolas" panose="020B0609020204030204" pitchFamily="49" charset="0"/>
-                <a:ea typeface="微軟正黑體" panose="020B0604030504040204" pitchFamily="34" charset="-120"/>
-              </a:rPr>
-              <a:t>設定輸出資料夾及</a:t>
-            </a:r>
-            <a:r>
-              <a:rPr lang="en-US" altLang="zh-TW" sz="3200" dirty="0">
-                <a:solidFill>
-                  <a:schemeClr val="bg1"/>
-                </a:solidFill>
-                <a:latin typeface="Consolas" panose="020B0609020204030204" pitchFamily="49" charset="0"/>
-                <a:ea typeface="微軟正黑體" panose="020B0604030504040204" pitchFamily="34" charset="-120"/>
-              </a:rPr>
-              <a:t>CSV</a:t>
-            </a:r>
-            <a:r>
-              <a:rPr lang="zh-TW" altLang="en-US" sz="3200" dirty="0">
-                <a:solidFill>
-                  <a:schemeClr val="bg1"/>
-                </a:solidFill>
-                <a:latin typeface="Consolas" panose="020B0609020204030204" pitchFamily="49" charset="0"/>
-                <a:ea typeface="微軟正黑體" panose="020B0604030504040204" pitchFamily="34" charset="-120"/>
-              </a:rPr>
-              <a:t>檔名稱</a:t>
-            </a:r>
-            <a:endParaRPr lang="zh-TW" altLang="en-US" sz="2400" dirty="0">
-              <a:solidFill>
-                <a:schemeClr val="bg1"/>
-              </a:solidFill>
-              <a:latin typeface="Consolas" panose="020B0609020204030204" pitchFamily="49" charset="0"/>
-              <a:ea typeface="微軟正黑體" panose="020B0604030504040204" pitchFamily="34" charset="-120"/>
-            </a:endParaRPr>
-          </a:p>
-        </p:txBody>
-      </p:sp>
-      <p:pic>
-        <p:nvPicPr>
-          <p:cNvPr id="14" name="圖片 13">
-            <a:extLst>
-              <a:ext uri="{FF2B5EF4-FFF2-40B4-BE49-F238E27FC236}">
-                <a16:creationId xmlns:a16="http://schemas.microsoft.com/office/drawing/2014/main" id="{8BCCD306-B89D-43D9-A15D-99C64D874502}"/>
-              </a:ext>
-            </a:extLst>
-          </p:cNvPr>
-          <p:cNvPicPr>
-            <a:picLocks noChangeAspect="1"/>
-          </p:cNvPicPr>
-          <p:nvPr/>
-        </p:nvPicPr>
-        <p:blipFill rotWithShape="1">
-          <a:blip r:embed="rId3"/>
-          <a:srcRect t="71748"/>
-          <a:stretch/>
-        </p:blipFill>
-        <p:spPr>
-          <a:xfrm>
-            <a:off x="3375801" y="1274107"/>
-            <a:ext cx="8737539" cy="853787"/>
-          </a:xfrm>
-          <a:prstGeom prst="rect">
-            <a:avLst/>
-          </a:prstGeom>
-        </p:spPr>
-      </p:pic>
-      <p:sp>
-        <p:nvSpPr>
-          <p:cNvPr id="16" name="矩形 15">
-            <a:extLst>
-              <a:ext uri="{FF2B5EF4-FFF2-40B4-BE49-F238E27FC236}">
-                <a16:creationId xmlns:a16="http://schemas.microsoft.com/office/drawing/2014/main" id="{79FD9258-75A6-41CF-995F-8AA37A5A0127}"/>
-              </a:ext>
-            </a:extLst>
-          </p:cNvPr>
-          <p:cNvSpPr/>
-          <p:nvPr/>
-        </p:nvSpPr>
-        <p:spPr>
-          <a:xfrm>
-            <a:off x="3044986" y="2263770"/>
-            <a:ext cx="6743700" cy="584775"/>
-          </a:xfrm>
-          <a:prstGeom prst="rect">
-            <a:avLst/>
-          </a:prstGeom>
-        </p:spPr>
-        <p:txBody>
-          <a:bodyPr wrap="square">
-            <a:spAutoFit/>
-          </a:bodyPr>
-          <a:lstStyle/>
-          <a:p>
-            <a:pPr marL="342900" indent="-342900">
-              <a:buFont typeface="Wingdings" panose="05000000000000000000" pitchFamily="2" charset="2"/>
-              <a:buChar char="l"/>
-            </a:pPr>
-            <a:r>
-              <a:rPr lang="zh-TW" altLang="en-US" sz="3200" dirty="0">
-                <a:solidFill>
-                  <a:schemeClr val="bg1"/>
-                </a:solidFill>
-                <a:latin typeface="Consolas" panose="020B0609020204030204" pitchFamily="49" charset="0"/>
-                <a:ea typeface="微軟正黑體" panose="020B0604030504040204" pitchFamily="34" charset="-120"/>
-              </a:rPr>
-              <a:t>輸出資料夾及</a:t>
-            </a:r>
-            <a:r>
-              <a:rPr lang="en-US" altLang="zh-TW" sz="3200" dirty="0">
-                <a:solidFill>
-                  <a:schemeClr val="bg1"/>
-                </a:solidFill>
-                <a:latin typeface="Consolas" panose="020B0609020204030204" pitchFamily="49" charset="0"/>
-                <a:ea typeface="微軟正黑體" panose="020B0604030504040204" pitchFamily="34" charset="-120"/>
-              </a:rPr>
-              <a:t>CSV</a:t>
-            </a:r>
-            <a:r>
-              <a:rPr lang="zh-TW" altLang="en-US" sz="3200" dirty="0">
-                <a:solidFill>
-                  <a:schemeClr val="bg1"/>
-                </a:solidFill>
-                <a:latin typeface="Consolas" panose="020B0609020204030204" pitchFamily="49" charset="0"/>
-                <a:ea typeface="微軟正黑體" panose="020B0604030504040204" pitchFamily="34" charset="-120"/>
-              </a:rPr>
-              <a:t>檔</a:t>
-            </a:r>
-            <a:endParaRPr lang="zh-TW" altLang="en-US" sz="2400" dirty="0">
-              <a:solidFill>
-                <a:schemeClr val="bg1"/>
-              </a:solidFill>
-              <a:latin typeface="Consolas" panose="020B0609020204030204" pitchFamily="49" charset="0"/>
-              <a:ea typeface="微軟正黑體" panose="020B0604030504040204" pitchFamily="34" charset="-120"/>
-            </a:endParaRPr>
-          </a:p>
-        </p:txBody>
-      </p:sp>
-    </p:spTree>
-    <p:extLst>
-      <p:ext uri="{BB962C8B-B14F-4D97-AF65-F5344CB8AC3E}">
-        <p14:creationId xmlns:p14="http://schemas.microsoft.com/office/powerpoint/2010/main" val="2181551862"/>
-      </p:ext>
-    </p:extLst>
-  </p:cSld>
-  <p:clrMapOvr>
-    <a:masterClrMapping/>
-  </p:clrMapOvr>
-</p:sld>
-</file>
-
-<file path=ppt/slides/slide6.xml><?xml version="1.0" encoding="utf-8"?>
-<p:sld xmlns:a="http://schemas.openxmlformats.org/drawingml/2006/main" xmlns:r="http://schemas.openxmlformats.org/officeDocument/2006/relationships" xmlns:p="http://schemas.openxmlformats.org/presentationml/2006/main">
-  <p:cSld>
-    <p:bg>
-      <p:bgPr>
-        <a:solidFill>
-          <a:schemeClr val="tx2">
-            <a:lumMod val="50000"/>
-          </a:schemeClr>
-        </a:solidFill>
-        <a:effectLst/>
-      </p:bgPr>
-    </p:bg>
-    <p:spTree>
-      <p:nvGrpSpPr>
-        <p:cNvPr id="1" name=""/>
-        <p:cNvGrpSpPr/>
-        <p:nvPr/>
-      </p:nvGrpSpPr>
-      <p:grpSpPr>
-        <a:xfrm>
-          <a:off x="0" y="0"/>
-          <a:ext cx="0" cy="0"/>
-          <a:chOff x="0" y="0"/>
-          <a:chExt cx="0" cy="0"/>
-        </a:xfrm>
-      </p:grpSpPr>
-      <p:sp>
-        <p:nvSpPr>
-          <p:cNvPr id="41" name="矩形 40">
-            <a:extLst>
-              <a:ext uri="{FF2B5EF4-FFF2-40B4-BE49-F238E27FC236}">
-                <a16:creationId xmlns:a16="http://schemas.microsoft.com/office/drawing/2014/main" id="{BEBC8A3A-152C-4E19-AB03-E91EC3287F31}"/>
-              </a:ext>
-            </a:extLst>
-          </p:cNvPr>
-          <p:cNvSpPr/>
-          <p:nvPr/>
-        </p:nvSpPr>
-        <p:spPr>
-          <a:xfrm>
-            <a:off x="974028" y="5103518"/>
-            <a:ext cx="11082853" cy="1323439"/>
-          </a:xfrm>
-          <a:prstGeom prst="rect">
-            <a:avLst/>
-          </a:prstGeom>
-        </p:spPr>
-        <p:txBody>
-          <a:bodyPr wrap="square">
-            <a:spAutoFit/>
-          </a:bodyPr>
-          <a:lstStyle/>
-          <a:p>
-            <a:pPr marL="342900" indent="-342900">
-              <a:buFont typeface="Wingdings" panose="05000000000000000000" pitchFamily="2" charset="2"/>
-              <a:buChar char="l"/>
-            </a:pPr>
-            <a:r>
-              <a:rPr lang="zh-TW" altLang="en-US" sz="2000" dirty="0">
-                <a:solidFill>
-                  <a:schemeClr val="bg1"/>
-                </a:solidFill>
-                <a:latin typeface="Consolas" panose="020B0609020204030204" pitchFamily="49" charset="0"/>
-                <a:ea typeface="微軟正黑體" panose="020B0604030504040204" pitchFamily="34" charset="-120"/>
-              </a:rPr>
-              <a:t>檔案命名格式</a:t>
-            </a:r>
-            <a:r>
-              <a:rPr lang="en-US" altLang="zh-TW" sz="2000" dirty="0">
-                <a:solidFill>
-                  <a:schemeClr val="bg1"/>
-                </a:solidFill>
-                <a:latin typeface="Consolas" panose="020B0609020204030204" pitchFamily="49" charset="0"/>
-                <a:ea typeface="微軟正黑體" panose="020B0604030504040204" pitchFamily="34" charset="-120"/>
-              </a:rPr>
-              <a:t>totalReward_eposides_eposilon_gamma_alpha.csv</a:t>
-            </a:r>
-          </a:p>
-          <a:p>
-            <a:pPr marL="342900" indent="-342900">
-              <a:buFont typeface="Wingdings" panose="05000000000000000000" pitchFamily="2" charset="2"/>
-              <a:buChar char="l"/>
-            </a:pPr>
-            <a:r>
-              <a:rPr lang="zh-TW" altLang="en-US" sz="2000" dirty="0">
-                <a:solidFill>
-                  <a:schemeClr val="bg1"/>
-                </a:solidFill>
-                <a:latin typeface="Consolas" panose="020B0609020204030204" pitchFamily="49" charset="0"/>
-                <a:ea typeface="微軟正黑體" panose="020B0604030504040204" pitchFamily="34" charset="-120"/>
-              </a:rPr>
-              <a:t>由此可知，調降</a:t>
-            </a:r>
-            <a:r>
-              <a:rPr lang="en-US" altLang="zh-TW" sz="2000" dirty="0" err="1">
-                <a:solidFill>
-                  <a:schemeClr val="bg1"/>
-                </a:solidFill>
-                <a:latin typeface="Consolas" panose="020B0609020204030204" pitchFamily="49" charset="0"/>
-                <a:ea typeface="微軟正黑體" panose="020B0604030504040204" pitchFamily="34" charset="-120"/>
-              </a:rPr>
-              <a:t>eposilon</a:t>
-            </a:r>
-            <a:r>
-              <a:rPr lang="zh-TW" altLang="en-US" sz="2000" dirty="0">
-                <a:solidFill>
-                  <a:schemeClr val="bg1"/>
-                </a:solidFill>
-                <a:latin typeface="Consolas" panose="020B0609020204030204" pitchFamily="49" charset="0"/>
-                <a:ea typeface="微軟正黑體" panose="020B0604030504040204" pitchFamily="34" charset="-120"/>
-              </a:rPr>
-              <a:t>至</a:t>
-            </a:r>
-            <a:r>
-              <a:rPr lang="en-US" altLang="zh-TW" sz="2000" dirty="0">
-                <a:solidFill>
-                  <a:schemeClr val="bg1"/>
-                </a:solidFill>
-                <a:latin typeface="Consolas" panose="020B0609020204030204" pitchFamily="49" charset="0"/>
-                <a:ea typeface="微軟正黑體" panose="020B0604030504040204" pitchFamily="34" charset="-120"/>
-              </a:rPr>
-              <a:t>0.6</a:t>
-            </a:r>
-            <a:r>
-              <a:rPr lang="zh-TW" altLang="en-US" sz="2000" dirty="0">
-                <a:solidFill>
-                  <a:schemeClr val="bg1"/>
-                </a:solidFill>
-                <a:latin typeface="Consolas" panose="020B0609020204030204" pitchFamily="49" charset="0"/>
-                <a:ea typeface="微軟正黑體" panose="020B0604030504040204" pitchFamily="34" charset="-120"/>
-              </a:rPr>
-              <a:t>左右可以在小訓練次數看到好的效果，但到達一定訓練次數之後無法繼續進步，必須改為增加</a:t>
-            </a:r>
-            <a:r>
-              <a:rPr lang="en-US" altLang="zh-TW" sz="2000" dirty="0" err="1">
-                <a:solidFill>
-                  <a:schemeClr val="bg1"/>
-                </a:solidFill>
-                <a:latin typeface="Consolas" panose="020B0609020204030204" pitchFamily="49" charset="0"/>
-                <a:ea typeface="微軟正黑體" panose="020B0604030504040204" pitchFamily="34" charset="-120"/>
-              </a:rPr>
-              <a:t>eposides</a:t>
-            </a:r>
-            <a:r>
-              <a:rPr lang="zh-TW" altLang="en-US" sz="2000" dirty="0">
-                <a:solidFill>
-                  <a:schemeClr val="bg1"/>
-                </a:solidFill>
-                <a:latin typeface="Consolas" panose="020B0609020204030204" pitchFamily="49" charset="0"/>
-                <a:ea typeface="微軟正黑體" panose="020B0604030504040204" pitchFamily="34" charset="-120"/>
-              </a:rPr>
-              <a:t>、</a:t>
-            </a:r>
-            <a:r>
-              <a:rPr lang="en-US" altLang="zh-TW" sz="2000" dirty="0" err="1">
-                <a:solidFill>
-                  <a:schemeClr val="bg1"/>
-                </a:solidFill>
-                <a:latin typeface="Consolas" panose="020B0609020204030204" pitchFamily="49" charset="0"/>
-                <a:ea typeface="微軟正黑體" panose="020B0604030504040204" pitchFamily="34" charset="-120"/>
-              </a:rPr>
-              <a:t>eposides</a:t>
-            </a:r>
-            <a:r>
-              <a:rPr lang="en-US" altLang="zh-TW" sz="2000" dirty="0">
-                <a:solidFill>
-                  <a:schemeClr val="bg1"/>
-                </a:solidFill>
-                <a:latin typeface="Consolas" panose="020B0609020204030204" pitchFamily="49" charset="0"/>
-                <a:ea typeface="微軟正黑體" panose="020B0604030504040204" pitchFamily="34" charset="-120"/>
-              </a:rPr>
-              <a:t>(</a:t>
-            </a:r>
-            <a:r>
-              <a:rPr lang="zh-TW" altLang="en-US" sz="2000" dirty="0">
-                <a:solidFill>
-                  <a:schemeClr val="bg1"/>
-                </a:solidFill>
-                <a:latin typeface="Consolas" panose="020B0609020204030204" pitchFamily="49" charset="0"/>
-                <a:ea typeface="微軟正黑體" panose="020B0604030504040204" pitchFamily="34" charset="-120"/>
-              </a:rPr>
-              <a:t>趨近</a:t>
-            </a:r>
-            <a:r>
-              <a:rPr lang="en-US" altLang="zh-TW" sz="2000" dirty="0">
-                <a:solidFill>
-                  <a:schemeClr val="bg1"/>
-                </a:solidFill>
-                <a:latin typeface="Consolas" panose="020B0609020204030204" pitchFamily="49" charset="0"/>
-                <a:ea typeface="微軟正黑體" panose="020B0604030504040204" pitchFamily="34" charset="-120"/>
-              </a:rPr>
-              <a:t>1)</a:t>
-            </a:r>
-            <a:r>
-              <a:rPr lang="zh-TW" altLang="en-US" sz="2000" dirty="0">
-                <a:solidFill>
-                  <a:schemeClr val="bg1"/>
-                </a:solidFill>
-                <a:latin typeface="Consolas" panose="020B0609020204030204" pitchFamily="49" charset="0"/>
-                <a:ea typeface="微軟正黑體" panose="020B0604030504040204" pitchFamily="34" charset="-120"/>
-              </a:rPr>
-              <a:t>、</a:t>
-            </a:r>
-            <a:r>
-              <a:rPr lang="en-US" altLang="zh-TW" sz="2000" dirty="0">
-                <a:solidFill>
-                  <a:schemeClr val="bg1"/>
-                </a:solidFill>
-                <a:latin typeface="Consolas" panose="020B0609020204030204" pitchFamily="49" charset="0"/>
-                <a:ea typeface="微軟正黑體" panose="020B0604030504040204" pitchFamily="34" charset="-120"/>
-              </a:rPr>
-              <a:t> gamma (</a:t>
-            </a:r>
-            <a:r>
-              <a:rPr lang="zh-TW" altLang="en-US" sz="2000" dirty="0">
-                <a:solidFill>
-                  <a:schemeClr val="bg1"/>
-                </a:solidFill>
-                <a:latin typeface="Consolas" panose="020B0609020204030204" pitchFamily="49" charset="0"/>
-                <a:ea typeface="微軟正黑體" panose="020B0604030504040204" pitchFamily="34" charset="-120"/>
-              </a:rPr>
-              <a:t>趨近</a:t>
-            </a:r>
-            <a:r>
-              <a:rPr lang="en-US" altLang="zh-TW" sz="2000" dirty="0">
-                <a:solidFill>
-                  <a:schemeClr val="bg1"/>
-                </a:solidFill>
-                <a:latin typeface="Consolas" panose="020B0609020204030204" pitchFamily="49" charset="0"/>
-                <a:ea typeface="微軟正黑體" panose="020B0604030504040204" pitchFamily="34" charset="-120"/>
-              </a:rPr>
-              <a:t>1) </a:t>
-            </a:r>
-            <a:r>
-              <a:rPr lang="zh-TW" altLang="en-US" sz="2000" dirty="0">
-                <a:solidFill>
-                  <a:schemeClr val="bg1"/>
-                </a:solidFill>
-                <a:latin typeface="Consolas" panose="020B0609020204030204" pitchFamily="49" charset="0"/>
-                <a:ea typeface="微軟正黑體" panose="020B0604030504040204" pitchFamily="34" charset="-120"/>
-              </a:rPr>
-              <a:t>、並隨著訓練次數增加動態減少</a:t>
-            </a:r>
-            <a:r>
-              <a:rPr lang="en-US" altLang="zh-TW" sz="2000" dirty="0">
-                <a:solidFill>
-                  <a:schemeClr val="bg1"/>
-                </a:solidFill>
-                <a:latin typeface="Consolas" panose="020B0609020204030204" pitchFamily="49" charset="0"/>
-                <a:ea typeface="微軟正黑體" panose="020B0604030504040204" pitchFamily="34" charset="-120"/>
-              </a:rPr>
-              <a:t>alpha(</a:t>
-            </a:r>
-            <a:r>
-              <a:rPr lang="zh-TW" altLang="en-US" sz="2000" dirty="0">
-                <a:solidFill>
-                  <a:schemeClr val="bg1"/>
-                </a:solidFill>
-                <a:latin typeface="Consolas" panose="020B0609020204030204" pitchFamily="49" charset="0"/>
-                <a:ea typeface="微軟正黑體" panose="020B0604030504040204" pitchFamily="34" charset="-120"/>
-              </a:rPr>
-              <a:t>由大至小</a:t>
-            </a:r>
-            <a:r>
-              <a:rPr lang="en-US" altLang="zh-TW" sz="2000" dirty="0">
-                <a:solidFill>
-                  <a:schemeClr val="bg1"/>
-                </a:solidFill>
-                <a:latin typeface="Consolas" panose="020B0609020204030204" pitchFamily="49" charset="0"/>
-                <a:ea typeface="微軟正黑體" panose="020B0604030504040204" pitchFamily="34" charset="-120"/>
-              </a:rPr>
-              <a:t>)</a:t>
-            </a:r>
-            <a:r>
-              <a:rPr lang="zh-TW" altLang="en-US" sz="2000" dirty="0">
-                <a:solidFill>
-                  <a:schemeClr val="bg1"/>
-                </a:solidFill>
-                <a:latin typeface="Consolas" panose="020B0609020204030204" pitchFamily="49" charset="0"/>
-                <a:ea typeface="微軟正黑體" panose="020B0604030504040204" pitchFamily="34" charset="-120"/>
-              </a:rPr>
-              <a:t>才能繼續進步下去</a:t>
-            </a:r>
-          </a:p>
-        </p:txBody>
-      </p:sp>
-      <p:grpSp>
-        <p:nvGrpSpPr>
-          <p:cNvPr id="124" name="群組 123"/>
-          <p:cNvGrpSpPr/>
-          <p:nvPr/>
-        </p:nvGrpSpPr>
-        <p:grpSpPr>
-          <a:xfrm>
-            <a:off x="76517" y="173495"/>
-            <a:ext cx="730717" cy="3022875"/>
-            <a:chOff x="76517" y="173495"/>
-            <a:chExt cx="730717" cy="3022875"/>
-          </a:xfrm>
-        </p:grpSpPr>
-        <p:sp>
-          <p:nvSpPr>
-            <p:cNvPr id="125" name="手繪多邊形 124"/>
-            <p:cNvSpPr/>
-            <p:nvPr/>
-          </p:nvSpPr>
-          <p:spPr>
-            <a:xfrm rot="5400000">
-              <a:off x="520588" y="462781"/>
-              <a:ext cx="174625" cy="328083"/>
-            </a:xfrm>
-            <a:custGeom>
-              <a:avLst/>
-              <a:gdLst>
-                <a:gd name="connsiteX0" fmla="*/ 0 w 287383"/>
-                <a:gd name="connsiteY0" fmla="*/ 539931 h 539931"/>
-                <a:gd name="connsiteX1" fmla="*/ 156755 w 287383"/>
-                <a:gd name="connsiteY1" fmla="*/ 0 h 539931"/>
-                <a:gd name="connsiteX2" fmla="*/ 287383 w 287383"/>
-                <a:gd name="connsiteY2" fmla="*/ 522514 h 539931"/>
-                <a:gd name="connsiteX3" fmla="*/ 0 w 287383"/>
-                <a:gd name="connsiteY3" fmla="*/ 539931 h 539931"/>
-              </a:gdLst>
-              <a:ahLst/>
-              <a:cxnLst>
-                <a:cxn ang="0">
-                  <a:pos x="connsiteX0" y="connsiteY0"/>
-                </a:cxn>
-                <a:cxn ang="0">
-                  <a:pos x="connsiteX1" y="connsiteY1"/>
-                </a:cxn>
-                <a:cxn ang="0">
-                  <a:pos x="connsiteX2" y="connsiteY2"/>
-                </a:cxn>
-                <a:cxn ang="0">
-                  <a:pos x="connsiteX3" y="connsiteY3"/>
-                </a:cxn>
-              </a:cxnLst>
-              <a:rect l="l" t="t" r="r" b="b"/>
-              <a:pathLst>
-                <a:path w="287383" h="539931">
-                  <a:moveTo>
-                    <a:pt x="0" y="539931"/>
-                  </a:moveTo>
-                  <a:lnTo>
-                    <a:pt x="156755" y="0"/>
-                  </a:lnTo>
-                  <a:lnTo>
-                    <a:pt x="287383" y="522514"/>
-                  </a:lnTo>
-                  <a:lnTo>
-                    <a:pt x="0" y="539931"/>
-                  </a:lnTo>
-                  <a:close/>
-                </a:path>
-              </a:pathLst>
-            </a:custGeom>
-            <a:noFill/>
-            <a:ln w="0">
-              <a:solidFill>
-                <a:srgbClr val="41719C"/>
-              </a:solidFill>
-            </a:ln>
-          </p:spPr>
-          <p:style>
-            <a:lnRef idx="2">
-              <a:schemeClr val="accent1">
-                <a:shade val="50000"/>
-              </a:schemeClr>
-            </a:lnRef>
-            <a:fillRef idx="1">
-              <a:schemeClr val="accent1"/>
-            </a:fillRef>
-            <a:effectRef idx="0">
-              <a:schemeClr val="accent1"/>
-            </a:effectRef>
-            <a:fontRef idx="minor">
-              <a:schemeClr val="lt1"/>
-            </a:fontRef>
-          </p:style>
-          <p:txBody>
-            <a:bodyPr rtlCol="0" anchor="ctr"/>
-            <a:lstStyle/>
-            <a:p>
-              <a:pPr algn="ctr"/>
-              <a:endParaRPr lang="zh-TW" altLang="en-US"/>
-            </a:p>
-          </p:txBody>
-        </p:sp>
-        <p:sp>
-          <p:nvSpPr>
-            <p:cNvPr id="126" name="手繪多邊形 125"/>
-            <p:cNvSpPr/>
-            <p:nvPr/>
-          </p:nvSpPr>
-          <p:spPr>
-            <a:xfrm rot="5400000">
-              <a:off x="-53607" y="332356"/>
-              <a:ext cx="434593" cy="116872"/>
-            </a:xfrm>
-            <a:custGeom>
-              <a:avLst/>
-              <a:gdLst>
-                <a:gd name="connsiteX0" fmla="*/ 618308 w 618308"/>
-                <a:gd name="connsiteY0" fmla="*/ 26126 h 209006"/>
-                <a:gd name="connsiteX1" fmla="*/ 0 w 618308"/>
-                <a:gd name="connsiteY1" fmla="*/ 209006 h 209006"/>
-                <a:gd name="connsiteX2" fmla="*/ 8708 w 618308"/>
-                <a:gd name="connsiteY2" fmla="*/ 0 h 209006"/>
-                <a:gd name="connsiteX3" fmla="*/ 618308 w 618308"/>
-                <a:gd name="connsiteY3" fmla="*/ 26126 h 209006"/>
-                <a:gd name="connsiteX0" fmla="*/ 618308 w 618308"/>
-                <a:gd name="connsiteY0" fmla="*/ 33270 h 216150"/>
-                <a:gd name="connsiteX1" fmla="*/ 0 w 618308"/>
-                <a:gd name="connsiteY1" fmla="*/ 216150 h 216150"/>
-                <a:gd name="connsiteX2" fmla="*/ 63477 w 618308"/>
-                <a:gd name="connsiteY2" fmla="*/ 0 h 216150"/>
-                <a:gd name="connsiteX3" fmla="*/ 618308 w 618308"/>
-                <a:gd name="connsiteY3" fmla="*/ 33270 h 216150"/>
-                <a:gd name="connsiteX0" fmla="*/ 711176 w 711176"/>
-                <a:gd name="connsiteY0" fmla="*/ 33270 h 192338"/>
-                <a:gd name="connsiteX1" fmla="*/ 0 w 711176"/>
-                <a:gd name="connsiteY1" fmla="*/ 192338 h 192338"/>
-                <a:gd name="connsiteX2" fmla="*/ 156345 w 711176"/>
-                <a:gd name="connsiteY2" fmla="*/ 0 h 192338"/>
-                <a:gd name="connsiteX3" fmla="*/ 711176 w 711176"/>
-                <a:gd name="connsiteY3" fmla="*/ 33270 h 192338"/>
-                <a:gd name="connsiteX0" fmla="*/ 763564 w 763564"/>
-                <a:gd name="connsiteY0" fmla="*/ 38033 h 192338"/>
-                <a:gd name="connsiteX1" fmla="*/ 0 w 763564"/>
-                <a:gd name="connsiteY1" fmla="*/ 192338 h 192338"/>
-                <a:gd name="connsiteX2" fmla="*/ 156345 w 763564"/>
-                <a:gd name="connsiteY2" fmla="*/ 0 h 192338"/>
-                <a:gd name="connsiteX3" fmla="*/ 763564 w 763564"/>
-                <a:gd name="connsiteY3" fmla="*/ 38033 h 192338"/>
-                <a:gd name="connsiteX0" fmla="*/ 727845 w 727845"/>
-                <a:gd name="connsiteY0" fmla="*/ 40415 h 192338"/>
-                <a:gd name="connsiteX1" fmla="*/ 0 w 727845"/>
-                <a:gd name="connsiteY1" fmla="*/ 192338 h 192338"/>
-                <a:gd name="connsiteX2" fmla="*/ 156345 w 727845"/>
-                <a:gd name="connsiteY2" fmla="*/ 0 h 192338"/>
-                <a:gd name="connsiteX3" fmla="*/ 727845 w 727845"/>
-                <a:gd name="connsiteY3" fmla="*/ 40415 h 192338"/>
-                <a:gd name="connsiteX0" fmla="*/ 734989 w 734989"/>
-                <a:gd name="connsiteY0" fmla="*/ 38033 h 192338"/>
-                <a:gd name="connsiteX1" fmla="*/ 0 w 734989"/>
-                <a:gd name="connsiteY1" fmla="*/ 192338 h 192338"/>
-                <a:gd name="connsiteX2" fmla="*/ 156345 w 734989"/>
-                <a:gd name="connsiteY2" fmla="*/ 0 h 192338"/>
-                <a:gd name="connsiteX3" fmla="*/ 734989 w 734989"/>
-                <a:gd name="connsiteY3" fmla="*/ 38033 h 192338"/>
-                <a:gd name="connsiteX0" fmla="*/ 723083 w 723083"/>
-                <a:gd name="connsiteY0" fmla="*/ 40415 h 192338"/>
-                <a:gd name="connsiteX1" fmla="*/ 0 w 723083"/>
-                <a:gd name="connsiteY1" fmla="*/ 192338 h 192338"/>
-                <a:gd name="connsiteX2" fmla="*/ 156345 w 723083"/>
-                <a:gd name="connsiteY2" fmla="*/ 0 h 192338"/>
-                <a:gd name="connsiteX3" fmla="*/ 723083 w 723083"/>
-                <a:gd name="connsiteY3" fmla="*/ 40415 h 192338"/>
-              </a:gdLst>
-              <a:ahLst/>
-              <a:cxnLst>
-                <a:cxn ang="0">
-                  <a:pos x="connsiteX0" y="connsiteY0"/>
-                </a:cxn>
-                <a:cxn ang="0">
-                  <a:pos x="connsiteX1" y="connsiteY1"/>
-                </a:cxn>
-                <a:cxn ang="0">
-                  <a:pos x="connsiteX2" y="connsiteY2"/>
-                </a:cxn>
-                <a:cxn ang="0">
-                  <a:pos x="connsiteX3" y="connsiteY3"/>
-                </a:cxn>
-              </a:cxnLst>
-              <a:rect l="l" t="t" r="r" b="b"/>
-              <a:pathLst>
-                <a:path w="723083" h="192338">
-                  <a:moveTo>
-                    <a:pt x="723083" y="40415"/>
-                  </a:moveTo>
-                  <a:lnTo>
-                    <a:pt x="0" y="192338"/>
-                  </a:lnTo>
-                  <a:lnTo>
-                    <a:pt x="156345" y="0"/>
-                  </a:lnTo>
-                  <a:lnTo>
-                    <a:pt x="723083" y="40415"/>
-                  </a:lnTo>
-                  <a:close/>
-                </a:path>
-              </a:pathLst>
-            </a:custGeom>
-            <a:noFill/>
-            <a:ln w="0">
-              <a:solidFill>
-                <a:srgbClr val="27C0CE"/>
-              </a:solidFill>
-            </a:ln>
-          </p:spPr>
-          <p:style>
-            <a:lnRef idx="2">
-              <a:schemeClr val="accent1">
-                <a:shade val="50000"/>
-              </a:schemeClr>
-            </a:lnRef>
-            <a:fillRef idx="1">
-              <a:schemeClr val="accent1"/>
-            </a:fillRef>
-            <a:effectRef idx="0">
-              <a:schemeClr val="accent1"/>
-            </a:effectRef>
-            <a:fontRef idx="minor">
-              <a:schemeClr val="lt1"/>
-            </a:fontRef>
-          </p:style>
-          <p:txBody>
-            <a:bodyPr rtlCol="0" anchor="ctr"/>
-            <a:lstStyle/>
-            <a:p>
-              <a:pPr algn="ctr"/>
-              <a:endParaRPr lang="zh-TW" altLang="en-US"/>
-            </a:p>
-          </p:txBody>
-        </p:sp>
-        <p:sp>
-          <p:nvSpPr>
-            <p:cNvPr id="127" name="手繪多邊形 126"/>
-            <p:cNvSpPr/>
-            <p:nvPr/>
-          </p:nvSpPr>
-          <p:spPr>
-            <a:xfrm rot="5400000">
-              <a:off x="138926" y="904003"/>
-              <a:ext cx="85472" cy="210289"/>
-            </a:xfrm>
-            <a:custGeom>
-              <a:avLst/>
-              <a:gdLst>
-                <a:gd name="connsiteX0" fmla="*/ 0 w 152400"/>
-                <a:gd name="connsiteY0" fmla="*/ 0 h 355600"/>
-                <a:gd name="connsiteX1" fmla="*/ 152400 w 152400"/>
-                <a:gd name="connsiteY1" fmla="*/ 196850 h 355600"/>
-                <a:gd name="connsiteX2" fmla="*/ 28575 w 152400"/>
-                <a:gd name="connsiteY2" fmla="*/ 355600 h 355600"/>
-                <a:gd name="connsiteX3" fmla="*/ 0 w 152400"/>
-                <a:gd name="connsiteY3" fmla="*/ 0 h 355600"/>
-                <a:gd name="connsiteX0" fmla="*/ 0 w 134222"/>
-                <a:gd name="connsiteY0" fmla="*/ 0 h 349250"/>
-                <a:gd name="connsiteX1" fmla="*/ 134222 w 134222"/>
-                <a:gd name="connsiteY1" fmla="*/ 190500 h 349250"/>
-                <a:gd name="connsiteX2" fmla="*/ 10397 w 134222"/>
-                <a:gd name="connsiteY2" fmla="*/ 349250 h 349250"/>
-                <a:gd name="connsiteX3" fmla="*/ 0 w 134222"/>
-                <a:gd name="connsiteY3" fmla="*/ 0 h 349250"/>
-                <a:gd name="connsiteX0" fmla="*/ 0 w 134222"/>
-                <a:gd name="connsiteY0" fmla="*/ 0 h 346075"/>
-                <a:gd name="connsiteX1" fmla="*/ 134222 w 134222"/>
-                <a:gd name="connsiteY1" fmla="*/ 190500 h 346075"/>
-                <a:gd name="connsiteX2" fmla="*/ 19486 w 134222"/>
-                <a:gd name="connsiteY2" fmla="*/ 346075 h 346075"/>
-                <a:gd name="connsiteX3" fmla="*/ 0 w 134222"/>
-                <a:gd name="connsiteY3" fmla="*/ 0 h 346075"/>
-              </a:gdLst>
-              <a:ahLst/>
-              <a:cxnLst>
-                <a:cxn ang="0">
-                  <a:pos x="connsiteX0" y="connsiteY0"/>
-                </a:cxn>
-                <a:cxn ang="0">
-                  <a:pos x="connsiteX1" y="connsiteY1"/>
-                </a:cxn>
-                <a:cxn ang="0">
-                  <a:pos x="connsiteX2" y="connsiteY2"/>
-                </a:cxn>
-                <a:cxn ang="0">
-                  <a:pos x="connsiteX3" y="connsiteY3"/>
-                </a:cxn>
-              </a:cxnLst>
-              <a:rect l="l" t="t" r="r" b="b"/>
-              <a:pathLst>
-                <a:path w="134222" h="346075">
-                  <a:moveTo>
-                    <a:pt x="0" y="0"/>
-                  </a:moveTo>
-                  <a:lnTo>
-                    <a:pt x="134222" y="190500"/>
-                  </a:lnTo>
-                  <a:lnTo>
-                    <a:pt x="19486" y="346075"/>
-                  </a:lnTo>
-                  <a:lnTo>
-                    <a:pt x="0" y="0"/>
-                  </a:lnTo>
-                  <a:close/>
-                </a:path>
-              </a:pathLst>
-            </a:custGeom>
-            <a:noFill/>
-            <a:ln w="0">
-              <a:solidFill>
-                <a:srgbClr val="A2E8DE"/>
-              </a:solidFill>
-            </a:ln>
-          </p:spPr>
-          <p:style>
-            <a:lnRef idx="2">
-              <a:schemeClr val="accent1">
-                <a:shade val="50000"/>
-              </a:schemeClr>
-            </a:lnRef>
-            <a:fillRef idx="1">
-              <a:schemeClr val="accent1"/>
-            </a:fillRef>
-            <a:effectRef idx="0">
-              <a:schemeClr val="accent1"/>
-            </a:effectRef>
-            <a:fontRef idx="minor">
-              <a:schemeClr val="lt1"/>
-            </a:fontRef>
-          </p:style>
-          <p:txBody>
-            <a:bodyPr rtlCol="0" anchor="ctr"/>
-            <a:lstStyle/>
-            <a:p>
-              <a:pPr algn="ctr"/>
-              <a:endParaRPr lang="zh-TW" altLang="en-US"/>
-            </a:p>
-          </p:txBody>
-        </p:sp>
-        <p:sp>
-          <p:nvSpPr>
-            <p:cNvPr id="128" name="手繪多邊形 127"/>
-            <p:cNvSpPr/>
-            <p:nvPr/>
-          </p:nvSpPr>
-          <p:spPr>
-            <a:xfrm rot="5400000">
-              <a:off x="559518" y="1552866"/>
-              <a:ext cx="218970" cy="132636"/>
-            </a:xfrm>
-            <a:custGeom>
-              <a:avLst/>
-              <a:gdLst>
-                <a:gd name="connsiteX0" fmla="*/ 374650 w 374650"/>
-                <a:gd name="connsiteY0" fmla="*/ 254000 h 254000"/>
-                <a:gd name="connsiteX1" fmla="*/ 298450 w 374650"/>
-                <a:gd name="connsiteY1" fmla="*/ 0 h 254000"/>
-                <a:gd name="connsiteX2" fmla="*/ 0 w 374650"/>
-                <a:gd name="connsiteY2" fmla="*/ 31750 h 254000"/>
-                <a:gd name="connsiteX3" fmla="*/ 374650 w 374650"/>
-                <a:gd name="connsiteY3" fmla="*/ 254000 h 254000"/>
-                <a:gd name="connsiteX0" fmla="*/ 357981 w 357981"/>
-                <a:gd name="connsiteY0" fmla="*/ 254000 h 254000"/>
-                <a:gd name="connsiteX1" fmla="*/ 281781 w 357981"/>
-                <a:gd name="connsiteY1" fmla="*/ 0 h 254000"/>
-                <a:gd name="connsiteX2" fmla="*/ 0 w 357981"/>
-                <a:gd name="connsiteY2" fmla="*/ 43656 h 254000"/>
-                <a:gd name="connsiteX3" fmla="*/ 357981 w 357981"/>
-                <a:gd name="connsiteY3" fmla="*/ 254000 h 254000"/>
-                <a:gd name="connsiteX0" fmla="*/ 357981 w 357981"/>
-                <a:gd name="connsiteY0" fmla="*/ 254000 h 254000"/>
-                <a:gd name="connsiteX1" fmla="*/ 293687 w 357981"/>
-                <a:gd name="connsiteY1" fmla="*/ 0 h 254000"/>
-                <a:gd name="connsiteX2" fmla="*/ 0 w 357981"/>
-                <a:gd name="connsiteY2" fmla="*/ 43656 h 254000"/>
-                <a:gd name="connsiteX3" fmla="*/ 357981 w 357981"/>
-                <a:gd name="connsiteY3" fmla="*/ 254000 h 254000"/>
-                <a:gd name="connsiteX0" fmla="*/ 369887 w 369887"/>
-                <a:gd name="connsiteY0" fmla="*/ 230188 h 230188"/>
-                <a:gd name="connsiteX1" fmla="*/ 293687 w 369887"/>
-                <a:gd name="connsiteY1" fmla="*/ 0 h 230188"/>
-                <a:gd name="connsiteX2" fmla="*/ 0 w 369887"/>
-                <a:gd name="connsiteY2" fmla="*/ 43656 h 230188"/>
-                <a:gd name="connsiteX3" fmla="*/ 369887 w 369887"/>
-                <a:gd name="connsiteY3" fmla="*/ 230188 h 230188"/>
-                <a:gd name="connsiteX0" fmla="*/ 355600 w 355600"/>
-                <a:gd name="connsiteY0" fmla="*/ 227807 h 227807"/>
-                <a:gd name="connsiteX1" fmla="*/ 293687 w 355600"/>
-                <a:gd name="connsiteY1" fmla="*/ 0 h 227807"/>
-                <a:gd name="connsiteX2" fmla="*/ 0 w 355600"/>
-                <a:gd name="connsiteY2" fmla="*/ 43656 h 227807"/>
-                <a:gd name="connsiteX3" fmla="*/ 355600 w 355600"/>
-                <a:gd name="connsiteY3" fmla="*/ 227807 h 227807"/>
-                <a:gd name="connsiteX0" fmla="*/ 350837 w 350837"/>
-                <a:gd name="connsiteY0" fmla="*/ 227807 h 227807"/>
-                <a:gd name="connsiteX1" fmla="*/ 293687 w 350837"/>
-                <a:gd name="connsiteY1" fmla="*/ 0 h 227807"/>
-                <a:gd name="connsiteX2" fmla="*/ 0 w 350837"/>
-                <a:gd name="connsiteY2" fmla="*/ 43656 h 227807"/>
-                <a:gd name="connsiteX3" fmla="*/ 350837 w 350837"/>
-                <a:gd name="connsiteY3" fmla="*/ 227807 h 227807"/>
-                <a:gd name="connsiteX0" fmla="*/ 360362 w 360362"/>
-                <a:gd name="connsiteY0" fmla="*/ 218282 h 218282"/>
-                <a:gd name="connsiteX1" fmla="*/ 293687 w 360362"/>
-                <a:gd name="connsiteY1" fmla="*/ 0 h 218282"/>
-                <a:gd name="connsiteX2" fmla="*/ 0 w 360362"/>
-                <a:gd name="connsiteY2" fmla="*/ 43656 h 218282"/>
-                <a:gd name="connsiteX3" fmla="*/ 360362 w 360362"/>
-                <a:gd name="connsiteY3" fmla="*/ 218282 h 218282"/>
-                <a:gd name="connsiteX0" fmla="*/ 360362 w 360362"/>
-                <a:gd name="connsiteY0" fmla="*/ 220663 h 220663"/>
-                <a:gd name="connsiteX1" fmla="*/ 286543 w 360362"/>
-                <a:gd name="connsiteY1" fmla="*/ 0 h 220663"/>
-                <a:gd name="connsiteX2" fmla="*/ 0 w 360362"/>
-                <a:gd name="connsiteY2" fmla="*/ 46037 h 220663"/>
-                <a:gd name="connsiteX3" fmla="*/ 360362 w 360362"/>
-                <a:gd name="connsiteY3" fmla="*/ 220663 h 220663"/>
-                <a:gd name="connsiteX0" fmla="*/ 360362 w 360362"/>
-                <a:gd name="connsiteY0" fmla="*/ 225425 h 225425"/>
-                <a:gd name="connsiteX1" fmla="*/ 288924 w 360362"/>
-                <a:gd name="connsiteY1" fmla="*/ 0 h 225425"/>
-                <a:gd name="connsiteX2" fmla="*/ 0 w 360362"/>
-                <a:gd name="connsiteY2" fmla="*/ 50799 h 225425"/>
-                <a:gd name="connsiteX3" fmla="*/ 360362 w 360362"/>
-                <a:gd name="connsiteY3" fmla="*/ 225425 h 225425"/>
-                <a:gd name="connsiteX0" fmla="*/ 360362 w 360362"/>
-                <a:gd name="connsiteY0" fmla="*/ 218281 h 218281"/>
-                <a:gd name="connsiteX1" fmla="*/ 288924 w 360362"/>
-                <a:gd name="connsiteY1" fmla="*/ 0 h 218281"/>
-                <a:gd name="connsiteX2" fmla="*/ 0 w 360362"/>
-                <a:gd name="connsiteY2" fmla="*/ 43655 h 218281"/>
-                <a:gd name="connsiteX3" fmla="*/ 360362 w 360362"/>
-                <a:gd name="connsiteY3" fmla="*/ 218281 h 218281"/>
-              </a:gdLst>
-              <a:ahLst/>
-              <a:cxnLst>
-                <a:cxn ang="0">
-                  <a:pos x="connsiteX0" y="connsiteY0"/>
-                </a:cxn>
-                <a:cxn ang="0">
-                  <a:pos x="connsiteX1" y="connsiteY1"/>
-                </a:cxn>
-                <a:cxn ang="0">
-                  <a:pos x="connsiteX2" y="connsiteY2"/>
-                </a:cxn>
-                <a:cxn ang="0">
-                  <a:pos x="connsiteX3" y="connsiteY3"/>
-                </a:cxn>
-              </a:cxnLst>
-              <a:rect l="l" t="t" r="r" b="b"/>
-              <a:pathLst>
-                <a:path w="360362" h="218281">
-                  <a:moveTo>
-                    <a:pt x="360362" y="218281"/>
-                  </a:moveTo>
-                  <a:lnTo>
-                    <a:pt x="288924" y="0"/>
-                  </a:lnTo>
-                  <a:lnTo>
-                    <a:pt x="0" y="43655"/>
-                  </a:lnTo>
-                  <a:lnTo>
-                    <a:pt x="360362" y="218281"/>
-                  </a:lnTo>
-                  <a:close/>
-                </a:path>
-              </a:pathLst>
-            </a:custGeom>
-            <a:noFill/>
-            <a:ln w="0">
-              <a:solidFill>
-                <a:srgbClr val="41719C"/>
-              </a:solidFill>
-            </a:ln>
-          </p:spPr>
-          <p:style>
-            <a:lnRef idx="2">
-              <a:schemeClr val="accent1">
-                <a:shade val="50000"/>
-              </a:schemeClr>
-            </a:lnRef>
-            <a:fillRef idx="1">
-              <a:schemeClr val="accent1"/>
-            </a:fillRef>
-            <a:effectRef idx="0">
-              <a:schemeClr val="accent1"/>
-            </a:effectRef>
-            <a:fontRef idx="minor">
-              <a:schemeClr val="lt1"/>
-            </a:fontRef>
-          </p:style>
-          <p:txBody>
-            <a:bodyPr rtlCol="0" anchor="ctr"/>
-            <a:lstStyle/>
-            <a:p>
-              <a:pPr algn="ctr"/>
-              <a:endParaRPr lang="zh-TW" altLang="en-US"/>
-            </a:p>
-          </p:txBody>
-        </p:sp>
-        <p:sp>
-          <p:nvSpPr>
-            <p:cNvPr id="129" name="手繪多邊形 128"/>
-            <p:cNvSpPr/>
-            <p:nvPr/>
-          </p:nvSpPr>
-          <p:spPr>
-            <a:xfrm rot="5400000">
-              <a:off x="191994" y="1535021"/>
-              <a:ext cx="158681" cy="286493"/>
-            </a:xfrm>
-            <a:custGeom>
-              <a:avLst/>
-              <a:gdLst>
-                <a:gd name="connsiteX0" fmla="*/ 0 w 292100"/>
-                <a:gd name="connsiteY0" fmla="*/ 495300 h 495300"/>
-                <a:gd name="connsiteX1" fmla="*/ 203200 w 292100"/>
-                <a:gd name="connsiteY1" fmla="*/ 0 h 495300"/>
-                <a:gd name="connsiteX2" fmla="*/ 292100 w 292100"/>
-                <a:gd name="connsiteY2" fmla="*/ 260350 h 495300"/>
-                <a:gd name="connsiteX3" fmla="*/ 0 w 292100"/>
-                <a:gd name="connsiteY3" fmla="*/ 495300 h 495300"/>
-                <a:gd name="connsiteX0" fmla="*/ 0 w 304006"/>
-                <a:gd name="connsiteY0" fmla="*/ 495300 h 495300"/>
-                <a:gd name="connsiteX1" fmla="*/ 203200 w 304006"/>
-                <a:gd name="connsiteY1" fmla="*/ 0 h 495300"/>
-                <a:gd name="connsiteX2" fmla="*/ 304006 w 304006"/>
-                <a:gd name="connsiteY2" fmla="*/ 196057 h 495300"/>
-                <a:gd name="connsiteX3" fmla="*/ 0 w 304006"/>
-                <a:gd name="connsiteY3" fmla="*/ 495300 h 495300"/>
-                <a:gd name="connsiteX0" fmla="*/ 0 w 304006"/>
-                <a:gd name="connsiteY0" fmla="*/ 507206 h 507206"/>
-                <a:gd name="connsiteX1" fmla="*/ 188912 w 304006"/>
-                <a:gd name="connsiteY1" fmla="*/ 0 h 507206"/>
-                <a:gd name="connsiteX2" fmla="*/ 304006 w 304006"/>
-                <a:gd name="connsiteY2" fmla="*/ 207963 h 507206"/>
-                <a:gd name="connsiteX3" fmla="*/ 0 w 304006"/>
-                <a:gd name="connsiteY3" fmla="*/ 507206 h 507206"/>
-                <a:gd name="connsiteX0" fmla="*/ 0 w 220662"/>
-                <a:gd name="connsiteY0" fmla="*/ 340518 h 340518"/>
-                <a:gd name="connsiteX1" fmla="*/ 105568 w 220662"/>
-                <a:gd name="connsiteY1" fmla="*/ 0 h 340518"/>
-                <a:gd name="connsiteX2" fmla="*/ 220662 w 220662"/>
-                <a:gd name="connsiteY2" fmla="*/ 207963 h 340518"/>
-                <a:gd name="connsiteX3" fmla="*/ 0 w 220662"/>
-                <a:gd name="connsiteY3" fmla="*/ 340518 h 340518"/>
-                <a:gd name="connsiteX0" fmla="*/ 0 w 258762"/>
-                <a:gd name="connsiteY0" fmla="*/ 476249 h 476249"/>
-                <a:gd name="connsiteX1" fmla="*/ 143668 w 258762"/>
-                <a:gd name="connsiteY1" fmla="*/ 0 h 476249"/>
-                <a:gd name="connsiteX2" fmla="*/ 258762 w 258762"/>
-                <a:gd name="connsiteY2" fmla="*/ 207963 h 476249"/>
-                <a:gd name="connsiteX3" fmla="*/ 0 w 258762"/>
-                <a:gd name="connsiteY3" fmla="*/ 476249 h 476249"/>
-                <a:gd name="connsiteX0" fmla="*/ 0 w 244475"/>
-                <a:gd name="connsiteY0" fmla="*/ 459581 h 459581"/>
-                <a:gd name="connsiteX1" fmla="*/ 129381 w 244475"/>
-                <a:gd name="connsiteY1" fmla="*/ 0 h 459581"/>
-                <a:gd name="connsiteX2" fmla="*/ 244475 w 244475"/>
-                <a:gd name="connsiteY2" fmla="*/ 207963 h 459581"/>
-                <a:gd name="connsiteX3" fmla="*/ 0 w 244475"/>
-                <a:gd name="connsiteY3" fmla="*/ 459581 h 459581"/>
-                <a:gd name="connsiteX0" fmla="*/ 0 w 268287"/>
-                <a:gd name="connsiteY0" fmla="*/ 483393 h 483393"/>
-                <a:gd name="connsiteX1" fmla="*/ 153193 w 268287"/>
-                <a:gd name="connsiteY1" fmla="*/ 0 h 483393"/>
-                <a:gd name="connsiteX2" fmla="*/ 268287 w 268287"/>
-                <a:gd name="connsiteY2" fmla="*/ 207963 h 483393"/>
-                <a:gd name="connsiteX3" fmla="*/ 0 w 268287"/>
-                <a:gd name="connsiteY3" fmla="*/ 483393 h 483393"/>
-                <a:gd name="connsiteX0" fmla="*/ 0 w 261144"/>
-                <a:gd name="connsiteY0" fmla="*/ 476249 h 476249"/>
-                <a:gd name="connsiteX1" fmla="*/ 146050 w 261144"/>
-                <a:gd name="connsiteY1" fmla="*/ 0 h 476249"/>
-                <a:gd name="connsiteX2" fmla="*/ 261144 w 261144"/>
-                <a:gd name="connsiteY2" fmla="*/ 207963 h 476249"/>
-                <a:gd name="connsiteX3" fmla="*/ 0 w 261144"/>
-                <a:gd name="connsiteY3" fmla="*/ 476249 h 476249"/>
-                <a:gd name="connsiteX0" fmla="*/ 0 w 254000"/>
-                <a:gd name="connsiteY0" fmla="*/ 469105 h 469105"/>
-                <a:gd name="connsiteX1" fmla="*/ 138906 w 254000"/>
-                <a:gd name="connsiteY1" fmla="*/ 0 h 469105"/>
-                <a:gd name="connsiteX2" fmla="*/ 254000 w 254000"/>
-                <a:gd name="connsiteY2" fmla="*/ 207963 h 469105"/>
-                <a:gd name="connsiteX3" fmla="*/ 0 w 254000"/>
-                <a:gd name="connsiteY3" fmla="*/ 469105 h 469105"/>
-                <a:gd name="connsiteX0" fmla="*/ 0 w 261144"/>
-                <a:gd name="connsiteY0" fmla="*/ 471486 h 471486"/>
-                <a:gd name="connsiteX1" fmla="*/ 146050 w 261144"/>
-                <a:gd name="connsiteY1" fmla="*/ 0 h 471486"/>
-                <a:gd name="connsiteX2" fmla="*/ 261144 w 261144"/>
-                <a:gd name="connsiteY2" fmla="*/ 207963 h 471486"/>
-                <a:gd name="connsiteX3" fmla="*/ 0 w 261144"/>
-                <a:gd name="connsiteY3" fmla="*/ 471486 h 471486"/>
-              </a:gdLst>
-              <a:ahLst/>
-              <a:cxnLst>
-                <a:cxn ang="0">
-                  <a:pos x="connsiteX0" y="connsiteY0"/>
-                </a:cxn>
-                <a:cxn ang="0">
-                  <a:pos x="connsiteX1" y="connsiteY1"/>
-                </a:cxn>
-                <a:cxn ang="0">
-                  <a:pos x="connsiteX2" y="connsiteY2"/>
-                </a:cxn>
-                <a:cxn ang="0">
-                  <a:pos x="connsiteX3" y="connsiteY3"/>
-                </a:cxn>
-              </a:cxnLst>
-              <a:rect l="l" t="t" r="r" b="b"/>
-              <a:pathLst>
-                <a:path w="261144" h="471486">
-                  <a:moveTo>
-                    <a:pt x="0" y="471486"/>
-                  </a:moveTo>
-                  <a:lnTo>
-                    <a:pt x="146050" y="0"/>
-                  </a:lnTo>
-                  <a:lnTo>
-                    <a:pt x="261144" y="207963"/>
-                  </a:lnTo>
-                  <a:lnTo>
-                    <a:pt x="0" y="471486"/>
-                  </a:lnTo>
-                  <a:close/>
-                </a:path>
-              </a:pathLst>
-            </a:custGeom>
-            <a:noFill/>
-            <a:ln w="0">
-              <a:solidFill>
-                <a:srgbClr val="A2E8DE"/>
-              </a:solidFill>
-            </a:ln>
-          </p:spPr>
-          <p:style>
-            <a:lnRef idx="2">
-              <a:schemeClr val="accent1">
-                <a:shade val="50000"/>
-              </a:schemeClr>
-            </a:lnRef>
-            <a:fillRef idx="1">
-              <a:schemeClr val="accent1"/>
-            </a:fillRef>
-            <a:effectRef idx="0">
-              <a:schemeClr val="accent1"/>
-            </a:effectRef>
-            <a:fontRef idx="minor">
-              <a:schemeClr val="lt1"/>
-            </a:fontRef>
-          </p:style>
-          <p:txBody>
-            <a:bodyPr rtlCol="0" anchor="ctr"/>
-            <a:lstStyle/>
-            <a:p>
-              <a:pPr algn="ctr"/>
-              <a:endParaRPr lang="zh-TW" altLang="en-US"/>
-            </a:p>
-          </p:txBody>
-        </p:sp>
-        <p:sp>
-          <p:nvSpPr>
-            <p:cNvPr id="130" name="手繪多邊形 129"/>
-            <p:cNvSpPr/>
-            <p:nvPr/>
-          </p:nvSpPr>
-          <p:spPr>
-            <a:xfrm rot="5400000">
-              <a:off x="396666" y="1138621"/>
-              <a:ext cx="193890" cy="271060"/>
-            </a:xfrm>
-            <a:custGeom>
-              <a:avLst/>
-              <a:gdLst>
-                <a:gd name="connsiteX0" fmla="*/ 133350 w 133350"/>
-                <a:gd name="connsiteY0" fmla="*/ 336550 h 584200"/>
-                <a:gd name="connsiteX1" fmla="*/ 0 w 133350"/>
-                <a:gd name="connsiteY1" fmla="*/ 0 h 584200"/>
-                <a:gd name="connsiteX2" fmla="*/ 19050 w 133350"/>
-                <a:gd name="connsiteY2" fmla="*/ 584200 h 584200"/>
-                <a:gd name="connsiteX3" fmla="*/ 133350 w 133350"/>
-                <a:gd name="connsiteY3" fmla="*/ 336550 h 584200"/>
-                <a:gd name="connsiteX0" fmla="*/ 188119 w 188119"/>
-                <a:gd name="connsiteY0" fmla="*/ 386557 h 584200"/>
-                <a:gd name="connsiteX1" fmla="*/ 0 w 188119"/>
-                <a:gd name="connsiteY1" fmla="*/ 0 h 584200"/>
-                <a:gd name="connsiteX2" fmla="*/ 19050 w 188119"/>
-                <a:gd name="connsiteY2" fmla="*/ 584200 h 584200"/>
-                <a:gd name="connsiteX3" fmla="*/ 188119 w 188119"/>
-                <a:gd name="connsiteY3" fmla="*/ 386557 h 584200"/>
-                <a:gd name="connsiteX0" fmla="*/ 209550 w 209550"/>
-                <a:gd name="connsiteY0" fmla="*/ 531813 h 584200"/>
-                <a:gd name="connsiteX1" fmla="*/ 0 w 209550"/>
-                <a:gd name="connsiteY1" fmla="*/ 0 h 584200"/>
-                <a:gd name="connsiteX2" fmla="*/ 19050 w 209550"/>
-                <a:gd name="connsiteY2" fmla="*/ 584200 h 584200"/>
-                <a:gd name="connsiteX3" fmla="*/ 209550 w 209550"/>
-                <a:gd name="connsiteY3" fmla="*/ 531813 h 584200"/>
-                <a:gd name="connsiteX0" fmla="*/ 209550 w 209550"/>
-                <a:gd name="connsiteY0" fmla="*/ 531813 h 712788"/>
-                <a:gd name="connsiteX1" fmla="*/ 0 w 209550"/>
-                <a:gd name="connsiteY1" fmla="*/ 0 h 712788"/>
-                <a:gd name="connsiteX2" fmla="*/ 61913 w 209550"/>
-                <a:gd name="connsiteY2" fmla="*/ 712788 h 712788"/>
-                <a:gd name="connsiteX3" fmla="*/ 209550 w 209550"/>
-                <a:gd name="connsiteY3" fmla="*/ 531813 h 712788"/>
-                <a:gd name="connsiteX0" fmla="*/ 319088 w 319088"/>
-                <a:gd name="connsiteY0" fmla="*/ 267494 h 448469"/>
-                <a:gd name="connsiteX1" fmla="*/ 0 w 319088"/>
-                <a:gd name="connsiteY1" fmla="*/ 0 h 448469"/>
-                <a:gd name="connsiteX2" fmla="*/ 171451 w 319088"/>
-                <a:gd name="connsiteY2" fmla="*/ 448469 h 448469"/>
-                <a:gd name="connsiteX3" fmla="*/ 319088 w 319088"/>
-                <a:gd name="connsiteY3" fmla="*/ 267494 h 448469"/>
-                <a:gd name="connsiteX0" fmla="*/ 319088 w 319088"/>
-                <a:gd name="connsiteY0" fmla="*/ 267494 h 446088"/>
-                <a:gd name="connsiteX1" fmla="*/ 0 w 319088"/>
-                <a:gd name="connsiteY1" fmla="*/ 0 h 446088"/>
-                <a:gd name="connsiteX2" fmla="*/ 166688 w 319088"/>
-                <a:gd name="connsiteY2" fmla="*/ 446088 h 446088"/>
-                <a:gd name="connsiteX3" fmla="*/ 319088 w 319088"/>
-                <a:gd name="connsiteY3" fmla="*/ 267494 h 446088"/>
-              </a:gdLst>
-              <a:ahLst/>
-              <a:cxnLst>
-                <a:cxn ang="0">
-                  <a:pos x="connsiteX0" y="connsiteY0"/>
-                </a:cxn>
-                <a:cxn ang="0">
-                  <a:pos x="connsiteX1" y="connsiteY1"/>
-                </a:cxn>
-                <a:cxn ang="0">
-                  <a:pos x="connsiteX2" y="connsiteY2"/>
-                </a:cxn>
-                <a:cxn ang="0">
-                  <a:pos x="connsiteX3" y="connsiteY3"/>
-                </a:cxn>
-              </a:cxnLst>
-              <a:rect l="l" t="t" r="r" b="b"/>
-              <a:pathLst>
-                <a:path w="319088" h="446088">
-                  <a:moveTo>
-                    <a:pt x="319088" y="267494"/>
-                  </a:moveTo>
-                  <a:lnTo>
-                    <a:pt x="0" y="0"/>
-                  </a:lnTo>
-                  <a:lnTo>
-                    <a:pt x="166688" y="446088"/>
-                  </a:lnTo>
-                  <a:lnTo>
-                    <a:pt x="319088" y="267494"/>
-                  </a:lnTo>
-                  <a:close/>
-                </a:path>
-              </a:pathLst>
-            </a:custGeom>
-            <a:noFill/>
-            <a:ln w="0">
-              <a:solidFill>
-                <a:srgbClr val="41719C"/>
-              </a:solidFill>
-            </a:ln>
-          </p:spPr>
-          <p:style>
-            <a:lnRef idx="2">
-              <a:schemeClr val="accent1">
-                <a:shade val="50000"/>
-              </a:schemeClr>
-            </a:lnRef>
-            <a:fillRef idx="1">
-              <a:schemeClr val="accent1"/>
-            </a:fillRef>
-            <a:effectRef idx="0">
-              <a:schemeClr val="accent1"/>
-            </a:effectRef>
-            <a:fontRef idx="minor">
-              <a:schemeClr val="lt1"/>
-            </a:fontRef>
-          </p:style>
-          <p:txBody>
-            <a:bodyPr rtlCol="0" anchor="ctr"/>
-            <a:lstStyle/>
-            <a:p>
-              <a:pPr algn="ctr"/>
-              <a:endParaRPr lang="zh-TW" altLang="en-US"/>
-            </a:p>
-          </p:txBody>
-        </p:sp>
-        <p:sp>
-          <p:nvSpPr>
-            <p:cNvPr id="131" name="手繪多邊形 130"/>
-            <p:cNvSpPr/>
-            <p:nvPr/>
-          </p:nvSpPr>
-          <p:spPr>
-            <a:xfrm rot="5400000">
-              <a:off x="548786" y="2080592"/>
-              <a:ext cx="217630" cy="283022"/>
-            </a:xfrm>
-            <a:custGeom>
-              <a:avLst/>
-              <a:gdLst>
-                <a:gd name="connsiteX0" fmla="*/ 0 w 335280"/>
-                <a:gd name="connsiteY0" fmla="*/ 198120 h 403860"/>
-                <a:gd name="connsiteX1" fmla="*/ 320040 w 335280"/>
-                <a:gd name="connsiteY1" fmla="*/ 403860 h 403860"/>
-                <a:gd name="connsiteX2" fmla="*/ 335280 w 335280"/>
-                <a:gd name="connsiteY2" fmla="*/ 0 h 403860"/>
-                <a:gd name="connsiteX3" fmla="*/ 0 w 335280"/>
-                <a:gd name="connsiteY3" fmla="*/ 198120 h 403860"/>
-                <a:gd name="connsiteX0" fmla="*/ 0 w 320992"/>
-                <a:gd name="connsiteY0" fmla="*/ 388620 h 594360"/>
-                <a:gd name="connsiteX1" fmla="*/ 320040 w 320992"/>
-                <a:gd name="connsiteY1" fmla="*/ 594360 h 594360"/>
-                <a:gd name="connsiteX2" fmla="*/ 320992 w 320992"/>
-                <a:gd name="connsiteY2" fmla="*/ 0 h 594360"/>
-                <a:gd name="connsiteX3" fmla="*/ 0 w 320992"/>
-                <a:gd name="connsiteY3" fmla="*/ 388620 h 594360"/>
-                <a:gd name="connsiteX0" fmla="*/ 0 w 354330"/>
-                <a:gd name="connsiteY0" fmla="*/ 298133 h 594360"/>
-                <a:gd name="connsiteX1" fmla="*/ 353378 w 354330"/>
-                <a:gd name="connsiteY1" fmla="*/ 594360 h 594360"/>
-                <a:gd name="connsiteX2" fmla="*/ 354330 w 354330"/>
-                <a:gd name="connsiteY2" fmla="*/ 0 h 594360"/>
-                <a:gd name="connsiteX3" fmla="*/ 0 w 354330"/>
-                <a:gd name="connsiteY3" fmla="*/ 298133 h 594360"/>
-                <a:gd name="connsiteX0" fmla="*/ 0 w 358157"/>
-                <a:gd name="connsiteY0" fmla="*/ 298133 h 465773"/>
-                <a:gd name="connsiteX1" fmla="*/ 358141 w 358157"/>
-                <a:gd name="connsiteY1" fmla="*/ 465773 h 465773"/>
-                <a:gd name="connsiteX2" fmla="*/ 354330 w 358157"/>
-                <a:gd name="connsiteY2" fmla="*/ 0 h 465773"/>
-                <a:gd name="connsiteX3" fmla="*/ 0 w 358157"/>
-                <a:gd name="connsiteY3" fmla="*/ 298133 h 465773"/>
-              </a:gdLst>
-              <a:ahLst/>
-              <a:cxnLst>
-                <a:cxn ang="0">
-                  <a:pos x="connsiteX0" y="connsiteY0"/>
-                </a:cxn>
-                <a:cxn ang="0">
-                  <a:pos x="connsiteX1" y="connsiteY1"/>
-                </a:cxn>
-                <a:cxn ang="0">
-                  <a:pos x="connsiteX2" y="connsiteY2"/>
-                </a:cxn>
-                <a:cxn ang="0">
-                  <a:pos x="connsiteX3" y="connsiteY3"/>
-                </a:cxn>
-              </a:cxnLst>
-              <a:rect l="l" t="t" r="r" b="b"/>
-              <a:pathLst>
-                <a:path w="358157" h="465773">
-                  <a:moveTo>
-                    <a:pt x="0" y="298133"/>
-                  </a:moveTo>
-                  <a:lnTo>
-                    <a:pt x="358141" y="465773"/>
-                  </a:lnTo>
-                  <a:cubicBezTo>
-                    <a:pt x="358458" y="267653"/>
-                    <a:pt x="354013" y="198120"/>
-                    <a:pt x="354330" y="0"/>
-                  </a:cubicBezTo>
-                  <a:lnTo>
-                    <a:pt x="0" y="298133"/>
-                  </a:lnTo>
-                  <a:close/>
-                </a:path>
-              </a:pathLst>
-            </a:custGeom>
-            <a:noFill/>
-            <a:ln w="0">
-              <a:solidFill>
-                <a:srgbClr val="27C0CE"/>
-              </a:solidFill>
-            </a:ln>
-          </p:spPr>
-          <p:style>
-            <a:lnRef idx="2">
-              <a:schemeClr val="accent1">
-                <a:shade val="50000"/>
-              </a:schemeClr>
-            </a:lnRef>
-            <a:fillRef idx="1">
-              <a:schemeClr val="accent1"/>
-            </a:fillRef>
-            <a:effectRef idx="0">
-              <a:schemeClr val="accent1"/>
-            </a:effectRef>
-            <a:fontRef idx="minor">
-              <a:schemeClr val="lt1"/>
-            </a:fontRef>
-          </p:style>
-          <p:txBody>
-            <a:bodyPr rtlCol="0" anchor="ctr"/>
-            <a:lstStyle/>
-            <a:p>
-              <a:pPr algn="ctr"/>
-              <a:endParaRPr lang="zh-TW" altLang="en-US"/>
-            </a:p>
-          </p:txBody>
-        </p:sp>
-        <p:sp>
-          <p:nvSpPr>
-            <p:cNvPr id="132" name="手繪多邊形 131"/>
-            <p:cNvSpPr/>
-            <p:nvPr/>
-          </p:nvSpPr>
-          <p:spPr>
-            <a:xfrm rot="5400000">
-              <a:off x="178609" y="1937051"/>
-              <a:ext cx="145852" cy="247137"/>
-            </a:xfrm>
-            <a:custGeom>
-              <a:avLst/>
-              <a:gdLst>
-                <a:gd name="connsiteX0" fmla="*/ 0 w 182880"/>
-                <a:gd name="connsiteY0" fmla="*/ 0 h 449580"/>
-                <a:gd name="connsiteX1" fmla="*/ 182880 w 182880"/>
-                <a:gd name="connsiteY1" fmla="*/ 228600 h 449580"/>
-                <a:gd name="connsiteX2" fmla="*/ 45720 w 182880"/>
-                <a:gd name="connsiteY2" fmla="*/ 449580 h 449580"/>
-                <a:gd name="connsiteX3" fmla="*/ 0 w 182880"/>
-                <a:gd name="connsiteY3" fmla="*/ 0 h 449580"/>
-                <a:gd name="connsiteX0" fmla="*/ 140017 w 322897"/>
-                <a:gd name="connsiteY0" fmla="*/ 0 h 640080"/>
-                <a:gd name="connsiteX1" fmla="*/ 322897 w 322897"/>
-                <a:gd name="connsiteY1" fmla="*/ 228600 h 640080"/>
-                <a:gd name="connsiteX2" fmla="*/ 0 w 322897"/>
-                <a:gd name="connsiteY2" fmla="*/ 640080 h 640080"/>
-                <a:gd name="connsiteX3" fmla="*/ 140017 w 322897"/>
-                <a:gd name="connsiteY3" fmla="*/ 0 h 640080"/>
-                <a:gd name="connsiteX0" fmla="*/ 130492 w 313372"/>
-                <a:gd name="connsiteY0" fmla="*/ 0 h 649605"/>
-                <a:gd name="connsiteX1" fmla="*/ 313372 w 313372"/>
-                <a:gd name="connsiteY1" fmla="*/ 228600 h 649605"/>
-                <a:gd name="connsiteX2" fmla="*/ 0 w 313372"/>
-                <a:gd name="connsiteY2" fmla="*/ 649605 h 649605"/>
-                <a:gd name="connsiteX3" fmla="*/ 130492 w 313372"/>
-                <a:gd name="connsiteY3" fmla="*/ 0 h 649605"/>
-                <a:gd name="connsiteX0" fmla="*/ 0 w 373380"/>
-                <a:gd name="connsiteY0" fmla="*/ 0 h 435292"/>
-                <a:gd name="connsiteX1" fmla="*/ 373380 w 373380"/>
-                <a:gd name="connsiteY1" fmla="*/ 14287 h 435292"/>
-                <a:gd name="connsiteX2" fmla="*/ 60008 w 373380"/>
-                <a:gd name="connsiteY2" fmla="*/ 435292 h 435292"/>
-                <a:gd name="connsiteX3" fmla="*/ 0 w 373380"/>
-                <a:gd name="connsiteY3" fmla="*/ 0 h 435292"/>
-                <a:gd name="connsiteX0" fmla="*/ 0 w 197168"/>
-                <a:gd name="connsiteY0" fmla="*/ 0 h 435292"/>
-                <a:gd name="connsiteX1" fmla="*/ 197168 w 197168"/>
-                <a:gd name="connsiteY1" fmla="*/ 190500 h 435292"/>
-                <a:gd name="connsiteX2" fmla="*/ 60008 w 197168"/>
-                <a:gd name="connsiteY2" fmla="*/ 435292 h 435292"/>
-                <a:gd name="connsiteX3" fmla="*/ 0 w 197168"/>
-                <a:gd name="connsiteY3" fmla="*/ 0 h 435292"/>
-                <a:gd name="connsiteX0" fmla="*/ 0 w 249555"/>
-                <a:gd name="connsiteY0" fmla="*/ 0 h 435292"/>
-                <a:gd name="connsiteX1" fmla="*/ 249555 w 249555"/>
-                <a:gd name="connsiteY1" fmla="*/ 190500 h 435292"/>
-                <a:gd name="connsiteX2" fmla="*/ 60008 w 249555"/>
-                <a:gd name="connsiteY2" fmla="*/ 435292 h 435292"/>
-                <a:gd name="connsiteX3" fmla="*/ 0 w 249555"/>
-                <a:gd name="connsiteY3" fmla="*/ 0 h 435292"/>
-                <a:gd name="connsiteX0" fmla="*/ 0 w 173355"/>
-                <a:gd name="connsiteY0" fmla="*/ 0 h 435292"/>
-                <a:gd name="connsiteX1" fmla="*/ 173355 w 173355"/>
-                <a:gd name="connsiteY1" fmla="*/ 123825 h 435292"/>
-                <a:gd name="connsiteX2" fmla="*/ 60008 w 173355"/>
-                <a:gd name="connsiteY2" fmla="*/ 435292 h 435292"/>
-                <a:gd name="connsiteX3" fmla="*/ 0 w 173355"/>
-                <a:gd name="connsiteY3" fmla="*/ 0 h 435292"/>
-                <a:gd name="connsiteX0" fmla="*/ 0 w 240030"/>
-                <a:gd name="connsiteY0" fmla="*/ 0 h 435292"/>
-                <a:gd name="connsiteX1" fmla="*/ 240030 w 240030"/>
-                <a:gd name="connsiteY1" fmla="*/ 176212 h 435292"/>
-                <a:gd name="connsiteX2" fmla="*/ 60008 w 240030"/>
-                <a:gd name="connsiteY2" fmla="*/ 435292 h 435292"/>
-                <a:gd name="connsiteX3" fmla="*/ 0 w 240030"/>
-                <a:gd name="connsiteY3" fmla="*/ 0 h 435292"/>
-                <a:gd name="connsiteX0" fmla="*/ 0 w 240030"/>
-                <a:gd name="connsiteY0" fmla="*/ 0 h 406717"/>
-                <a:gd name="connsiteX1" fmla="*/ 240030 w 240030"/>
-                <a:gd name="connsiteY1" fmla="*/ 176212 h 406717"/>
-                <a:gd name="connsiteX2" fmla="*/ 64771 w 240030"/>
-                <a:gd name="connsiteY2" fmla="*/ 406717 h 406717"/>
-                <a:gd name="connsiteX3" fmla="*/ 0 w 240030"/>
-                <a:gd name="connsiteY3" fmla="*/ 0 h 406717"/>
-              </a:gdLst>
-              <a:ahLst/>
-              <a:cxnLst>
-                <a:cxn ang="0">
-                  <a:pos x="connsiteX0" y="connsiteY0"/>
-                </a:cxn>
-                <a:cxn ang="0">
-                  <a:pos x="connsiteX1" y="connsiteY1"/>
-                </a:cxn>
-                <a:cxn ang="0">
-                  <a:pos x="connsiteX2" y="connsiteY2"/>
-                </a:cxn>
-                <a:cxn ang="0">
-                  <a:pos x="connsiteX3" y="connsiteY3"/>
-                </a:cxn>
-              </a:cxnLst>
-              <a:rect l="l" t="t" r="r" b="b"/>
-              <a:pathLst>
-                <a:path w="240030" h="406717">
-                  <a:moveTo>
-                    <a:pt x="0" y="0"/>
-                  </a:moveTo>
-                  <a:lnTo>
-                    <a:pt x="240030" y="176212"/>
-                  </a:lnTo>
-                  <a:lnTo>
-                    <a:pt x="64771" y="406717"/>
-                  </a:lnTo>
-                  <a:lnTo>
-                    <a:pt x="0" y="0"/>
-                  </a:lnTo>
-                  <a:close/>
-                </a:path>
-              </a:pathLst>
-            </a:custGeom>
-            <a:noFill/>
-            <a:ln w="0">
-              <a:solidFill>
-                <a:srgbClr val="41719C"/>
-              </a:solidFill>
-            </a:ln>
-          </p:spPr>
-          <p:style>
-            <a:lnRef idx="2">
-              <a:schemeClr val="accent1">
-                <a:shade val="50000"/>
-              </a:schemeClr>
-            </a:lnRef>
-            <a:fillRef idx="1">
-              <a:schemeClr val="accent1"/>
-            </a:fillRef>
-            <a:effectRef idx="0">
-              <a:schemeClr val="accent1"/>
-            </a:effectRef>
-            <a:fontRef idx="minor">
-              <a:schemeClr val="lt1"/>
-            </a:fontRef>
-          </p:style>
-          <p:txBody>
-            <a:bodyPr rtlCol="0" anchor="ctr"/>
-            <a:lstStyle/>
-            <a:p>
-              <a:pPr algn="ctr"/>
-              <a:endParaRPr lang="zh-TW" altLang="en-US"/>
-            </a:p>
-          </p:txBody>
-        </p:sp>
-        <p:sp>
-          <p:nvSpPr>
-            <p:cNvPr id="133" name="手繪多邊形 132"/>
-            <p:cNvSpPr/>
-            <p:nvPr/>
-          </p:nvSpPr>
-          <p:spPr>
-            <a:xfrm rot="5400000">
-              <a:off x="112878" y="2678808"/>
-              <a:ext cx="120037" cy="105723"/>
-            </a:xfrm>
-            <a:custGeom>
-              <a:avLst/>
-              <a:gdLst>
-                <a:gd name="connsiteX0" fmla="*/ 220980 w 220980"/>
-                <a:gd name="connsiteY0" fmla="*/ 0 h 358140"/>
-                <a:gd name="connsiteX1" fmla="*/ 0 w 220980"/>
-                <a:gd name="connsiteY1" fmla="*/ 358140 h 358140"/>
-                <a:gd name="connsiteX2" fmla="*/ 220980 w 220980"/>
-                <a:gd name="connsiteY2" fmla="*/ 358140 h 358140"/>
-                <a:gd name="connsiteX3" fmla="*/ 220980 w 220980"/>
-                <a:gd name="connsiteY3" fmla="*/ 0 h 358140"/>
-                <a:gd name="connsiteX0" fmla="*/ 347980 w 347980"/>
-                <a:gd name="connsiteY0" fmla="*/ 0 h 358140"/>
-                <a:gd name="connsiteX1" fmla="*/ 0 w 347980"/>
-                <a:gd name="connsiteY1" fmla="*/ 224790 h 358140"/>
-                <a:gd name="connsiteX2" fmla="*/ 347980 w 347980"/>
-                <a:gd name="connsiteY2" fmla="*/ 358140 h 358140"/>
-                <a:gd name="connsiteX3" fmla="*/ 347980 w 347980"/>
-                <a:gd name="connsiteY3" fmla="*/ 0 h 358140"/>
-                <a:gd name="connsiteX0" fmla="*/ 128905 w 347980"/>
-                <a:gd name="connsiteY0" fmla="*/ 0 h 307340"/>
-                <a:gd name="connsiteX1" fmla="*/ 0 w 347980"/>
-                <a:gd name="connsiteY1" fmla="*/ 173990 h 307340"/>
-                <a:gd name="connsiteX2" fmla="*/ 347980 w 347980"/>
-                <a:gd name="connsiteY2" fmla="*/ 307340 h 307340"/>
-                <a:gd name="connsiteX3" fmla="*/ 128905 w 347980"/>
-                <a:gd name="connsiteY3" fmla="*/ 0 h 307340"/>
-                <a:gd name="connsiteX0" fmla="*/ 128905 w 192405"/>
-                <a:gd name="connsiteY0" fmla="*/ 0 h 173990"/>
-                <a:gd name="connsiteX1" fmla="*/ 0 w 192405"/>
-                <a:gd name="connsiteY1" fmla="*/ 173990 h 173990"/>
-                <a:gd name="connsiteX2" fmla="*/ 192405 w 192405"/>
-                <a:gd name="connsiteY2" fmla="*/ 173990 h 173990"/>
-                <a:gd name="connsiteX3" fmla="*/ 128905 w 192405"/>
-                <a:gd name="connsiteY3" fmla="*/ 0 h 173990"/>
-                <a:gd name="connsiteX0" fmla="*/ 115316 w 178816"/>
-                <a:gd name="connsiteY0" fmla="*/ 0 h 173990"/>
-                <a:gd name="connsiteX1" fmla="*/ 0 w 178816"/>
-                <a:gd name="connsiteY1" fmla="*/ 169228 h 173990"/>
-                <a:gd name="connsiteX2" fmla="*/ 178816 w 178816"/>
-                <a:gd name="connsiteY2" fmla="*/ 173990 h 173990"/>
-                <a:gd name="connsiteX3" fmla="*/ 115316 w 178816"/>
-                <a:gd name="connsiteY3" fmla="*/ 0 h 173990"/>
-                <a:gd name="connsiteX0" fmla="*/ 124375 w 187875"/>
-                <a:gd name="connsiteY0" fmla="*/ 0 h 173990"/>
-                <a:gd name="connsiteX1" fmla="*/ 0 w 187875"/>
-                <a:gd name="connsiteY1" fmla="*/ 171609 h 173990"/>
-                <a:gd name="connsiteX2" fmla="*/ 187875 w 187875"/>
-                <a:gd name="connsiteY2" fmla="*/ 173990 h 173990"/>
-                <a:gd name="connsiteX3" fmla="*/ 124375 w 187875"/>
-                <a:gd name="connsiteY3" fmla="*/ 0 h 173990"/>
-              </a:gdLst>
-              <a:ahLst/>
-              <a:cxnLst>
-                <a:cxn ang="0">
-                  <a:pos x="connsiteX0" y="connsiteY0"/>
-                </a:cxn>
-                <a:cxn ang="0">
-                  <a:pos x="connsiteX1" y="connsiteY1"/>
-                </a:cxn>
-                <a:cxn ang="0">
-                  <a:pos x="connsiteX2" y="connsiteY2"/>
-                </a:cxn>
-                <a:cxn ang="0">
-                  <a:pos x="connsiteX3" y="connsiteY3"/>
-                </a:cxn>
-              </a:cxnLst>
-              <a:rect l="l" t="t" r="r" b="b"/>
-              <a:pathLst>
-                <a:path w="187875" h="173990">
-                  <a:moveTo>
-                    <a:pt x="124375" y="0"/>
-                  </a:moveTo>
-                  <a:lnTo>
-                    <a:pt x="0" y="171609"/>
-                  </a:lnTo>
-                  <a:lnTo>
-                    <a:pt x="187875" y="173990"/>
-                  </a:lnTo>
-                  <a:lnTo>
-                    <a:pt x="124375" y="0"/>
-                  </a:lnTo>
-                  <a:close/>
-                </a:path>
-              </a:pathLst>
-            </a:custGeom>
-            <a:noFill/>
-            <a:ln w="0">
-              <a:solidFill>
-                <a:srgbClr val="41719C"/>
-              </a:solidFill>
-            </a:ln>
-          </p:spPr>
-          <p:style>
-            <a:lnRef idx="2">
-              <a:schemeClr val="accent1">
-                <a:shade val="50000"/>
-              </a:schemeClr>
-            </a:lnRef>
-            <a:fillRef idx="1">
-              <a:schemeClr val="accent1"/>
-            </a:fillRef>
-            <a:effectRef idx="0">
-              <a:schemeClr val="accent1"/>
-            </a:effectRef>
-            <a:fontRef idx="minor">
-              <a:schemeClr val="lt1"/>
-            </a:fontRef>
-          </p:style>
-          <p:txBody>
-            <a:bodyPr rtlCol="0" anchor="ctr"/>
-            <a:lstStyle/>
-            <a:p>
-              <a:pPr algn="ctr"/>
-              <a:endParaRPr lang="zh-TW" altLang="en-US"/>
-            </a:p>
-          </p:txBody>
-        </p:sp>
-        <p:sp>
-          <p:nvSpPr>
-            <p:cNvPr id="134" name="手繪多邊形 133"/>
-            <p:cNvSpPr/>
-            <p:nvPr/>
-          </p:nvSpPr>
-          <p:spPr>
-            <a:xfrm rot="5400000">
-              <a:off x="614238" y="2640480"/>
-              <a:ext cx="216218" cy="169774"/>
-            </a:xfrm>
-            <a:custGeom>
-              <a:avLst/>
-              <a:gdLst>
-                <a:gd name="connsiteX0" fmla="*/ 0 w 342900"/>
-                <a:gd name="connsiteY0" fmla="*/ 7620 h 236220"/>
-                <a:gd name="connsiteX1" fmla="*/ 342900 w 342900"/>
-                <a:gd name="connsiteY1" fmla="*/ 0 h 236220"/>
-                <a:gd name="connsiteX2" fmla="*/ 213360 w 342900"/>
-                <a:gd name="connsiteY2" fmla="*/ 236220 h 236220"/>
-                <a:gd name="connsiteX3" fmla="*/ 0 w 342900"/>
-                <a:gd name="connsiteY3" fmla="*/ 7620 h 236220"/>
-                <a:gd name="connsiteX0" fmla="*/ 0 w 349250"/>
-                <a:gd name="connsiteY0" fmla="*/ 0 h 241300"/>
-                <a:gd name="connsiteX1" fmla="*/ 349250 w 349250"/>
-                <a:gd name="connsiteY1" fmla="*/ 5080 h 241300"/>
-                <a:gd name="connsiteX2" fmla="*/ 219710 w 349250"/>
-                <a:gd name="connsiteY2" fmla="*/ 241300 h 241300"/>
-                <a:gd name="connsiteX3" fmla="*/ 0 w 349250"/>
-                <a:gd name="connsiteY3" fmla="*/ 0 h 241300"/>
-                <a:gd name="connsiteX0" fmla="*/ 0 w 349250"/>
-                <a:gd name="connsiteY0" fmla="*/ 0 h 273050"/>
-                <a:gd name="connsiteX1" fmla="*/ 349250 w 349250"/>
-                <a:gd name="connsiteY1" fmla="*/ 5080 h 273050"/>
-                <a:gd name="connsiteX2" fmla="*/ 216535 w 349250"/>
-                <a:gd name="connsiteY2" fmla="*/ 273050 h 273050"/>
-                <a:gd name="connsiteX3" fmla="*/ 0 w 349250"/>
-                <a:gd name="connsiteY3" fmla="*/ 0 h 273050"/>
-                <a:gd name="connsiteX0" fmla="*/ 0 w 358775"/>
-                <a:gd name="connsiteY0" fmla="*/ 0 h 279400"/>
-                <a:gd name="connsiteX1" fmla="*/ 358775 w 358775"/>
-                <a:gd name="connsiteY1" fmla="*/ 11430 h 279400"/>
-                <a:gd name="connsiteX2" fmla="*/ 226060 w 358775"/>
-                <a:gd name="connsiteY2" fmla="*/ 279400 h 279400"/>
-                <a:gd name="connsiteX3" fmla="*/ 0 w 358775"/>
-                <a:gd name="connsiteY3" fmla="*/ 0 h 279400"/>
-              </a:gdLst>
-              <a:ahLst/>
-              <a:cxnLst>
-                <a:cxn ang="0">
-                  <a:pos x="connsiteX0" y="connsiteY0"/>
-                </a:cxn>
-                <a:cxn ang="0">
-                  <a:pos x="connsiteX1" y="connsiteY1"/>
-                </a:cxn>
-                <a:cxn ang="0">
-                  <a:pos x="connsiteX2" y="connsiteY2"/>
-                </a:cxn>
-                <a:cxn ang="0">
-                  <a:pos x="connsiteX3" y="connsiteY3"/>
-                </a:cxn>
-              </a:cxnLst>
-              <a:rect l="l" t="t" r="r" b="b"/>
-              <a:pathLst>
-                <a:path w="358775" h="279400">
-                  <a:moveTo>
-                    <a:pt x="0" y="0"/>
-                  </a:moveTo>
-                  <a:lnTo>
-                    <a:pt x="358775" y="11430"/>
-                  </a:lnTo>
-                  <a:lnTo>
-                    <a:pt x="226060" y="279400"/>
-                  </a:lnTo>
-                  <a:lnTo>
-                    <a:pt x="0" y="0"/>
-                  </a:lnTo>
-                  <a:close/>
-                </a:path>
-              </a:pathLst>
-            </a:custGeom>
-            <a:noFill/>
-            <a:ln w="0">
-              <a:solidFill>
-                <a:srgbClr val="41719C"/>
-              </a:solidFill>
-            </a:ln>
-          </p:spPr>
-          <p:style>
-            <a:lnRef idx="2">
-              <a:schemeClr val="accent1">
-                <a:shade val="50000"/>
-              </a:schemeClr>
-            </a:lnRef>
-            <a:fillRef idx="1">
-              <a:schemeClr val="accent1"/>
-            </a:fillRef>
-            <a:effectRef idx="0">
-              <a:schemeClr val="accent1"/>
-            </a:effectRef>
-            <a:fontRef idx="minor">
-              <a:schemeClr val="lt1"/>
-            </a:fontRef>
-          </p:style>
-          <p:txBody>
-            <a:bodyPr rtlCol="0" anchor="ctr"/>
-            <a:lstStyle/>
-            <a:p>
-              <a:pPr algn="ctr"/>
-              <a:endParaRPr lang="zh-TW" altLang="en-US"/>
-            </a:p>
-          </p:txBody>
-        </p:sp>
-        <p:sp>
-          <p:nvSpPr>
-            <p:cNvPr id="135" name="手繪多邊形 134"/>
-            <p:cNvSpPr/>
-            <p:nvPr/>
-          </p:nvSpPr>
-          <p:spPr>
-            <a:xfrm rot="5400000" flipH="1">
-              <a:off x="257579" y="2629292"/>
-              <a:ext cx="63301" cy="321800"/>
-            </a:xfrm>
-            <a:custGeom>
-              <a:avLst/>
-              <a:gdLst>
-                <a:gd name="connsiteX0" fmla="*/ 129540 w 129540"/>
-                <a:gd name="connsiteY0" fmla="*/ 0 h 396240"/>
-                <a:gd name="connsiteX1" fmla="*/ 0 w 129540"/>
-                <a:gd name="connsiteY1" fmla="*/ 396240 h 396240"/>
-                <a:gd name="connsiteX2" fmla="*/ 114300 w 129540"/>
-                <a:gd name="connsiteY2" fmla="*/ 274320 h 396240"/>
-                <a:gd name="connsiteX3" fmla="*/ 129540 w 129540"/>
-                <a:gd name="connsiteY3" fmla="*/ 0 h 396240"/>
-                <a:gd name="connsiteX0" fmla="*/ 129540 w 270999"/>
-                <a:gd name="connsiteY0" fmla="*/ 0 h 396240"/>
-                <a:gd name="connsiteX1" fmla="*/ 0 w 270999"/>
-                <a:gd name="connsiteY1" fmla="*/ 396240 h 396240"/>
-                <a:gd name="connsiteX2" fmla="*/ 270999 w 270999"/>
-                <a:gd name="connsiteY2" fmla="*/ 279082 h 396240"/>
-                <a:gd name="connsiteX3" fmla="*/ 129540 w 270999"/>
-                <a:gd name="connsiteY3" fmla="*/ 0 h 396240"/>
-                <a:gd name="connsiteX0" fmla="*/ 144049 w 270999"/>
-                <a:gd name="connsiteY0" fmla="*/ 0 h 505777"/>
-                <a:gd name="connsiteX1" fmla="*/ 0 w 270999"/>
-                <a:gd name="connsiteY1" fmla="*/ 505777 h 505777"/>
-                <a:gd name="connsiteX2" fmla="*/ 270999 w 270999"/>
-                <a:gd name="connsiteY2" fmla="*/ 388619 h 505777"/>
-                <a:gd name="connsiteX3" fmla="*/ 144049 w 270999"/>
-                <a:gd name="connsiteY3" fmla="*/ 0 h 505777"/>
-                <a:gd name="connsiteX0" fmla="*/ 0 w 126950"/>
-                <a:gd name="connsiteY0" fmla="*/ 0 h 546259"/>
-                <a:gd name="connsiteX1" fmla="*/ 53277 w 126950"/>
-                <a:gd name="connsiteY1" fmla="*/ 546259 h 546259"/>
-                <a:gd name="connsiteX2" fmla="*/ 126950 w 126950"/>
-                <a:gd name="connsiteY2" fmla="*/ 388619 h 546259"/>
-                <a:gd name="connsiteX3" fmla="*/ 0 w 126950"/>
-                <a:gd name="connsiteY3" fmla="*/ 0 h 546259"/>
-                <a:gd name="connsiteX0" fmla="*/ 0 w 126950"/>
-                <a:gd name="connsiteY0" fmla="*/ 0 h 524828"/>
-                <a:gd name="connsiteX1" fmla="*/ 61982 w 126950"/>
-                <a:gd name="connsiteY1" fmla="*/ 524828 h 524828"/>
-                <a:gd name="connsiteX2" fmla="*/ 126950 w 126950"/>
-                <a:gd name="connsiteY2" fmla="*/ 388619 h 524828"/>
-                <a:gd name="connsiteX3" fmla="*/ 0 w 126950"/>
-                <a:gd name="connsiteY3" fmla="*/ 0 h 524828"/>
-                <a:gd name="connsiteX0" fmla="*/ 0 w 126950"/>
-                <a:gd name="connsiteY0" fmla="*/ 0 h 529590"/>
-                <a:gd name="connsiteX1" fmla="*/ 56177 w 126950"/>
-                <a:gd name="connsiteY1" fmla="*/ 529590 h 529590"/>
-                <a:gd name="connsiteX2" fmla="*/ 126950 w 126950"/>
-                <a:gd name="connsiteY2" fmla="*/ 388619 h 529590"/>
-                <a:gd name="connsiteX3" fmla="*/ 0 w 126950"/>
-                <a:gd name="connsiteY3" fmla="*/ 0 h 529590"/>
-              </a:gdLst>
-              <a:ahLst/>
-              <a:cxnLst>
-                <a:cxn ang="0">
-                  <a:pos x="connsiteX0" y="connsiteY0"/>
-                </a:cxn>
-                <a:cxn ang="0">
-                  <a:pos x="connsiteX1" y="connsiteY1"/>
-                </a:cxn>
-                <a:cxn ang="0">
-                  <a:pos x="connsiteX2" y="connsiteY2"/>
-                </a:cxn>
-                <a:cxn ang="0">
-                  <a:pos x="connsiteX3" y="connsiteY3"/>
-                </a:cxn>
-              </a:cxnLst>
-              <a:rect l="l" t="t" r="r" b="b"/>
-              <a:pathLst>
-                <a:path w="126950" h="529590">
-                  <a:moveTo>
-                    <a:pt x="0" y="0"/>
-                  </a:moveTo>
-                  <a:lnTo>
-                    <a:pt x="56177" y="529590"/>
-                  </a:lnTo>
-                  <a:lnTo>
-                    <a:pt x="126950" y="388619"/>
-                  </a:lnTo>
-                  <a:lnTo>
-                    <a:pt x="0" y="0"/>
-                  </a:lnTo>
-                  <a:close/>
-                </a:path>
-              </a:pathLst>
-            </a:custGeom>
-            <a:noFill/>
-            <a:ln w="0">
-              <a:solidFill>
-                <a:srgbClr val="A2E8DE">
-                  <a:alpha val="20000"/>
-                </a:srgbClr>
-              </a:solidFill>
-            </a:ln>
-          </p:spPr>
-          <p:style>
-            <a:lnRef idx="2">
-              <a:schemeClr val="accent1">
-                <a:shade val="50000"/>
-              </a:schemeClr>
-            </a:lnRef>
-            <a:fillRef idx="1">
-              <a:schemeClr val="accent1"/>
-            </a:fillRef>
-            <a:effectRef idx="0">
-              <a:schemeClr val="accent1"/>
-            </a:effectRef>
-            <a:fontRef idx="minor">
-              <a:schemeClr val="lt1"/>
-            </a:fontRef>
-          </p:style>
-          <p:txBody>
-            <a:bodyPr rtlCol="0" anchor="ctr"/>
-            <a:lstStyle/>
-            <a:p>
-              <a:pPr algn="ctr"/>
-              <a:endParaRPr lang="zh-TW" altLang="en-US"/>
-            </a:p>
-          </p:txBody>
-        </p:sp>
-        <p:sp>
-          <p:nvSpPr>
-            <p:cNvPr id="136" name="手繪多邊形 135"/>
-            <p:cNvSpPr/>
-            <p:nvPr/>
-          </p:nvSpPr>
-          <p:spPr>
-            <a:xfrm rot="5400000">
-              <a:off x="466789" y="3050008"/>
-              <a:ext cx="123432" cy="169292"/>
-            </a:xfrm>
-            <a:custGeom>
-              <a:avLst/>
-              <a:gdLst>
-                <a:gd name="connsiteX0" fmla="*/ 19050 w 209550"/>
-                <a:gd name="connsiteY0" fmla="*/ 0 h 247650"/>
-                <a:gd name="connsiteX1" fmla="*/ 0 w 209550"/>
-                <a:gd name="connsiteY1" fmla="*/ 247650 h 247650"/>
-                <a:gd name="connsiteX2" fmla="*/ 209550 w 209550"/>
-                <a:gd name="connsiteY2" fmla="*/ 114300 h 247650"/>
-                <a:gd name="connsiteX3" fmla="*/ 19050 w 209550"/>
-                <a:gd name="connsiteY3" fmla="*/ 0 h 247650"/>
-                <a:gd name="connsiteX0" fmla="*/ 0 w 255269"/>
-                <a:gd name="connsiteY0" fmla="*/ 0 h 201931"/>
-                <a:gd name="connsiteX1" fmla="*/ 45719 w 255269"/>
-                <a:gd name="connsiteY1" fmla="*/ 201931 h 201931"/>
-                <a:gd name="connsiteX2" fmla="*/ 255269 w 255269"/>
-                <a:gd name="connsiteY2" fmla="*/ 68581 h 201931"/>
-                <a:gd name="connsiteX3" fmla="*/ 0 w 255269"/>
-                <a:gd name="connsiteY3" fmla="*/ 0 h 201931"/>
-                <a:gd name="connsiteX0" fmla="*/ 19051 w 209550"/>
-                <a:gd name="connsiteY0" fmla="*/ 0 h 278606"/>
-                <a:gd name="connsiteX1" fmla="*/ 0 w 209550"/>
-                <a:gd name="connsiteY1" fmla="*/ 278606 h 278606"/>
-                <a:gd name="connsiteX2" fmla="*/ 209550 w 209550"/>
-                <a:gd name="connsiteY2" fmla="*/ 145256 h 278606"/>
-                <a:gd name="connsiteX3" fmla="*/ 19051 w 209550"/>
-                <a:gd name="connsiteY3" fmla="*/ 0 h 278606"/>
-                <a:gd name="connsiteX0" fmla="*/ 19051 w 211931"/>
-                <a:gd name="connsiteY0" fmla="*/ 0 h 278606"/>
-                <a:gd name="connsiteX1" fmla="*/ 0 w 211931"/>
-                <a:gd name="connsiteY1" fmla="*/ 278606 h 278606"/>
-                <a:gd name="connsiteX2" fmla="*/ 211931 w 211931"/>
-                <a:gd name="connsiteY2" fmla="*/ 135731 h 278606"/>
-                <a:gd name="connsiteX3" fmla="*/ 19051 w 211931"/>
-                <a:gd name="connsiteY3" fmla="*/ 0 h 278606"/>
-              </a:gdLst>
-              <a:ahLst/>
-              <a:cxnLst>
-                <a:cxn ang="0">
-                  <a:pos x="connsiteX0" y="connsiteY0"/>
-                </a:cxn>
-                <a:cxn ang="0">
-                  <a:pos x="connsiteX1" y="connsiteY1"/>
-                </a:cxn>
-                <a:cxn ang="0">
-                  <a:pos x="connsiteX2" y="connsiteY2"/>
-                </a:cxn>
-                <a:cxn ang="0">
-                  <a:pos x="connsiteX3" y="connsiteY3"/>
-                </a:cxn>
-              </a:cxnLst>
-              <a:rect l="l" t="t" r="r" b="b"/>
-              <a:pathLst>
-                <a:path w="211931" h="278606">
-                  <a:moveTo>
-                    <a:pt x="19051" y="0"/>
-                  </a:moveTo>
-                  <a:lnTo>
-                    <a:pt x="0" y="278606"/>
-                  </a:lnTo>
-                  <a:lnTo>
-                    <a:pt x="211931" y="135731"/>
-                  </a:lnTo>
-                  <a:lnTo>
-                    <a:pt x="19051" y="0"/>
-                  </a:lnTo>
-                  <a:close/>
-                </a:path>
-              </a:pathLst>
-            </a:custGeom>
-            <a:noFill/>
-            <a:ln w="0">
-              <a:solidFill>
-                <a:srgbClr val="41719C"/>
-              </a:solidFill>
-            </a:ln>
-          </p:spPr>
-          <p:style>
-            <a:lnRef idx="2">
-              <a:schemeClr val="accent1">
-                <a:shade val="50000"/>
-              </a:schemeClr>
-            </a:lnRef>
-            <a:fillRef idx="1">
-              <a:schemeClr val="accent1"/>
-            </a:fillRef>
-            <a:effectRef idx="0">
-              <a:schemeClr val="accent1"/>
-            </a:effectRef>
-            <a:fontRef idx="minor">
-              <a:schemeClr val="lt1"/>
-            </a:fontRef>
-          </p:style>
-          <p:txBody>
-            <a:bodyPr rtlCol="0" anchor="ctr"/>
-            <a:lstStyle/>
-            <a:p>
-              <a:pPr algn="ctr"/>
-              <a:endParaRPr lang="zh-TW" altLang="en-US"/>
-            </a:p>
-          </p:txBody>
-        </p:sp>
-      </p:grpSp>
-      <p:grpSp>
-        <p:nvGrpSpPr>
-          <p:cNvPr id="137" name="群組 136"/>
-          <p:cNvGrpSpPr/>
-          <p:nvPr/>
-        </p:nvGrpSpPr>
-        <p:grpSpPr>
-          <a:xfrm rot="10800000">
-            <a:off x="80636" y="143821"/>
-            <a:ext cx="3098849" cy="701981"/>
-            <a:chOff x="3298673" y="1184614"/>
-            <a:chExt cx="5099816" cy="1155260"/>
-          </a:xfrm>
-          <a:noFill/>
-        </p:grpSpPr>
-        <p:sp>
-          <p:nvSpPr>
-            <p:cNvPr id="138" name="手繪多邊形 137"/>
-            <p:cNvSpPr/>
-            <p:nvPr/>
-          </p:nvSpPr>
-          <p:spPr>
-            <a:xfrm>
-              <a:off x="3298673" y="1195598"/>
-              <a:ext cx="287383" cy="539931"/>
-            </a:xfrm>
-            <a:custGeom>
-              <a:avLst/>
-              <a:gdLst>
-                <a:gd name="connsiteX0" fmla="*/ 0 w 287383"/>
-                <a:gd name="connsiteY0" fmla="*/ 539931 h 539931"/>
-                <a:gd name="connsiteX1" fmla="*/ 156755 w 287383"/>
-                <a:gd name="connsiteY1" fmla="*/ 0 h 539931"/>
-                <a:gd name="connsiteX2" fmla="*/ 287383 w 287383"/>
-                <a:gd name="connsiteY2" fmla="*/ 522514 h 539931"/>
-                <a:gd name="connsiteX3" fmla="*/ 0 w 287383"/>
-                <a:gd name="connsiteY3" fmla="*/ 539931 h 539931"/>
-              </a:gdLst>
-              <a:ahLst/>
-              <a:cxnLst>
-                <a:cxn ang="0">
-                  <a:pos x="connsiteX0" y="connsiteY0"/>
-                </a:cxn>
-                <a:cxn ang="0">
-                  <a:pos x="connsiteX1" y="connsiteY1"/>
-                </a:cxn>
-                <a:cxn ang="0">
-                  <a:pos x="connsiteX2" y="connsiteY2"/>
-                </a:cxn>
-                <a:cxn ang="0">
-                  <a:pos x="connsiteX3" y="connsiteY3"/>
-                </a:cxn>
-              </a:cxnLst>
-              <a:rect l="l" t="t" r="r" b="b"/>
-              <a:pathLst>
-                <a:path w="287383" h="539931">
-                  <a:moveTo>
-                    <a:pt x="0" y="539931"/>
-                  </a:moveTo>
-                  <a:lnTo>
-                    <a:pt x="156755" y="0"/>
-                  </a:lnTo>
-                  <a:lnTo>
-                    <a:pt x="287383" y="522514"/>
-                  </a:lnTo>
-                  <a:lnTo>
-                    <a:pt x="0" y="539931"/>
-                  </a:lnTo>
-                  <a:close/>
-                </a:path>
-              </a:pathLst>
-            </a:custGeom>
-            <a:grpFill/>
-            <a:ln w="0">
-              <a:solidFill>
-                <a:srgbClr val="41719C"/>
-              </a:solidFill>
-            </a:ln>
-          </p:spPr>
-          <p:style>
-            <a:lnRef idx="2">
-              <a:schemeClr val="accent1">
-                <a:shade val="50000"/>
-              </a:schemeClr>
-            </a:lnRef>
-            <a:fillRef idx="1">
-              <a:schemeClr val="accent1"/>
-            </a:fillRef>
-            <a:effectRef idx="0">
-              <a:schemeClr val="accent1"/>
-            </a:effectRef>
-            <a:fontRef idx="minor">
-              <a:schemeClr val="lt1"/>
-            </a:fontRef>
-          </p:style>
-          <p:txBody>
-            <a:bodyPr rtlCol="0" anchor="ctr"/>
-            <a:lstStyle/>
-            <a:p>
-              <a:pPr algn="ctr"/>
-              <a:endParaRPr lang="zh-TW" altLang="en-US"/>
-            </a:p>
-          </p:txBody>
-        </p:sp>
-        <p:sp>
-          <p:nvSpPr>
-            <p:cNvPr id="139" name="手繪多邊形 138"/>
-            <p:cNvSpPr/>
-            <p:nvPr/>
-          </p:nvSpPr>
-          <p:spPr>
-            <a:xfrm>
-              <a:off x="3423706" y="2147536"/>
-              <a:ext cx="715215" cy="192338"/>
-            </a:xfrm>
-            <a:custGeom>
-              <a:avLst/>
-              <a:gdLst>
-                <a:gd name="connsiteX0" fmla="*/ 618308 w 618308"/>
-                <a:gd name="connsiteY0" fmla="*/ 26126 h 209006"/>
-                <a:gd name="connsiteX1" fmla="*/ 0 w 618308"/>
-                <a:gd name="connsiteY1" fmla="*/ 209006 h 209006"/>
-                <a:gd name="connsiteX2" fmla="*/ 8708 w 618308"/>
-                <a:gd name="connsiteY2" fmla="*/ 0 h 209006"/>
-                <a:gd name="connsiteX3" fmla="*/ 618308 w 618308"/>
-                <a:gd name="connsiteY3" fmla="*/ 26126 h 209006"/>
-                <a:gd name="connsiteX0" fmla="*/ 618308 w 618308"/>
-                <a:gd name="connsiteY0" fmla="*/ 33270 h 216150"/>
-                <a:gd name="connsiteX1" fmla="*/ 0 w 618308"/>
-                <a:gd name="connsiteY1" fmla="*/ 216150 h 216150"/>
-                <a:gd name="connsiteX2" fmla="*/ 63477 w 618308"/>
-                <a:gd name="connsiteY2" fmla="*/ 0 h 216150"/>
-                <a:gd name="connsiteX3" fmla="*/ 618308 w 618308"/>
-                <a:gd name="connsiteY3" fmla="*/ 33270 h 216150"/>
-                <a:gd name="connsiteX0" fmla="*/ 711176 w 711176"/>
-                <a:gd name="connsiteY0" fmla="*/ 33270 h 192338"/>
-                <a:gd name="connsiteX1" fmla="*/ 0 w 711176"/>
-                <a:gd name="connsiteY1" fmla="*/ 192338 h 192338"/>
-                <a:gd name="connsiteX2" fmla="*/ 156345 w 711176"/>
-                <a:gd name="connsiteY2" fmla="*/ 0 h 192338"/>
-                <a:gd name="connsiteX3" fmla="*/ 711176 w 711176"/>
-                <a:gd name="connsiteY3" fmla="*/ 33270 h 192338"/>
-                <a:gd name="connsiteX0" fmla="*/ 763564 w 763564"/>
-                <a:gd name="connsiteY0" fmla="*/ 38033 h 192338"/>
-                <a:gd name="connsiteX1" fmla="*/ 0 w 763564"/>
-                <a:gd name="connsiteY1" fmla="*/ 192338 h 192338"/>
-                <a:gd name="connsiteX2" fmla="*/ 156345 w 763564"/>
-                <a:gd name="connsiteY2" fmla="*/ 0 h 192338"/>
-                <a:gd name="connsiteX3" fmla="*/ 763564 w 763564"/>
-                <a:gd name="connsiteY3" fmla="*/ 38033 h 192338"/>
-                <a:gd name="connsiteX0" fmla="*/ 727845 w 727845"/>
-                <a:gd name="connsiteY0" fmla="*/ 40415 h 192338"/>
-                <a:gd name="connsiteX1" fmla="*/ 0 w 727845"/>
-                <a:gd name="connsiteY1" fmla="*/ 192338 h 192338"/>
-                <a:gd name="connsiteX2" fmla="*/ 156345 w 727845"/>
-                <a:gd name="connsiteY2" fmla="*/ 0 h 192338"/>
-                <a:gd name="connsiteX3" fmla="*/ 727845 w 727845"/>
-                <a:gd name="connsiteY3" fmla="*/ 40415 h 192338"/>
-                <a:gd name="connsiteX0" fmla="*/ 734989 w 734989"/>
-                <a:gd name="connsiteY0" fmla="*/ 38033 h 192338"/>
-                <a:gd name="connsiteX1" fmla="*/ 0 w 734989"/>
-                <a:gd name="connsiteY1" fmla="*/ 192338 h 192338"/>
-                <a:gd name="connsiteX2" fmla="*/ 156345 w 734989"/>
-                <a:gd name="connsiteY2" fmla="*/ 0 h 192338"/>
-                <a:gd name="connsiteX3" fmla="*/ 734989 w 734989"/>
-                <a:gd name="connsiteY3" fmla="*/ 38033 h 192338"/>
-                <a:gd name="connsiteX0" fmla="*/ 723083 w 723083"/>
-                <a:gd name="connsiteY0" fmla="*/ 40415 h 192338"/>
-                <a:gd name="connsiteX1" fmla="*/ 0 w 723083"/>
-                <a:gd name="connsiteY1" fmla="*/ 192338 h 192338"/>
-                <a:gd name="connsiteX2" fmla="*/ 156345 w 723083"/>
-                <a:gd name="connsiteY2" fmla="*/ 0 h 192338"/>
-                <a:gd name="connsiteX3" fmla="*/ 723083 w 723083"/>
-                <a:gd name="connsiteY3" fmla="*/ 40415 h 192338"/>
-              </a:gdLst>
-              <a:ahLst/>
-              <a:cxnLst>
-                <a:cxn ang="0">
-                  <a:pos x="connsiteX0" y="connsiteY0"/>
-                </a:cxn>
-                <a:cxn ang="0">
-                  <a:pos x="connsiteX1" y="connsiteY1"/>
-                </a:cxn>
-                <a:cxn ang="0">
-                  <a:pos x="connsiteX2" y="connsiteY2"/>
-                </a:cxn>
-                <a:cxn ang="0">
-                  <a:pos x="connsiteX3" y="connsiteY3"/>
-                </a:cxn>
-              </a:cxnLst>
-              <a:rect l="l" t="t" r="r" b="b"/>
-              <a:pathLst>
-                <a:path w="723083" h="192338">
-                  <a:moveTo>
-                    <a:pt x="723083" y="40415"/>
-                  </a:moveTo>
-                  <a:lnTo>
-                    <a:pt x="0" y="192338"/>
-                  </a:lnTo>
-                  <a:lnTo>
-                    <a:pt x="156345" y="0"/>
-                  </a:lnTo>
-                  <a:lnTo>
-                    <a:pt x="723083" y="40415"/>
-                  </a:lnTo>
-                  <a:close/>
-                </a:path>
-              </a:pathLst>
-            </a:custGeom>
-            <a:grpFill/>
-            <a:ln w="0">
-              <a:solidFill>
-                <a:srgbClr val="27C0CE"/>
-              </a:solidFill>
-            </a:ln>
-          </p:spPr>
-          <p:style>
-            <a:lnRef idx="2">
-              <a:schemeClr val="accent1">
-                <a:shade val="50000"/>
-              </a:schemeClr>
-            </a:lnRef>
-            <a:fillRef idx="1">
-              <a:schemeClr val="accent1"/>
-            </a:fillRef>
-            <a:effectRef idx="0">
-              <a:schemeClr val="accent1"/>
-            </a:effectRef>
-            <a:fontRef idx="minor">
-              <a:schemeClr val="lt1"/>
-            </a:fontRef>
-          </p:style>
-          <p:txBody>
-            <a:bodyPr rtlCol="0" anchor="ctr"/>
-            <a:lstStyle/>
-            <a:p>
-              <a:pPr algn="ctr"/>
-              <a:endParaRPr lang="zh-TW" altLang="en-US"/>
-            </a:p>
-          </p:txBody>
-        </p:sp>
-        <p:sp>
-          <p:nvSpPr>
-            <p:cNvPr id="140" name="手繪多邊形 139"/>
-            <p:cNvSpPr/>
-            <p:nvPr/>
-          </p:nvSpPr>
-          <p:spPr>
-            <a:xfrm>
-              <a:off x="4393499" y="1801437"/>
-              <a:ext cx="140663" cy="346075"/>
-            </a:xfrm>
-            <a:custGeom>
-              <a:avLst/>
-              <a:gdLst>
-                <a:gd name="connsiteX0" fmla="*/ 0 w 152400"/>
-                <a:gd name="connsiteY0" fmla="*/ 0 h 355600"/>
-                <a:gd name="connsiteX1" fmla="*/ 152400 w 152400"/>
-                <a:gd name="connsiteY1" fmla="*/ 196850 h 355600"/>
-                <a:gd name="connsiteX2" fmla="*/ 28575 w 152400"/>
-                <a:gd name="connsiteY2" fmla="*/ 355600 h 355600"/>
-                <a:gd name="connsiteX3" fmla="*/ 0 w 152400"/>
-                <a:gd name="connsiteY3" fmla="*/ 0 h 355600"/>
-                <a:gd name="connsiteX0" fmla="*/ 0 w 134222"/>
-                <a:gd name="connsiteY0" fmla="*/ 0 h 349250"/>
-                <a:gd name="connsiteX1" fmla="*/ 134222 w 134222"/>
-                <a:gd name="connsiteY1" fmla="*/ 190500 h 349250"/>
-                <a:gd name="connsiteX2" fmla="*/ 10397 w 134222"/>
-                <a:gd name="connsiteY2" fmla="*/ 349250 h 349250"/>
-                <a:gd name="connsiteX3" fmla="*/ 0 w 134222"/>
-                <a:gd name="connsiteY3" fmla="*/ 0 h 349250"/>
-                <a:gd name="connsiteX0" fmla="*/ 0 w 134222"/>
-                <a:gd name="connsiteY0" fmla="*/ 0 h 346075"/>
-                <a:gd name="connsiteX1" fmla="*/ 134222 w 134222"/>
-                <a:gd name="connsiteY1" fmla="*/ 190500 h 346075"/>
-                <a:gd name="connsiteX2" fmla="*/ 19486 w 134222"/>
-                <a:gd name="connsiteY2" fmla="*/ 346075 h 346075"/>
-                <a:gd name="connsiteX3" fmla="*/ 0 w 134222"/>
-                <a:gd name="connsiteY3" fmla="*/ 0 h 346075"/>
-              </a:gdLst>
-              <a:ahLst/>
-              <a:cxnLst>
-                <a:cxn ang="0">
-                  <a:pos x="connsiteX0" y="connsiteY0"/>
-                </a:cxn>
-                <a:cxn ang="0">
-                  <a:pos x="connsiteX1" y="connsiteY1"/>
-                </a:cxn>
-                <a:cxn ang="0">
-                  <a:pos x="connsiteX2" y="connsiteY2"/>
-                </a:cxn>
-                <a:cxn ang="0">
-                  <a:pos x="connsiteX3" y="connsiteY3"/>
-                </a:cxn>
-              </a:cxnLst>
-              <a:rect l="l" t="t" r="r" b="b"/>
-              <a:pathLst>
-                <a:path w="134222" h="346075">
-                  <a:moveTo>
-                    <a:pt x="0" y="0"/>
-                  </a:moveTo>
-                  <a:lnTo>
-                    <a:pt x="134222" y="190500"/>
-                  </a:lnTo>
-                  <a:lnTo>
-                    <a:pt x="19486" y="346075"/>
-                  </a:lnTo>
-                  <a:lnTo>
-                    <a:pt x="0" y="0"/>
-                  </a:lnTo>
-                  <a:close/>
-                </a:path>
-              </a:pathLst>
-            </a:custGeom>
-            <a:grpFill/>
-            <a:ln w="0">
-              <a:solidFill>
-                <a:srgbClr val="41719C"/>
-              </a:solidFill>
-            </a:ln>
-          </p:spPr>
-          <p:style>
-            <a:lnRef idx="2">
-              <a:schemeClr val="accent1">
-                <a:shade val="50000"/>
-              </a:schemeClr>
-            </a:lnRef>
-            <a:fillRef idx="1">
-              <a:schemeClr val="accent1"/>
-            </a:fillRef>
-            <a:effectRef idx="0">
-              <a:schemeClr val="accent1"/>
-            </a:effectRef>
-            <a:fontRef idx="minor">
-              <a:schemeClr val="lt1"/>
-            </a:fontRef>
-          </p:style>
-          <p:txBody>
-            <a:bodyPr rtlCol="0" anchor="ctr"/>
-            <a:lstStyle/>
-            <a:p>
-              <a:pPr algn="ctr"/>
-              <a:endParaRPr lang="zh-TW" altLang="en-US"/>
-            </a:p>
-          </p:txBody>
-        </p:sp>
-        <p:sp>
-          <p:nvSpPr>
-            <p:cNvPr id="141" name="手繪多邊形 140"/>
-            <p:cNvSpPr/>
-            <p:nvPr/>
-          </p:nvSpPr>
-          <p:spPr>
-            <a:xfrm>
-              <a:off x="5622712" y="1302962"/>
-              <a:ext cx="360362" cy="218281"/>
-            </a:xfrm>
-            <a:custGeom>
-              <a:avLst/>
-              <a:gdLst>
-                <a:gd name="connsiteX0" fmla="*/ 374650 w 374650"/>
-                <a:gd name="connsiteY0" fmla="*/ 254000 h 254000"/>
-                <a:gd name="connsiteX1" fmla="*/ 298450 w 374650"/>
-                <a:gd name="connsiteY1" fmla="*/ 0 h 254000"/>
-                <a:gd name="connsiteX2" fmla="*/ 0 w 374650"/>
-                <a:gd name="connsiteY2" fmla="*/ 31750 h 254000"/>
-                <a:gd name="connsiteX3" fmla="*/ 374650 w 374650"/>
-                <a:gd name="connsiteY3" fmla="*/ 254000 h 254000"/>
-                <a:gd name="connsiteX0" fmla="*/ 357981 w 357981"/>
-                <a:gd name="connsiteY0" fmla="*/ 254000 h 254000"/>
-                <a:gd name="connsiteX1" fmla="*/ 281781 w 357981"/>
-                <a:gd name="connsiteY1" fmla="*/ 0 h 254000"/>
-                <a:gd name="connsiteX2" fmla="*/ 0 w 357981"/>
-                <a:gd name="connsiteY2" fmla="*/ 43656 h 254000"/>
-                <a:gd name="connsiteX3" fmla="*/ 357981 w 357981"/>
-                <a:gd name="connsiteY3" fmla="*/ 254000 h 254000"/>
-                <a:gd name="connsiteX0" fmla="*/ 357981 w 357981"/>
-                <a:gd name="connsiteY0" fmla="*/ 254000 h 254000"/>
-                <a:gd name="connsiteX1" fmla="*/ 293687 w 357981"/>
-                <a:gd name="connsiteY1" fmla="*/ 0 h 254000"/>
-                <a:gd name="connsiteX2" fmla="*/ 0 w 357981"/>
-                <a:gd name="connsiteY2" fmla="*/ 43656 h 254000"/>
-                <a:gd name="connsiteX3" fmla="*/ 357981 w 357981"/>
-                <a:gd name="connsiteY3" fmla="*/ 254000 h 254000"/>
-                <a:gd name="connsiteX0" fmla="*/ 369887 w 369887"/>
-                <a:gd name="connsiteY0" fmla="*/ 230188 h 230188"/>
-                <a:gd name="connsiteX1" fmla="*/ 293687 w 369887"/>
-                <a:gd name="connsiteY1" fmla="*/ 0 h 230188"/>
-                <a:gd name="connsiteX2" fmla="*/ 0 w 369887"/>
-                <a:gd name="connsiteY2" fmla="*/ 43656 h 230188"/>
-                <a:gd name="connsiteX3" fmla="*/ 369887 w 369887"/>
-                <a:gd name="connsiteY3" fmla="*/ 230188 h 230188"/>
-                <a:gd name="connsiteX0" fmla="*/ 355600 w 355600"/>
-                <a:gd name="connsiteY0" fmla="*/ 227807 h 227807"/>
-                <a:gd name="connsiteX1" fmla="*/ 293687 w 355600"/>
-                <a:gd name="connsiteY1" fmla="*/ 0 h 227807"/>
-                <a:gd name="connsiteX2" fmla="*/ 0 w 355600"/>
-                <a:gd name="connsiteY2" fmla="*/ 43656 h 227807"/>
-                <a:gd name="connsiteX3" fmla="*/ 355600 w 355600"/>
-                <a:gd name="connsiteY3" fmla="*/ 227807 h 227807"/>
-                <a:gd name="connsiteX0" fmla="*/ 350837 w 350837"/>
-                <a:gd name="connsiteY0" fmla="*/ 227807 h 227807"/>
-                <a:gd name="connsiteX1" fmla="*/ 293687 w 350837"/>
-                <a:gd name="connsiteY1" fmla="*/ 0 h 227807"/>
-                <a:gd name="connsiteX2" fmla="*/ 0 w 350837"/>
-                <a:gd name="connsiteY2" fmla="*/ 43656 h 227807"/>
-                <a:gd name="connsiteX3" fmla="*/ 350837 w 350837"/>
-                <a:gd name="connsiteY3" fmla="*/ 227807 h 227807"/>
-                <a:gd name="connsiteX0" fmla="*/ 360362 w 360362"/>
-                <a:gd name="connsiteY0" fmla="*/ 218282 h 218282"/>
-                <a:gd name="connsiteX1" fmla="*/ 293687 w 360362"/>
-                <a:gd name="connsiteY1" fmla="*/ 0 h 218282"/>
-                <a:gd name="connsiteX2" fmla="*/ 0 w 360362"/>
-                <a:gd name="connsiteY2" fmla="*/ 43656 h 218282"/>
-                <a:gd name="connsiteX3" fmla="*/ 360362 w 360362"/>
-                <a:gd name="connsiteY3" fmla="*/ 218282 h 218282"/>
-                <a:gd name="connsiteX0" fmla="*/ 360362 w 360362"/>
-                <a:gd name="connsiteY0" fmla="*/ 220663 h 220663"/>
-                <a:gd name="connsiteX1" fmla="*/ 286543 w 360362"/>
-                <a:gd name="connsiteY1" fmla="*/ 0 h 220663"/>
-                <a:gd name="connsiteX2" fmla="*/ 0 w 360362"/>
-                <a:gd name="connsiteY2" fmla="*/ 46037 h 220663"/>
-                <a:gd name="connsiteX3" fmla="*/ 360362 w 360362"/>
-                <a:gd name="connsiteY3" fmla="*/ 220663 h 220663"/>
-                <a:gd name="connsiteX0" fmla="*/ 360362 w 360362"/>
-                <a:gd name="connsiteY0" fmla="*/ 225425 h 225425"/>
-                <a:gd name="connsiteX1" fmla="*/ 288924 w 360362"/>
-                <a:gd name="connsiteY1" fmla="*/ 0 h 225425"/>
-                <a:gd name="connsiteX2" fmla="*/ 0 w 360362"/>
-                <a:gd name="connsiteY2" fmla="*/ 50799 h 225425"/>
-                <a:gd name="connsiteX3" fmla="*/ 360362 w 360362"/>
-                <a:gd name="connsiteY3" fmla="*/ 225425 h 225425"/>
-                <a:gd name="connsiteX0" fmla="*/ 360362 w 360362"/>
-                <a:gd name="connsiteY0" fmla="*/ 218281 h 218281"/>
-                <a:gd name="connsiteX1" fmla="*/ 288924 w 360362"/>
-                <a:gd name="connsiteY1" fmla="*/ 0 h 218281"/>
-                <a:gd name="connsiteX2" fmla="*/ 0 w 360362"/>
-                <a:gd name="connsiteY2" fmla="*/ 43655 h 218281"/>
-                <a:gd name="connsiteX3" fmla="*/ 360362 w 360362"/>
-                <a:gd name="connsiteY3" fmla="*/ 218281 h 218281"/>
-              </a:gdLst>
-              <a:ahLst/>
-              <a:cxnLst>
-                <a:cxn ang="0">
-                  <a:pos x="connsiteX0" y="connsiteY0"/>
-                </a:cxn>
-                <a:cxn ang="0">
-                  <a:pos x="connsiteX1" y="connsiteY1"/>
-                </a:cxn>
-                <a:cxn ang="0">
-                  <a:pos x="connsiteX2" y="connsiteY2"/>
-                </a:cxn>
-                <a:cxn ang="0">
-                  <a:pos x="connsiteX3" y="connsiteY3"/>
-                </a:cxn>
-              </a:cxnLst>
-              <a:rect l="l" t="t" r="r" b="b"/>
-              <a:pathLst>
-                <a:path w="360362" h="218281">
-                  <a:moveTo>
-                    <a:pt x="360362" y="218281"/>
-                  </a:moveTo>
-                  <a:lnTo>
-                    <a:pt x="288924" y="0"/>
-                  </a:lnTo>
-                  <a:lnTo>
-                    <a:pt x="0" y="43655"/>
-                  </a:lnTo>
-                  <a:lnTo>
-                    <a:pt x="360362" y="218281"/>
-                  </a:lnTo>
-                  <a:close/>
-                </a:path>
-              </a:pathLst>
-            </a:custGeom>
-            <a:grpFill/>
-            <a:ln w="0">
-              <a:solidFill>
-                <a:srgbClr val="41719C"/>
-              </a:solidFill>
-            </a:ln>
-          </p:spPr>
-          <p:style>
-            <a:lnRef idx="2">
-              <a:schemeClr val="accent1">
-                <a:shade val="50000"/>
-              </a:schemeClr>
-            </a:lnRef>
-            <a:fillRef idx="1">
-              <a:schemeClr val="accent1"/>
-            </a:fillRef>
-            <a:effectRef idx="0">
-              <a:schemeClr val="accent1"/>
-            </a:effectRef>
-            <a:fontRef idx="minor">
-              <a:schemeClr val="lt1"/>
-            </a:fontRef>
-          </p:style>
-          <p:txBody>
-            <a:bodyPr rtlCol="0" anchor="ctr"/>
-            <a:lstStyle/>
-            <a:p>
-              <a:pPr algn="ctr"/>
-              <a:endParaRPr lang="zh-TW" altLang="en-US"/>
-            </a:p>
-          </p:txBody>
-        </p:sp>
-        <p:sp>
-          <p:nvSpPr>
-            <p:cNvPr id="142" name="手繪多邊形 141"/>
-            <p:cNvSpPr/>
-            <p:nvPr/>
-          </p:nvSpPr>
-          <p:spPr>
-            <a:xfrm>
-              <a:off x="5769556" y="1830808"/>
-              <a:ext cx="261144" cy="471486"/>
-            </a:xfrm>
-            <a:custGeom>
-              <a:avLst/>
-              <a:gdLst>
-                <a:gd name="connsiteX0" fmla="*/ 0 w 292100"/>
-                <a:gd name="connsiteY0" fmla="*/ 495300 h 495300"/>
-                <a:gd name="connsiteX1" fmla="*/ 203200 w 292100"/>
-                <a:gd name="connsiteY1" fmla="*/ 0 h 495300"/>
-                <a:gd name="connsiteX2" fmla="*/ 292100 w 292100"/>
-                <a:gd name="connsiteY2" fmla="*/ 260350 h 495300"/>
-                <a:gd name="connsiteX3" fmla="*/ 0 w 292100"/>
-                <a:gd name="connsiteY3" fmla="*/ 495300 h 495300"/>
-                <a:gd name="connsiteX0" fmla="*/ 0 w 304006"/>
-                <a:gd name="connsiteY0" fmla="*/ 495300 h 495300"/>
-                <a:gd name="connsiteX1" fmla="*/ 203200 w 304006"/>
-                <a:gd name="connsiteY1" fmla="*/ 0 h 495300"/>
-                <a:gd name="connsiteX2" fmla="*/ 304006 w 304006"/>
-                <a:gd name="connsiteY2" fmla="*/ 196057 h 495300"/>
-                <a:gd name="connsiteX3" fmla="*/ 0 w 304006"/>
-                <a:gd name="connsiteY3" fmla="*/ 495300 h 495300"/>
-                <a:gd name="connsiteX0" fmla="*/ 0 w 304006"/>
-                <a:gd name="connsiteY0" fmla="*/ 507206 h 507206"/>
-                <a:gd name="connsiteX1" fmla="*/ 188912 w 304006"/>
-                <a:gd name="connsiteY1" fmla="*/ 0 h 507206"/>
-                <a:gd name="connsiteX2" fmla="*/ 304006 w 304006"/>
-                <a:gd name="connsiteY2" fmla="*/ 207963 h 507206"/>
-                <a:gd name="connsiteX3" fmla="*/ 0 w 304006"/>
-                <a:gd name="connsiteY3" fmla="*/ 507206 h 507206"/>
-                <a:gd name="connsiteX0" fmla="*/ 0 w 220662"/>
-                <a:gd name="connsiteY0" fmla="*/ 340518 h 340518"/>
-                <a:gd name="connsiteX1" fmla="*/ 105568 w 220662"/>
-                <a:gd name="connsiteY1" fmla="*/ 0 h 340518"/>
-                <a:gd name="connsiteX2" fmla="*/ 220662 w 220662"/>
-                <a:gd name="connsiteY2" fmla="*/ 207963 h 340518"/>
-                <a:gd name="connsiteX3" fmla="*/ 0 w 220662"/>
-                <a:gd name="connsiteY3" fmla="*/ 340518 h 340518"/>
-                <a:gd name="connsiteX0" fmla="*/ 0 w 258762"/>
-                <a:gd name="connsiteY0" fmla="*/ 476249 h 476249"/>
-                <a:gd name="connsiteX1" fmla="*/ 143668 w 258762"/>
-                <a:gd name="connsiteY1" fmla="*/ 0 h 476249"/>
-                <a:gd name="connsiteX2" fmla="*/ 258762 w 258762"/>
-                <a:gd name="connsiteY2" fmla="*/ 207963 h 476249"/>
-                <a:gd name="connsiteX3" fmla="*/ 0 w 258762"/>
-                <a:gd name="connsiteY3" fmla="*/ 476249 h 476249"/>
-                <a:gd name="connsiteX0" fmla="*/ 0 w 244475"/>
-                <a:gd name="connsiteY0" fmla="*/ 459581 h 459581"/>
-                <a:gd name="connsiteX1" fmla="*/ 129381 w 244475"/>
-                <a:gd name="connsiteY1" fmla="*/ 0 h 459581"/>
-                <a:gd name="connsiteX2" fmla="*/ 244475 w 244475"/>
-                <a:gd name="connsiteY2" fmla="*/ 207963 h 459581"/>
-                <a:gd name="connsiteX3" fmla="*/ 0 w 244475"/>
-                <a:gd name="connsiteY3" fmla="*/ 459581 h 459581"/>
-                <a:gd name="connsiteX0" fmla="*/ 0 w 268287"/>
-                <a:gd name="connsiteY0" fmla="*/ 483393 h 483393"/>
-                <a:gd name="connsiteX1" fmla="*/ 153193 w 268287"/>
-                <a:gd name="connsiteY1" fmla="*/ 0 h 483393"/>
-                <a:gd name="connsiteX2" fmla="*/ 268287 w 268287"/>
-                <a:gd name="connsiteY2" fmla="*/ 207963 h 483393"/>
-                <a:gd name="connsiteX3" fmla="*/ 0 w 268287"/>
-                <a:gd name="connsiteY3" fmla="*/ 483393 h 483393"/>
-                <a:gd name="connsiteX0" fmla="*/ 0 w 261144"/>
-                <a:gd name="connsiteY0" fmla="*/ 476249 h 476249"/>
-                <a:gd name="connsiteX1" fmla="*/ 146050 w 261144"/>
-                <a:gd name="connsiteY1" fmla="*/ 0 h 476249"/>
-                <a:gd name="connsiteX2" fmla="*/ 261144 w 261144"/>
-                <a:gd name="connsiteY2" fmla="*/ 207963 h 476249"/>
-                <a:gd name="connsiteX3" fmla="*/ 0 w 261144"/>
-                <a:gd name="connsiteY3" fmla="*/ 476249 h 476249"/>
-                <a:gd name="connsiteX0" fmla="*/ 0 w 254000"/>
-                <a:gd name="connsiteY0" fmla="*/ 469105 h 469105"/>
-                <a:gd name="connsiteX1" fmla="*/ 138906 w 254000"/>
-                <a:gd name="connsiteY1" fmla="*/ 0 h 469105"/>
-                <a:gd name="connsiteX2" fmla="*/ 254000 w 254000"/>
-                <a:gd name="connsiteY2" fmla="*/ 207963 h 469105"/>
-                <a:gd name="connsiteX3" fmla="*/ 0 w 254000"/>
-                <a:gd name="connsiteY3" fmla="*/ 469105 h 469105"/>
-                <a:gd name="connsiteX0" fmla="*/ 0 w 261144"/>
-                <a:gd name="connsiteY0" fmla="*/ 471486 h 471486"/>
-                <a:gd name="connsiteX1" fmla="*/ 146050 w 261144"/>
-                <a:gd name="connsiteY1" fmla="*/ 0 h 471486"/>
-                <a:gd name="connsiteX2" fmla="*/ 261144 w 261144"/>
-                <a:gd name="connsiteY2" fmla="*/ 207963 h 471486"/>
-                <a:gd name="connsiteX3" fmla="*/ 0 w 261144"/>
-                <a:gd name="connsiteY3" fmla="*/ 471486 h 471486"/>
-              </a:gdLst>
-              <a:ahLst/>
-              <a:cxnLst>
-                <a:cxn ang="0">
-                  <a:pos x="connsiteX0" y="connsiteY0"/>
-                </a:cxn>
-                <a:cxn ang="0">
-                  <a:pos x="connsiteX1" y="connsiteY1"/>
-                </a:cxn>
-                <a:cxn ang="0">
-                  <a:pos x="connsiteX2" y="connsiteY2"/>
-                </a:cxn>
-                <a:cxn ang="0">
-                  <a:pos x="connsiteX3" y="connsiteY3"/>
-                </a:cxn>
-              </a:cxnLst>
-              <a:rect l="l" t="t" r="r" b="b"/>
-              <a:pathLst>
-                <a:path w="261144" h="471486">
-                  <a:moveTo>
-                    <a:pt x="0" y="471486"/>
-                  </a:moveTo>
-                  <a:lnTo>
-                    <a:pt x="146050" y="0"/>
-                  </a:lnTo>
-                  <a:lnTo>
-                    <a:pt x="261144" y="207963"/>
-                  </a:lnTo>
-                  <a:lnTo>
-                    <a:pt x="0" y="471486"/>
-                  </a:lnTo>
-                  <a:close/>
-                </a:path>
-              </a:pathLst>
-            </a:custGeom>
-            <a:grpFill/>
-            <a:ln w="0">
-              <a:solidFill>
-                <a:srgbClr val="A2E8DE"/>
-              </a:solidFill>
-            </a:ln>
-          </p:spPr>
-          <p:style>
-            <a:lnRef idx="2">
-              <a:schemeClr val="accent1">
-                <a:shade val="50000"/>
-              </a:schemeClr>
-            </a:lnRef>
-            <a:fillRef idx="1">
-              <a:schemeClr val="accent1"/>
-            </a:fillRef>
-            <a:effectRef idx="0">
-              <a:schemeClr val="accent1"/>
-            </a:effectRef>
-            <a:fontRef idx="minor">
-              <a:schemeClr val="lt1"/>
-            </a:fontRef>
-          </p:style>
-          <p:txBody>
-            <a:bodyPr rtlCol="0" anchor="ctr"/>
-            <a:lstStyle/>
-            <a:p>
-              <a:pPr algn="ctr"/>
-              <a:endParaRPr lang="zh-TW" altLang="en-US"/>
-            </a:p>
-          </p:txBody>
-        </p:sp>
-        <p:sp>
-          <p:nvSpPr>
-            <p:cNvPr id="143" name="手繪多邊形 142"/>
-            <p:cNvSpPr/>
-            <p:nvPr/>
-          </p:nvSpPr>
-          <p:spPr>
-            <a:xfrm>
-              <a:off x="5075525" y="1477704"/>
-              <a:ext cx="319088" cy="446088"/>
-            </a:xfrm>
-            <a:custGeom>
-              <a:avLst/>
-              <a:gdLst>
-                <a:gd name="connsiteX0" fmla="*/ 133350 w 133350"/>
-                <a:gd name="connsiteY0" fmla="*/ 336550 h 584200"/>
-                <a:gd name="connsiteX1" fmla="*/ 0 w 133350"/>
-                <a:gd name="connsiteY1" fmla="*/ 0 h 584200"/>
-                <a:gd name="connsiteX2" fmla="*/ 19050 w 133350"/>
-                <a:gd name="connsiteY2" fmla="*/ 584200 h 584200"/>
-                <a:gd name="connsiteX3" fmla="*/ 133350 w 133350"/>
-                <a:gd name="connsiteY3" fmla="*/ 336550 h 584200"/>
-                <a:gd name="connsiteX0" fmla="*/ 188119 w 188119"/>
-                <a:gd name="connsiteY0" fmla="*/ 386557 h 584200"/>
-                <a:gd name="connsiteX1" fmla="*/ 0 w 188119"/>
-                <a:gd name="connsiteY1" fmla="*/ 0 h 584200"/>
-                <a:gd name="connsiteX2" fmla="*/ 19050 w 188119"/>
-                <a:gd name="connsiteY2" fmla="*/ 584200 h 584200"/>
-                <a:gd name="connsiteX3" fmla="*/ 188119 w 188119"/>
-                <a:gd name="connsiteY3" fmla="*/ 386557 h 584200"/>
-                <a:gd name="connsiteX0" fmla="*/ 209550 w 209550"/>
-                <a:gd name="connsiteY0" fmla="*/ 531813 h 584200"/>
-                <a:gd name="connsiteX1" fmla="*/ 0 w 209550"/>
-                <a:gd name="connsiteY1" fmla="*/ 0 h 584200"/>
-                <a:gd name="connsiteX2" fmla="*/ 19050 w 209550"/>
-                <a:gd name="connsiteY2" fmla="*/ 584200 h 584200"/>
-                <a:gd name="connsiteX3" fmla="*/ 209550 w 209550"/>
-                <a:gd name="connsiteY3" fmla="*/ 531813 h 584200"/>
-                <a:gd name="connsiteX0" fmla="*/ 209550 w 209550"/>
-                <a:gd name="connsiteY0" fmla="*/ 531813 h 712788"/>
-                <a:gd name="connsiteX1" fmla="*/ 0 w 209550"/>
-                <a:gd name="connsiteY1" fmla="*/ 0 h 712788"/>
-                <a:gd name="connsiteX2" fmla="*/ 61913 w 209550"/>
-                <a:gd name="connsiteY2" fmla="*/ 712788 h 712788"/>
-                <a:gd name="connsiteX3" fmla="*/ 209550 w 209550"/>
-                <a:gd name="connsiteY3" fmla="*/ 531813 h 712788"/>
-                <a:gd name="connsiteX0" fmla="*/ 319088 w 319088"/>
-                <a:gd name="connsiteY0" fmla="*/ 267494 h 448469"/>
-                <a:gd name="connsiteX1" fmla="*/ 0 w 319088"/>
-                <a:gd name="connsiteY1" fmla="*/ 0 h 448469"/>
-                <a:gd name="connsiteX2" fmla="*/ 171451 w 319088"/>
-                <a:gd name="connsiteY2" fmla="*/ 448469 h 448469"/>
-                <a:gd name="connsiteX3" fmla="*/ 319088 w 319088"/>
-                <a:gd name="connsiteY3" fmla="*/ 267494 h 448469"/>
-                <a:gd name="connsiteX0" fmla="*/ 319088 w 319088"/>
-                <a:gd name="connsiteY0" fmla="*/ 267494 h 446088"/>
-                <a:gd name="connsiteX1" fmla="*/ 0 w 319088"/>
-                <a:gd name="connsiteY1" fmla="*/ 0 h 446088"/>
-                <a:gd name="connsiteX2" fmla="*/ 166688 w 319088"/>
-                <a:gd name="connsiteY2" fmla="*/ 446088 h 446088"/>
-                <a:gd name="connsiteX3" fmla="*/ 319088 w 319088"/>
-                <a:gd name="connsiteY3" fmla="*/ 267494 h 446088"/>
-              </a:gdLst>
-              <a:ahLst/>
-              <a:cxnLst>
-                <a:cxn ang="0">
-                  <a:pos x="connsiteX0" y="connsiteY0"/>
-                </a:cxn>
-                <a:cxn ang="0">
-                  <a:pos x="connsiteX1" y="connsiteY1"/>
-                </a:cxn>
-                <a:cxn ang="0">
-                  <a:pos x="connsiteX2" y="connsiteY2"/>
-                </a:cxn>
-                <a:cxn ang="0">
-                  <a:pos x="connsiteX3" y="connsiteY3"/>
-                </a:cxn>
-              </a:cxnLst>
-              <a:rect l="l" t="t" r="r" b="b"/>
-              <a:pathLst>
-                <a:path w="319088" h="446088">
-                  <a:moveTo>
-                    <a:pt x="319088" y="267494"/>
-                  </a:moveTo>
-                  <a:lnTo>
-                    <a:pt x="0" y="0"/>
-                  </a:lnTo>
-                  <a:lnTo>
-                    <a:pt x="166688" y="446088"/>
-                  </a:lnTo>
-                  <a:lnTo>
-                    <a:pt x="319088" y="267494"/>
-                  </a:lnTo>
-                  <a:close/>
-                </a:path>
-              </a:pathLst>
-            </a:custGeom>
-            <a:grpFill/>
-            <a:ln w="0">
-              <a:solidFill>
-                <a:srgbClr val="41719C"/>
-              </a:solidFill>
-            </a:ln>
-          </p:spPr>
-          <p:style>
-            <a:lnRef idx="2">
-              <a:schemeClr val="accent1">
-                <a:shade val="50000"/>
-              </a:schemeClr>
-            </a:lnRef>
-            <a:fillRef idx="1">
-              <a:schemeClr val="accent1"/>
-            </a:fillRef>
-            <a:effectRef idx="0">
-              <a:schemeClr val="accent1"/>
-            </a:effectRef>
-            <a:fontRef idx="minor">
-              <a:schemeClr val="lt1"/>
-            </a:fontRef>
-          </p:style>
-          <p:txBody>
-            <a:bodyPr rtlCol="0" anchor="ctr"/>
-            <a:lstStyle/>
-            <a:p>
-              <a:pPr algn="ctr"/>
-              <a:endParaRPr lang="zh-TW" altLang="en-US"/>
-            </a:p>
-          </p:txBody>
-        </p:sp>
-        <p:sp>
-          <p:nvSpPr>
-            <p:cNvPr id="144" name="手繪多邊形 143"/>
-            <p:cNvSpPr/>
-            <p:nvPr/>
-          </p:nvSpPr>
-          <p:spPr>
-            <a:xfrm>
-              <a:off x="6616047" y="1197981"/>
-              <a:ext cx="358157" cy="465773"/>
-            </a:xfrm>
-            <a:custGeom>
-              <a:avLst/>
-              <a:gdLst>
-                <a:gd name="connsiteX0" fmla="*/ 0 w 335280"/>
-                <a:gd name="connsiteY0" fmla="*/ 198120 h 403860"/>
-                <a:gd name="connsiteX1" fmla="*/ 320040 w 335280"/>
-                <a:gd name="connsiteY1" fmla="*/ 403860 h 403860"/>
-                <a:gd name="connsiteX2" fmla="*/ 335280 w 335280"/>
-                <a:gd name="connsiteY2" fmla="*/ 0 h 403860"/>
-                <a:gd name="connsiteX3" fmla="*/ 0 w 335280"/>
-                <a:gd name="connsiteY3" fmla="*/ 198120 h 403860"/>
-                <a:gd name="connsiteX0" fmla="*/ 0 w 320992"/>
-                <a:gd name="connsiteY0" fmla="*/ 388620 h 594360"/>
-                <a:gd name="connsiteX1" fmla="*/ 320040 w 320992"/>
-                <a:gd name="connsiteY1" fmla="*/ 594360 h 594360"/>
-                <a:gd name="connsiteX2" fmla="*/ 320992 w 320992"/>
-                <a:gd name="connsiteY2" fmla="*/ 0 h 594360"/>
-                <a:gd name="connsiteX3" fmla="*/ 0 w 320992"/>
-                <a:gd name="connsiteY3" fmla="*/ 388620 h 594360"/>
-                <a:gd name="connsiteX0" fmla="*/ 0 w 354330"/>
-                <a:gd name="connsiteY0" fmla="*/ 298133 h 594360"/>
-                <a:gd name="connsiteX1" fmla="*/ 353378 w 354330"/>
-                <a:gd name="connsiteY1" fmla="*/ 594360 h 594360"/>
-                <a:gd name="connsiteX2" fmla="*/ 354330 w 354330"/>
-                <a:gd name="connsiteY2" fmla="*/ 0 h 594360"/>
-                <a:gd name="connsiteX3" fmla="*/ 0 w 354330"/>
-                <a:gd name="connsiteY3" fmla="*/ 298133 h 594360"/>
-                <a:gd name="connsiteX0" fmla="*/ 0 w 358157"/>
-                <a:gd name="connsiteY0" fmla="*/ 298133 h 465773"/>
-                <a:gd name="connsiteX1" fmla="*/ 358141 w 358157"/>
-                <a:gd name="connsiteY1" fmla="*/ 465773 h 465773"/>
-                <a:gd name="connsiteX2" fmla="*/ 354330 w 358157"/>
-                <a:gd name="connsiteY2" fmla="*/ 0 h 465773"/>
-                <a:gd name="connsiteX3" fmla="*/ 0 w 358157"/>
-                <a:gd name="connsiteY3" fmla="*/ 298133 h 465773"/>
-              </a:gdLst>
-              <a:ahLst/>
-              <a:cxnLst>
-                <a:cxn ang="0">
-                  <a:pos x="connsiteX0" y="connsiteY0"/>
-                </a:cxn>
-                <a:cxn ang="0">
-                  <a:pos x="connsiteX1" y="connsiteY1"/>
-                </a:cxn>
-                <a:cxn ang="0">
-                  <a:pos x="connsiteX2" y="connsiteY2"/>
-                </a:cxn>
-                <a:cxn ang="0">
-                  <a:pos x="connsiteX3" y="connsiteY3"/>
-                </a:cxn>
-              </a:cxnLst>
-              <a:rect l="l" t="t" r="r" b="b"/>
-              <a:pathLst>
-                <a:path w="358157" h="465773">
-                  <a:moveTo>
-                    <a:pt x="0" y="298133"/>
-                  </a:moveTo>
-                  <a:lnTo>
-                    <a:pt x="358141" y="465773"/>
-                  </a:lnTo>
-                  <a:cubicBezTo>
-                    <a:pt x="358458" y="267653"/>
-                    <a:pt x="354013" y="198120"/>
-                    <a:pt x="354330" y="0"/>
-                  </a:cubicBezTo>
-                  <a:lnTo>
-                    <a:pt x="0" y="298133"/>
-                  </a:lnTo>
-                  <a:close/>
-                </a:path>
-              </a:pathLst>
-            </a:custGeom>
-            <a:grpFill/>
-            <a:ln w="0">
-              <a:solidFill>
-                <a:srgbClr val="27C0CE"/>
-              </a:solidFill>
-            </a:ln>
-          </p:spPr>
-          <p:style>
-            <a:lnRef idx="2">
-              <a:schemeClr val="accent1">
-                <a:shade val="50000"/>
-              </a:schemeClr>
-            </a:lnRef>
-            <a:fillRef idx="1">
-              <a:schemeClr val="accent1"/>
-            </a:fillRef>
-            <a:effectRef idx="0">
-              <a:schemeClr val="accent1"/>
-            </a:effectRef>
-            <a:fontRef idx="minor">
-              <a:schemeClr val="lt1"/>
-            </a:fontRef>
-          </p:style>
-          <p:txBody>
-            <a:bodyPr rtlCol="0" anchor="ctr"/>
-            <a:lstStyle/>
-            <a:p>
-              <a:pPr algn="ctr"/>
-              <a:endParaRPr lang="zh-TW" altLang="en-US"/>
-            </a:p>
-          </p:txBody>
-        </p:sp>
-        <p:sp>
-          <p:nvSpPr>
-            <p:cNvPr id="145" name="手繪多邊形 144"/>
-            <p:cNvSpPr/>
-            <p:nvPr/>
-          </p:nvSpPr>
-          <p:spPr>
-            <a:xfrm>
-              <a:off x="6409355" y="1895778"/>
-              <a:ext cx="240030" cy="406717"/>
-            </a:xfrm>
-            <a:custGeom>
-              <a:avLst/>
-              <a:gdLst>
-                <a:gd name="connsiteX0" fmla="*/ 0 w 182880"/>
-                <a:gd name="connsiteY0" fmla="*/ 0 h 449580"/>
-                <a:gd name="connsiteX1" fmla="*/ 182880 w 182880"/>
-                <a:gd name="connsiteY1" fmla="*/ 228600 h 449580"/>
-                <a:gd name="connsiteX2" fmla="*/ 45720 w 182880"/>
-                <a:gd name="connsiteY2" fmla="*/ 449580 h 449580"/>
-                <a:gd name="connsiteX3" fmla="*/ 0 w 182880"/>
-                <a:gd name="connsiteY3" fmla="*/ 0 h 449580"/>
-                <a:gd name="connsiteX0" fmla="*/ 140017 w 322897"/>
-                <a:gd name="connsiteY0" fmla="*/ 0 h 640080"/>
-                <a:gd name="connsiteX1" fmla="*/ 322897 w 322897"/>
-                <a:gd name="connsiteY1" fmla="*/ 228600 h 640080"/>
-                <a:gd name="connsiteX2" fmla="*/ 0 w 322897"/>
-                <a:gd name="connsiteY2" fmla="*/ 640080 h 640080"/>
-                <a:gd name="connsiteX3" fmla="*/ 140017 w 322897"/>
-                <a:gd name="connsiteY3" fmla="*/ 0 h 640080"/>
-                <a:gd name="connsiteX0" fmla="*/ 130492 w 313372"/>
-                <a:gd name="connsiteY0" fmla="*/ 0 h 649605"/>
-                <a:gd name="connsiteX1" fmla="*/ 313372 w 313372"/>
-                <a:gd name="connsiteY1" fmla="*/ 228600 h 649605"/>
-                <a:gd name="connsiteX2" fmla="*/ 0 w 313372"/>
-                <a:gd name="connsiteY2" fmla="*/ 649605 h 649605"/>
-                <a:gd name="connsiteX3" fmla="*/ 130492 w 313372"/>
-                <a:gd name="connsiteY3" fmla="*/ 0 h 649605"/>
-                <a:gd name="connsiteX0" fmla="*/ 0 w 373380"/>
-                <a:gd name="connsiteY0" fmla="*/ 0 h 435292"/>
-                <a:gd name="connsiteX1" fmla="*/ 373380 w 373380"/>
-                <a:gd name="connsiteY1" fmla="*/ 14287 h 435292"/>
-                <a:gd name="connsiteX2" fmla="*/ 60008 w 373380"/>
-                <a:gd name="connsiteY2" fmla="*/ 435292 h 435292"/>
-                <a:gd name="connsiteX3" fmla="*/ 0 w 373380"/>
-                <a:gd name="connsiteY3" fmla="*/ 0 h 435292"/>
-                <a:gd name="connsiteX0" fmla="*/ 0 w 197168"/>
-                <a:gd name="connsiteY0" fmla="*/ 0 h 435292"/>
-                <a:gd name="connsiteX1" fmla="*/ 197168 w 197168"/>
-                <a:gd name="connsiteY1" fmla="*/ 190500 h 435292"/>
-                <a:gd name="connsiteX2" fmla="*/ 60008 w 197168"/>
-                <a:gd name="connsiteY2" fmla="*/ 435292 h 435292"/>
-                <a:gd name="connsiteX3" fmla="*/ 0 w 197168"/>
-                <a:gd name="connsiteY3" fmla="*/ 0 h 435292"/>
-                <a:gd name="connsiteX0" fmla="*/ 0 w 249555"/>
-                <a:gd name="connsiteY0" fmla="*/ 0 h 435292"/>
-                <a:gd name="connsiteX1" fmla="*/ 249555 w 249555"/>
-                <a:gd name="connsiteY1" fmla="*/ 190500 h 435292"/>
-                <a:gd name="connsiteX2" fmla="*/ 60008 w 249555"/>
-                <a:gd name="connsiteY2" fmla="*/ 435292 h 435292"/>
-                <a:gd name="connsiteX3" fmla="*/ 0 w 249555"/>
-                <a:gd name="connsiteY3" fmla="*/ 0 h 435292"/>
-                <a:gd name="connsiteX0" fmla="*/ 0 w 173355"/>
-                <a:gd name="connsiteY0" fmla="*/ 0 h 435292"/>
-                <a:gd name="connsiteX1" fmla="*/ 173355 w 173355"/>
-                <a:gd name="connsiteY1" fmla="*/ 123825 h 435292"/>
-                <a:gd name="connsiteX2" fmla="*/ 60008 w 173355"/>
-                <a:gd name="connsiteY2" fmla="*/ 435292 h 435292"/>
-                <a:gd name="connsiteX3" fmla="*/ 0 w 173355"/>
-                <a:gd name="connsiteY3" fmla="*/ 0 h 435292"/>
-                <a:gd name="connsiteX0" fmla="*/ 0 w 240030"/>
-                <a:gd name="connsiteY0" fmla="*/ 0 h 435292"/>
-                <a:gd name="connsiteX1" fmla="*/ 240030 w 240030"/>
-                <a:gd name="connsiteY1" fmla="*/ 176212 h 435292"/>
-                <a:gd name="connsiteX2" fmla="*/ 60008 w 240030"/>
-                <a:gd name="connsiteY2" fmla="*/ 435292 h 435292"/>
-                <a:gd name="connsiteX3" fmla="*/ 0 w 240030"/>
-                <a:gd name="connsiteY3" fmla="*/ 0 h 435292"/>
-                <a:gd name="connsiteX0" fmla="*/ 0 w 240030"/>
-                <a:gd name="connsiteY0" fmla="*/ 0 h 406717"/>
-                <a:gd name="connsiteX1" fmla="*/ 240030 w 240030"/>
-                <a:gd name="connsiteY1" fmla="*/ 176212 h 406717"/>
-                <a:gd name="connsiteX2" fmla="*/ 64771 w 240030"/>
-                <a:gd name="connsiteY2" fmla="*/ 406717 h 406717"/>
-                <a:gd name="connsiteX3" fmla="*/ 0 w 240030"/>
-                <a:gd name="connsiteY3" fmla="*/ 0 h 406717"/>
-              </a:gdLst>
-              <a:ahLst/>
-              <a:cxnLst>
-                <a:cxn ang="0">
-                  <a:pos x="connsiteX0" y="connsiteY0"/>
-                </a:cxn>
-                <a:cxn ang="0">
-                  <a:pos x="connsiteX1" y="connsiteY1"/>
-                </a:cxn>
-                <a:cxn ang="0">
-                  <a:pos x="connsiteX2" y="connsiteY2"/>
-                </a:cxn>
-                <a:cxn ang="0">
-                  <a:pos x="connsiteX3" y="connsiteY3"/>
-                </a:cxn>
-              </a:cxnLst>
-              <a:rect l="l" t="t" r="r" b="b"/>
-              <a:pathLst>
-                <a:path w="240030" h="406717">
-                  <a:moveTo>
-                    <a:pt x="0" y="0"/>
-                  </a:moveTo>
-                  <a:lnTo>
-                    <a:pt x="240030" y="176212"/>
-                  </a:lnTo>
-                  <a:lnTo>
-                    <a:pt x="64771" y="406717"/>
-                  </a:lnTo>
-                  <a:lnTo>
-                    <a:pt x="0" y="0"/>
-                  </a:lnTo>
-                  <a:close/>
-                </a:path>
-              </a:pathLst>
-            </a:custGeom>
-            <a:grpFill/>
-            <a:ln w="0">
-              <a:solidFill>
-                <a:srgbClr val="41719C"/>
-              </a:solidFill>
-            </a:ln>
-          </p:spPr>
-          <p:style>
-            <a:lnRef idx="2">
-              <a:schemeClr val="accent1">
-                <a:shade val="50000"/>
-              </a:schemeClr>
-            </a:lnRef>
-            <a:fillRef idx="1">
-              <a:schemeClr val="accent1"/>
-            </a:fillRef>
-            <a:effectRef idx="0">
-              <a:schemeClr val="accent1"/>
-            </a:effectRef>
-            <a:fontRef idx="minor">
-              <a:schemeClr val="lt1"/>
-            </a:fontRef>
-          </p:style>
-          <p:txBody>
-            <a:bodyPr rtlCol="0" anchor="ctr"/>
-            <a:lstStyle/>
-            <a:p>
-              <a:pPr algn="ctr"/>
-              <a:endParaRPr lang="zh-TW" altLang="en-US"/>
-            </a:p>
-          </p:txBody>
-        </p:sp>
-        <p:sp>
-          <p:nvSpPr>
-            <p:cNvPr id="146" name="手繪多邊形 145"/>
-            <p:cNvSpPr/>
-            <p:nvPr/>
-          </p:nvSpPr>
-          <p:spPr>
-            <a:xfrm>
-              <a:off x="7534952" y="2141558"/>
-              <a:ext cx="197546" cy="173990"/>
-            </a:xfrm>
-            <a:custGeom>
-              <a:avLst/>
-              <a:gdLst>
-                <a:gd name="connsiteX0" fmla="*/ 220980 w 220980"/>
-                <a:gd name="connsiteY0" fmla="*/ 0 h 358140"/>
-                <a:gd name="connsiteX1" fmla="*/ 0 w 220980"/>
-                <a:gd name="connsiteY1" fmla="*/ 358140 h 358140"/>
-                <a:gd name="connsiteX2" fmla="*/ 220980 w 220980"/>
-                <a:gd name="connsiteY2" fmla="*/ 358140 h 358140"/>
-                <a:gd name="connsiteX3" fmla="*/ 220980 w 220980"/>
-                <a:gd name="connsiteY3" fmla="*/ 0 h 358140"/>
-                <a:gd name="connsiteX0" fmla="*/ 347980 w 347980"/>
-                <a:gd name="connsiteY0" fmla="*/ 0 h 358140"/>
-                <a:gd name="connsiteX1" fmla="*/ 0 w 347980"/>
-                <a:gd name="connsiteY1" fmla="*/ 224790 h 358140"/>
-                <a:gd name="connsiteX2" fmla="*/ 347980 w 347980"/>
-                <a:gd name="connsiteY2" fmla="*/ 358140 h 358140"/>
-                <a:gd name="connsiteX3" fmla="*/ 347980 w 347980"/>
-                <a:gd name="connsiteY3" fmla="*/ 0 h 358140"/>
-                <a:gd name="connsiteX0" fmla="*/ 128905 w 347980"/>
-                <a:gd name="connsiteY0" fmla="*/ 0 h 307340"/>
-                <a:gd name="connsiteX1" fmla="*/ 0 w 347980"/>
-                <a:gd name="connsiteY1" fmla="*/ 173990 h 307340"/>
-                <a:gd name="connsiteX2" fmla="*/ 347980 w 347980"/>
-                <a:gd name="connsiteY2" fmla="*/ 307340 h 307340"/>
-                <a:gd name="connsiteX3" fmla="*/ 128905 w 347980"/>
-                <a:gd name="connsiteY3" fmla="*/ 0 h 307340"/>
-                <a:gd name="connsiteX0" fmla="*/ 128905 w 192405"/>
-                <a:gd name="connsiteY0" fmla="*/ 0 h 173990"/>
-                <a:gd name="connsiteX1" fmla="*/ 0 w 192405"/>
-                <a:gd name="connsiteY1" fmla="*/ 173990 h 173990"/>
-                <a:gd name="connsiteX2" fmla="*/ 192405 w 192405"/>
-                <a:gd name="connsiteY2" fmla="*/ 173990 h 173990"/>
-                <a:gd name="connsiteX3" fmla="*/ 128905 w 192405"/>
-                <a:gd name="connsiteY3" fmla="*/ 0 h 173990"/>
-                <a:gd name="connsiteX0" fmla="*/ 115316 w 178816"/>
-                <a:gd name="connsiteY0" fmla="*/ 0 h 173990"/>
-                <a:gd name="connsiteX1" fmla="*/ 0 w 178816"/>
-                <a:gd name="connsiteY1" fmla="*/ 169228 h 173990"/>
-                <a:gd name="connsiteX2" fmla="*/ 178816 w 178816"/>
-                <a:gd name="connsiteY2" fmla="*/ 173990 h 173990"/>
-                <a:gd name="connsiteX3" fmla="*/ 115316 w 178816"/>
-                <a:gd name="connsiteY3" fmla="*/ 0 h 173990"/>
-                <a:gd name="connsiteX0" fmla="*/ 124375 w 187875"/>
-                <a:gd name="connsiteY0" fmla="*/ 0 h 173990"/>
-                <a:gd name="connsiteX1" fmla="*/ 0 w 187875"/>
-                <a:gd name="connsiteY1" fmla="*/ 171609 h 173990"/>
-                <a:gd name="connsiteX2" fmla="*/ 187875 w 187875"/>
-                <a:gd name="connsiteY2" fmla="*/ 173990 h 173990"/>
-                <a:gd name="connsiteX3" fmla="*/ 124375 w 187875"/>
-                <a:gd name="connsiteY3" fmla="*/ 0 h 173990"/>
-              </a:gdLst>
-              <a:ahLst/>
-              <a:cxnLst>
-                <a:cxn ang="0">
-                  <a:pos x="connsiteX0" y="connsiteY0"/>
-                </a:cxn>
-                <a:cxn ang="0">
-                  <a:pos x="connsiteX1" y="connsiteY1"/>
-                </a:cxn>
-                <a:cxn ang="0">
-                  <a:pos x="connsiteX2" y="connsiteY2"/>
-                </a:cxn>
-                <a:cxn ang="0">
-                  <a:pos x="connsiteX3" y="connsiteY3"/>
-                </a:cxn>
-              </a:cxnLst>
-              <a:rect l="l" t="t" r="r" b="b"/>
-              <a:pathLst>
-                <a:path w="187875" h="173990">
-                  <a:moveTo>
-                    <a:pt x="124375" y="0"/>
-                  </a:moveTo>
-                  <a:lnTo>
-                    <a:pt x="0" y="171609"/>
-                  </a:lnTo>
-                  <a:lnTo>
-                    <a:pt x="187875" y="173990"/>
-                  </a:lnTo>
-                  <a:lnTo>
-                    <a:pt x="124375" y="0"/>
-                  </a:lnTo>
-                  <a:close/>
-                </a:path>
-              </a:pathLst>
-            </a:custGeom>
-            <a:grpFill/>
-            <a:ln w="0">
-              <a:solidFill>
-                <a:srgbClr val="41719C"/>
-              </a:solidFill>
-            </a:ln>
-          </p:spPr>
-          <p:style>
-            <a:lnRef idx="2">
-              <a:schemeClr val="accent1">
-                <a:shade val="50000"/>
-              </a:schemeClr>
-            </a:lnRef>
-            <a:fillRef idx="1">
-              <a:schemeClr val="accent1"/>
-            </a:fillRef>
-            <a:effectRef idx="0">
-              <a:schemeClr val="accent1"/>
-            </a:effectRef>
-            <a:fontRef idx="minor">
-              <a:schemeClr val="lt1"/>
-            </a:fontRef>
-          </p:style>
-          <p:txBody>
-            <a:bodyPr rtlCol="0" anchor="ctr"/>
-            <a:lstStyle/>
-            <a:p>
-              <a:pPr algn="ctr"/>
-              <a:endParaRPr lang="zh-TW" altLang="en-US"/>
-            </a:p>
-          </p:txBody>
-        </p:sp>
-        <p:sp>
-          <p:nvSpPr>
-            <p:cNvPr id="147" name="手繪多邊形 146"/>
-            <p:cNvSpPr/>
-            <p:nvPr/>
-          </p:nvSpPr>
-          <p:spPr>
-            <a:xfrm>
-              <a:off x="7445438" y="1184614"/>
-              <a:ext cx="355832" cy="279400"/>
-            </a:xfrm>
-            <a:custGeom>
-              <a:avLst/>
-              <a:gdLst>
-                <a:gd name="connsiteX0" fmla="*/ 0 w 342900"/>
-                <a:gd name="connsiteY0" fmla="*/ 7620 h 236220"/>
-                <a:gd name="connsiteX1" fmla="*/ 342900 w 342900"/>
-                <a:gd name="connsiteY1" fmla="*/ 0 h 236220"/>
-                <a:gd name="connsiteX2" fmla="*/ 213360 w 342900"/>
-                <a:gd name="connsiteY2" fmla="*/ 236220 h 236220"/>
-                <a:gd name="connsiteX3" fmla="*/ 0 w 342900"/>
-                <a:gd name="connsiteY3" fmla="*/ 7620 h 236220"/>
-                <a:gd name="connsiteX0" fmla="*/ 0 w 349250"/>
-                <a:gd name="connsiteY0" fmla="*/ 0 h 241300"/>
-                <a:gd name="connsiteX1" fmla="*/ 349250 w 349250"/>
-                <a:gd name="connsiteY1" fmla="*/ 5080 h 241300"/>
-                <a:gd name="connsiteX2" fmla="*/ 219710 w 349250"/>
-                <a:gd name="connsiteY2" fmla="*/ 241300 h 241300"/>
-                <a:gd name="connsiteX3" fmla="*/ 0 w 349250"/>
-                <a:gd name="connsiteY3" fmla="*/ 0 h 241300"/>
-                <a:gd name="connsiteX0" fmla="*/ 0 w 349250"/>
-                <a:gd name="connsiteY0" fmla="*/ 0 h 273050"/>
-                <a:gd name="connsiteX1" fmla="*/ 349250 w 349250"/>
-                <a:gd name="connsiteY1" fmla="*/ 5080 h 273050"/>
-                <a:gd name="connsiteX2" fmla="*/ 216535 w 349250"/>
-                <a:gd name="connsiteY2" fmla="*/ 273050 h 273050"/>
-                <a:gd name="connsiteX3" fmla="*/ 0 w 349250"/>
-                <a:gd name="connsiteY3" fmla="*/ 0 h 273050"/>
-                <a:gd name="connsiteX0" fmla="*/ 0 w 358775"/>
-                <a:gd name="connsiteY0" fmla="*/ 0 h 279400"/>
-                <a:gd name="connsiteX1" fmla="*/ 358775 w 358775"/>
-                <a:gd name="connsiteY1" fmla="*/ 11430 h 279400"/>
-                <a:gd name="connsiteX2" fmla="*/ 226060 w 358775"/>
-                <a:gd name="connsiteY2" fmla="*/ 279400 h 279400"/>
-                <a:gd name="connsiteX3" fmla="*/ 0 w 358775"/>
-                <a:gd name="connsiteY3" fmla="*/ 0 h 279400"/>
-              </a:gdLst>
-              <a:ahLst/>
-              <a:cxnLst>
-                <a:cxn ang="0">
-                  <a:pos x="connsiteX0" y="connsiteY0"/>
-                </a:cxn>
-                <a:cxn ang="0">
-                  <a:pos x="connsiteX1" y="connsiteY1"/>
-                </a:cxn>
-                <a:cxn ang="0">
-                  <a:pos x="connsiteX2" y="connsiteY2"/>
-                </a:cxn>
-                <a:cxn ang="0">
-                  <a:pos x="connsiteX3" y="connsiteY3"/>
-                </a:cxn>
-              </a:cxnLst>
-              <a:rect l="l" t="t" r="r" b="b"/>
-              <a:pathLst>
-                <a:path w="358775" h="279400">
-                  <a:moveTo>
-                    <a:pt x="0" y="0"/>
-                  </a:moveTo>
-                  <a:lnTo>
-                    <a:pt x="358775" y="11430"/>
-                  </a:lnTo>
-                  <a:lnTo>
-                    <a:pt x="226060" y="279400"/>
-                  </a:lnTo>
-                  <a:lnTo>
-                    <a:pt x="0" y="0"/>
-                  </a:lnTo>
-                  <a:close/>
-                </a:path>
-              </a:pathLst>
-            </a:custGeom>
-            <a:grpFill/>
-            <a:ln w="0">
-              <a:solidFill>
-                <a:srgbClr val="41719C"/>
-              </a:solidFill>
-            </a:ln>
-          </p:spPr>
-          <p:style>
-            <a:lnRef idx="2">
-              <a:schemeClr val="accent1">
-                <a:shade val="50000"/>
-              </a:schemeClr>
-            </a:lnRef>
-            <a:fillRef idx="1">
-              <a:schemeClr val="accent1"/>
-            </a:fillRef>
-            <a:effectRef idx="0">
-              <a:schemeClr val="accent1"/>
-            </a:effectRef>
-            <a:fontRef idx="minor">
-              <a:schemeClr val="lt1"/>
-            </a:fontRef>
-          </p:style>
-          <p:txBody>
-            <a:bodyPr rtlCol="0" anchor="ctr"/>
-            <a:lstStyle/>
-            <a:p>
-              <a:pPr algn="ctr"/>
-              <a:endParaRPr lang="zh-TW" altLang="en-US"/>
-            </a:p>
-          </p:txBody>
-        </p:sp>
-        <p:sp>
-          <p:nvSpPr>
-            <p:cNvPr id="148" name="手繪多邊形 147"/>
-            <p:cNvSpPr/>
-            <p:nvPr/>
-          </p:nvSpPr>
-          <p:spPr>
-            <a:xfrm flipH="1">
-              <a:off x="7677949" y="1772306"/>
-              <a:ext cx="104175" cy="529590"/>
-            </a:xfrm>
-            <a:custGeom>
-              <a:avLst/>
-              <a:gdLst>
-                <a:gd name="connsiteX0" fmla="*/ 129540 w 129540"/>
-                <a:gd name="connsiteY0" fmla="*/ 0 h 396240"/>
-                <a:gd name="connsiteX1" fmla="*/ 0 w 129540"/>
-                <a:gd name="connsiteY1" fmla="*/ 396240 h 396240"/>
-                <a:gd name="connsiteX2" fmla="*/ 114300 w 129540"/>
-                <a:gd name="connsiteY2" fmla="*/ 274320 h 396240"/>
-                <a:gd name="connsiteX3" fmla="*/ 129540 w 129540"/>
-                <a:gd name="connsiteY3" fmla="*/ 0 h 396240"/>
-                <a:gd name="connsiteX0" fmla="*/ 129540 w 270999"/>
-                <a:gd name="connsiteY0" fmla="*/ 0 h 396240"/>
-                <a:gd name="connsiteX1" fmla="*/ 0 w 270999"/>
-                <a:gd name="connsiteY1" fmla="*/ 396240 h 396240"/>
-                <a:gd name="connsiteX2" fmla="*/ 270999 w 270999"/>
-                <a:gd name="connsiteY2" fmla="*/ 279082 h 396240"/>
-                <a:gd name="connsiteX3" fmla="*/ 129540 w 270999"/>
-                <a:gd name="connsiteY3" fmla="*/ 0 h 396240"/>
-                <a:gd name="connsiteX0" fmla="*/ 144049 w 270999"/>
-                <a:gd name="connsiteY0" fmla="*/ 0 h 505777"/>
-                <a:gd name="connsiteX1" fmla="*/ 0 w 270999"/>
-                <a:gd name="connsiteY1" fmla="*/ 505777 h 505777"/>
-                <a:gd name="connsiteX2" fmla="*/ 270999 w 270999"/>
-                <a:gd name="connsiteY2" fmla="*/ 388619 h 505777"/>
-                <a:gd name="connsiteX3" fmla="*/ 144049 w 270999"/>
-                <a:gd name="connsiteY3" fmla="*/ 0 h 505777"/>
-                <a:gd name="connsiteX0" fmla="*/ 0 w 126950"/>
-                <a:gd name="connsiteY0" fmla="*/ 0 h 546259"/>
-                <a:gd name="connsiteX1" fmla="*/ 53277 w 126950"/>
-                <a:gd name="connsiteY1" fmla="*/ 546259 h 546259"/>
-                <a:gd name="connsiteX2" fmla="*/ 126950 w 126950"/>
-                <a:gd name="connsiteY2" fmla="*/ 388619 h 546259"/>
-                <a:gd name="connsiteX3" fmla="*/ 0 w 126950"/>
-                <a:gd name="connsiteY3" fmla="*/ 0 h 546259"/>
-                <a:gd name="connsiteX0" fmla="*/ 0 w 126950"/>
-                <a:gd name="connsiteY0" fmla="*/ 0 h 524828"/>
-                <a:gd name="connsiteX1" fmla="*/ 61982 w 126950"/>
-                <a:gd name="connsiteY1" fmla="*/ 524828 h 524828"/>
-                <a:gd name="connsiteX2" fmla="*/ 126950 w 126950"/>
-                <a:gd name="connsiteY2" fmla="*/ 388619 h 524828"/>
-                <a:gd name="connsiteX3" fmla="*/ 0 w 126950"/>
-                <a:gd name="connsiteY3" fmla="*/ 0 h 524828"/>
-                <a:gd name="connsiteX0" fmla="*/ 0 w 126950"/>
-                <a:gd name="connsiteY0" fmla="*/ 0 h 529590"/>
-                <a:gd name="connsiteX1" fmla="*/ 56177 w 126950"/>
-                <a:gd name="connsiteY1" fmla="*/ 529590 h 529590"/>
-                <a:gd name="connsiteX2" fmla="*/ 126950 w 126950"/>
-                <a:gd name="connsiteY2" fmla="*/ 388619 h 529590"/>
-                <a:gd name="connsiteX3" fmla="*/ 0 w 126950"/>
-                <a:gd name="connsiteY3" fmla="*/ 0 h 529590"/>
-              </a:gdLst>
-              <a:ahLst/>
-              <a:cxnLst>
-                <a:cxn ang="0">
-                  <a:pos x="connsiteX0" y="connsiteY0"/>
-                </a:cxn>
-                <a:cxn ang="0">
-                  <a:pos x="connsiteX1" y="connsiteY1"/>
-                </a:cxn>
-                <a:cxn ang="0">
-                  <a:pos x="connsiteX2" y="connsiteY2"/>
-                </a:cxn>
-                <a:cxn ang="0">
-                  <a:pos x="connsiteX3" y="connsiteY3"/>
-                </a:cxn>
-              </a:cxnLst>
-              <a:rect l="l" t="t" r="r" b="b"/>
-              <a:pathLst>
-                <a:path w="126950" h="529590">
-                  <a:moveTo>
-                    <a:pt x="0" y="0"/>
-                  </a:moveTo>
-                  <a:lnTo>
-                    <a:pt x="56177" y="529590"/>
-                  </a:lnTo>
-                  <a:lnTo>
-                    <a:pt x="126950" y="388619"/>
-                  </a:lnTo>
-                  <a:lnTo>
-                    <a:pt x="0" y="0"/>
-                  </a:lnTo>
-                  <a:close/>
-                </a:path>
-              </a:pathLst>
-            </a:custGeom>
-            <a:grpFill/>
-            <a:ln w="0">
-              <a:solidFill>
-                <a:srgbClr val="A2E8DE">
-                  <a:alpha val="20000"/>
-                </a:srgbClr>
-              </a:solidFill>
-            </a:ln>
-          </p:spPr>
-          <p:style>
-            <a:lnRef idx="2">
-              <a:schemeClr val="accent1">
-                <a:shade val="50000"/>
-              </a:schemeClr>
-            </a:lnRef>
-            <a:fillRef idx="1">
-              <a:schemeClr val="accent1"/>
-            </a:fillRef>
-            <a:effectRef idx="0">
-              <a:schemeClr val="accent1"/>
-            </a:effectRef>
-            <a:fontRef idx="minor">
-              <a:schemeClr val="lt1"/>
-            </a:fontRef>
-          </p:style>
-          <p:txBody>
-            <a:bodyPr rtlCol="0" anchor="ctr"/>
-            <a:lstStyle/>
-            <a:p>
-              <a:pPr algn="ctr"/>
-              <a:endParaRPr lang="zh-TW" altLang="en-US"/>
-            </a:p>
-          </p:txBody>
-        </p:sp>
-        <p:sp>
-          <p:nvSpPr>
-            <p:cNvPr id="149" name="手繪多邊形 148"/>
-            <p:cNvSpPr/>
-            <p:nvPr/>
-          </p:nvSpPr>
-          <p:spPr>
-            <a:xfrm>
-              <a:off x="8195356" y="1504019"/>
-              <a:ext cx="203133" cy="278607"/>
-            </a:xfrm>
-            <a:custGeom>
-              <a:avLst/>
-              <a:gdLst>
-                <a:gd name="connsiteX0" fmla="*/ 19050 w 209550"/>
-                <a:gd name="connsiteY0" fmla="*/ 0 h 247650"/>
-                <a:gd name="connsiteX1" fmla="*/ 0 w 209550"/>
-                <a:gd name="connsiteY1" fmla="*/ 247650 h 247650"/>
-                <a:gd name="connsiteX2" fmla="*/ 209550 w 209550"/>
-                <a:gd name="connsiteY2" fmla="*/ 114300 h 247650"/>
-                <a:gd name="connsiteX3" fmla="*/ 19050 w 209550"/>
-                <a:gd name="connsiteY3" fmla="*/ 0 h 247650"/>
-                <a:gd name="connsiteX0" fmla="*/ 0 w 255269"/>
-                <a:gd name="connsiteY0" fmla="*/ 0 h 201931"/>
-                <a:gd name="connsiteX1" fmla="*/ 45719 w 255269"/>
-                <a:gd name="connsiteY1" fmla="*/ 201931 h 201931"/>
-                <a:gd name="connsiteX2" fmla="*/ 255269 w 255269"/>
-                <a:gd name="connsiteY2" fmla="*/ 68581 h 201931"/>
-                <a:gd name="connsiteX3" fmla="*/ 0 w 255269"/>
-                <a:gd name="connsiteY3" fmla="*/ 0 h 201931"/>
-                <a:gd name="connsiteX0" fmla="*/ 19051 w 209550"/>
-                <a:gd name="connsiteY0" fmla="*/ 0 h 278606"/>
-                <a:gd name="connsiteX1" fmla="*/ 0 w 209550"/>
-                <a:gd name="connsiteY1" fmla="*/ 278606 h 278606"/>
-                <a:gd name="connsiteX2" fmla="*/ 209550 w 209550"/>
-                <a:gd name="connsiteY2" fmla="*/ 145256 h 278606"/>
-                <a:gd name="connsiteX3" fmla="*/ 19051 w 209550"/>
-                <a:gd name="connsiteY3" fmla="*/ 0 h 278606"/>
-                <a:gd name="connsiteX0" fmla="*/ 19051 w 211931"/>
-                <a:gd name="connsiteY0" fmla="*/ 0 h 278606"/>
-                <a:gd name="connsiteX1" fmla="*/ 0 w 211931"/>
-                <a:gd name="connsiteY1" fmla="*/ 278606 h 278606"/>
-                <a:gd name="connsiteX2" fmla="*/ 211931 w 211931"/>
-                <a:gd name="connsiteY2" fmla="*/ 135731 h 278606"/>
-                <a:gd name="connsiteX3" fmla="*/ 19051 w 211931"/>
-                <a:gd name="connsiteY3" fmla="*/ 0 h 278606"/>
-              </a:gdLst>
-              <a:ahLst/>
-              <a:cxnLst>
-                <a:cxn ang="0">
-                  <a:pos x="connsiteX0" y="connsiteY0"/>
-                </a:cxn>
-                <a:cxn ang="0">
-                  <a:pos x="connsiteX1" y="connsiteY1"/>
-                </a:cxn>
-                <a:cxn ang="0">
-                  <a:pos x="connsiteX2" y="connsiteY2"/>
-                </a:cxn>
-                <a:cxn ang="0">
-                  <a:pos x="connsiteX3" y="connsiteY3"/>
-                </a:cxn>
-              </a:cxnLst>
-              <a:rect l="l" t="t" r="r" b="b"/>
-              <a:pathLst>
-                <a:path w="211931" h="278606">
-                  <a:moveTo>
-                    <a:pt x="19051" y="0"/>
-                  </a:moveTo>
-                  <a:lnTo>
-                    <a:pt x="0" y="278606"/>
-                  </a:lnTo>
-                  <a:lnTo>
-                    <a:pt x="211931" y="135731"/>
-                  </a:lnTo>
-                  <a:lnTo>
-                    <a:pt x="19051" y="0"/>
-                  </a:lnTo>
-                  <a:close/>
-                </a:path>
-              </a:pathLst>
-            </a:custGeom>
-            <a:grpFill/>
-            <a:ln w="0">
-              <a:solidFill>
-                <a:srgbClr val="41719C"/>
-              </a:solidFill>
-            </a:ln>
-          </p:spPr>
-          <p:style>
-            <a:lnRef idx="2">
-              <a:schemeClr val="accent1">
-                <a:shade val="50000"/>
-              </a:schemeClr>
-            </a:lnRef>
-            <a:fillRef idx="1">
-              <a:schemeClr val="accent1"/>
-            </a:fillRef>
-            <a:effectRef idx="0">
-              <a:schemeClr val="accent1"/>
-            </a:effectRef>
-            <a:fontRef idx="minor">
-              <a:schemeClr val="lt1"/>
-            </a:fontRef>
-          </p:style>
-          <p:txBody>
-            <a:bodyPr rtlCol="0" anchor="ctr"/>
-            <a:lstStyle/>
-            <a:p>
-              <a:pPr algn="ctr"/>
-              <a:endParaRPr lang="zh-TW" altLang="en-US"/>
-            </a:p>
-          </p:txBody>
-        </p:sp>
-      </p:grpSp>
-      <p:grpSp>
-        <p:nvGrpSpPr>
-          <p:cNvPr id="120" name="群組 119"/>
-          <p:cNvGrpSpPr/>
-          <p:nvPr/>
-        </p:nvGrpSpPr>
-        <p:grpSpPr>
-          <a:xfrm rot="12077611">
-            <a:off x="681866" y="-9662874"/>
-            <a:ext cx="11207493" cy="11985550"/>
-            <a:chOff x="3217529" y="18091"/>
-            <a:chExt cx="6361909" cy="6803571"/>
-          </a:xfrm>
-        </p:grpSpPr>
-        <p:sp>
-          <p:nvSpPr>
-            <p:cNvPr id="123" name="橢圓 122"/>
-            <p:cNvSpPr/>
-            <p:nvPr/>
-          </p:nvSpPr>
-          <p:spPr>
-            <a:xfrm>
-              <a:off x="3217529" y="18091"/>
-              <a:ext cx="6173576" cy="6173576"/>
-            </a:xfrm>
-            <a:prstGeom prst="ellipse">
-              <a:avLst/>
-            </a:prstGeom>
-            <a:solidFill>
-              <a:srgbClr val="27C0CE">
-                <a:alpha val="27000"/>
-              </a:srgbClr>
-            </a:solidFill>
-            <a:ln>
-              <a:noFill/>
-            </a:ln>
-          </p:spPr>
-          <p:style>
-            <a:lnRef idx="2">
-              <a:schemeClr val="accent1">
-                <a:shade val="50000"/>
-              </a:schemeClr>
-            </a:lnRef>
-            <a:fillRef idx="1">
-              <a:schemeClr val="accent1"/>
-            </a:fillRef>
-            <a:effectRef idx="0">
-              <a:schemeClr val="accent1"/>
-            </a:effectRef>
-            <a:fontRef idx="minor">
-              <a:schemeClr val="lt1"/>
-            </a:fontRef>
-          </p:style>
-          <p:txBody>
-            <a:bodyPr rtlCol="0" anchor="ctr"/>
-            <a:lstStyle/>
-            <a:p>
-              <a:pPr algn="ctr"/>
-              <a:endParaRPr lang="zh-TW" altLang="en-US" b="1" dirty="0"/>
-            </a:p>
-          </p:txBody>
-        </p:sp>
-        <p:sp>
-          <p:nvSpPr>
-            <p:cNvPr id="121" name="橢圓 120"/>
-            <p:cNvSpPr/>
-            <p:nvPr/>
-          </p:nvSpPr>
-          <p:spPr>
-            <a:xfrm>
-              <a:off x="3294962" y="342212"/>
-              <a:ext cx="6173576" cy="6173576"/>
-            </a:xfrm>
-            <a:prstGeom prst="ellipse">
-              <a:avLst/>
-            </a:prstGeom>
-            <a:solidFill>
-              <a:srgbClr val="27C0CE">
-                <a:alpha val="27000"/>
-              </a:srgbClr>
-            </a:solidFill>
-            <a:ln>
-              <a:noFill/>
-            </a:ln>
-          </p:spPr>
-          <p:style>
-            <a:lnRef idx="2">
-              <a:schemeClr val="accent1">
-                <a:shade val="50000"/>
-              </a:schemeClr>
-            </a:lnRef>
-            <a:fillRef idx="1">
-              <a:schemeClr val="accent1"/>
-            </a:fillRef>
-            <a:effectRef idx="0">
-              <a:schemeClr val="accent1"/>
-            </a:effectRef>
-            <a:fontRef idx="minor">
-              <a:schemeClr val="lt1"/>
-            </a:fontRef>
-          </p:style>
-          <p:txBody>
-            <a:bodyPr rtlCol="0" anchor="ctr"/>
-            <a:lstStyle/>
-            <a:p>
-              <a:pPr algn="ctr"/>
-              <a:endParaRPr lang="zh-TW" altLang="en-US" b="1" dirty="0"/>
-            </a:p>
-          </p:txBody>
-        </p:sp>
-        <p:sp>
-          <p:nvSpPr>
-            <p:cNvPr id="122" name="橢圓 121"/>
-            <p:cNvSpPr/>
-            <p:nvPr/>
-          </p:nvSpPr>
-          <p:spPr>
-            <a:xfrm>
-              <a:off x="3405862" y="648086"/>
-              <a:ext cx="6173576" cy="6173576"/>
-            </a:xfrm>
-            <a:prstGeom prst="ellipse">
-              <a:avLst/>
-            </a:prstGeom>
-            <a:solidFill>
-              <a:srgbClr val="27C0CE">
-                <a:alpha val="27000"/>
-              </a:srgbClr>
-            </a:solidFill>
-            <a:ln>
-              <a:noFill/>
-            </a:ln>
-          </p:spPr>
-          <p:style>
-            <a:lnRef idx="2">
-              <a:schemeClr val="accent1">
-                <a:shade val="50000"/>
-              </a:schemeClr>
-            </a:lnRef>
-            <a:fillRef idx="1">
-              <a:schemeClr val="accent1"/>
-            </a:fillRef>
-            <a:effectRef idx="0">
-              <a:schemeClr val="accent1"/>
-            </a:effectRef>
-            <a:fontRef idx="minor">
-              <a:schemeClr val="lt1"/>
-            </a:fontRef>
-          </p:style>
-          <p:txBody>
-            <a:bodyPr rtlCol="0" anchor="ctr"/>
-            <a:lstStyle/>
-            <a:p>
-              <a:pPr algn="ctr"/>
-              <a:endParaRPr lang="zh-TW" altLang="en-US" b="1" dirty="0"/>
-            </a:p>
-          </p:txBody>
-        </p:sp>
-      </p:grpSp>
-      <p:grpSp>
-        <p:nvGrpSpPr>
-          <p:cNvPr id="62" name="群組 61"/>
-          <p:cNvGrpSpPr/>
-          <p:nvPr/>
-        </p:nvGrpSpPr>
-        <p:grpSpPr>
-          <a:xfrm rot="9562422">
-            <a:off x="10244013" y="5379962"/>
-            <a:ext cx="3000905" cy="3244073"/>
-            <a:chOff x="3151230" y="-70935"/>
-            <a:chExt cx="6649625" cy="7188455"/>
-          </a:xfrm>
-        </p:grpSpPr>
-        <p:sp>
-          <p:nvSpPr>
-            <p:cNvPr id="63" name="橢圓 62"/>
-            <p:cNvSpPr/>
-            <p:nvPr/>
-          </p:nvSpPr>
-          <p:spPr>
-            <a:xfrm>
-              <a:off x="3294962" y="342212"/>
-              <a:ext cx="6173576" cy="6173576"/>
-            </a:xfrm>
-            <a:prstGeom prst="ellipse">
-              <a:avLst/>
-            </a:prstGeom>
-            <a:solidFill>
-              <a:srgbClr val="27C0CE">
-                <a:alpha val="27000"/>
-              </a:srgbClr>
-            </a:solidFill>
-            <a:ln>
-              <a:noFill/>
-            </a:ln>
-          </p:spPr>
-          <p:style>
-            <a:lnRef idx="2">
-              <a:schemeClr val="accent1">
-                <a:shade val="50000"/>
-              </a:schemeClr>
-            </a:lnRef>
-            <a:fillRef idx="1">
-              <a:schemeClr val="accent1"/>
-            </a:fillRef>
-            <a:effectRef idx="0">
-              <a:schemeClr val="accent1"/>
-            </a:effectRef>
-            <a:fontRef idx="minor">
-              <a:schemeClr val="lt1"/>
-            </a:fontRef>
-          </p:style>
-          <p:txBody>
-            <a:bodyPr rtlCol="0" anchor="ctr"/>
-            <a:lstStyle/>
-            <a:p>
-              <a:pPr algn="ctr"/>
-              <a:endParaRPr lang="zh-TW" altLang="en-US" b="1" dirty="0"/>
-            </a:p>
-          </p:txBody>
-        </p:sp>
-        <p:sp>
-          <p:nvSpPr>
-            <p:cNvPr id="64" name="橢圓 63"/>
-            <p:cNvSpPr/>
-            <p:nvPr/>
-          </p:nvSpPr>
-          <p:spPr>
-            <a:xfrm>
-              <a:off x="3627279" y="943944"/>
-              <a:ext cx="6173576" cy="6173576"/>
-            </a:xfrm>
-            <a:prstGeom prst="ellipse">
-              <a:avLst/>
-            </a:prstGeom>
-            <a:solidFill>
-              <a:srgbClr val="27C0CE">
-                <a:alpha val="27000"/>
-              </a:srgbClr>
-            </a:solidFill>
-            <a:ln>
-              <a:noFill/>
-            </a:ln>
-          </p:spPr>
-          <p:style>
-            <a:lnRef idx="2">
-              <a:schemeClr val="accent1">
-                <a:shade val="50000"/>
-              </a:schemeClr>
-            </a:lnRef>
-            <a:fillRef idx="1">
-              <a:schemeClr val="accent1"/>
-            </a:fillRef>
-            <a:effectRef idx="0">
-              <a:schemeClr val="accent1"/>
-            </a:effectRef>
-            <a:fontRef idx="minor">
-              <a:schemeClr val="lt1"/>
-            </a:fontRef>
-          </p:style>
-          <p:txBody>
-            <a:bodyPr rtlCol="0" anchor="ctr"/>
-            <a:lstStyle/>
-            <a:p>
-              <a:pPr algn="ctr"/>
-              <a:endParaRPr lang="zh-TW" altLang="en-US" b="1" dirty="0"/>
-            </a:p>
-          </p:txBody>
-        </p:sp>
-        <p:sp>
-          <p:nvSpPr>
-            <p:cNvPr id="65" name="橢圓 64"/>
-            <p:cNvSpPr/>
-            <p:nvPr/>
-          </p:nvSpPr>
-          <p:spPr>
-            <a:xfrm>
-              <a:off x="3151230" y="-70935"/>
-              <a:ext cx="6173576" cy="6173576"/>
-            </a:xfrm>
-            <a:prstGeom prst="ellipse">
-              <a:avLst/>
-            </a:prstGeom>
-            <a:solidFill>
-              <a:srgbClr val="27C0CE">
-                <a:alpha val="27000"/>
-              </a:srgbClr>
-            </a:solidFill>
-            <a:ln>
-              <a:noFill/>
-            </a:ln>
-          </p:spPr>
-          <p:style>
-            <a:lnRef idx="2">
-              <a:schemeClr val="accent1">
-                <a:shade val="50000"/>
-              </a:schemeClr>
-            </a:lnRef>
-            <a:fillRef idx="1">
-              <a:schemeClr val="accent1"/>
-            </a:fillRef>
-            <a:effectRef idx="0">
-              <a:schemeClr val="accent1"/>
-            </a:effectRef>
-            <a:fontRef idx="minor">
-              <a:schemeClr val="lt1"/>
-            </a:fontRef>
-          </p:style>
-          <p:txBody>
-            <a:bodyPr rtlCol="0" anchor="ctr"/>
-            <a:lstStyle/>
-            <a:p>
-              <a:pPr algn="ctr"/>
-              <a:endParaRPr lang="zh-TW" altLang="en-US" b="1" dirty="0"/>
-            </a:p>
-          </p:txBody>
-        </p:sp>
-      </p:grpSp>
-      <p:sp>
-        <p:nvSpPr>
-          <p:cNvPr id="2" name="矩形 1"/>
-          <p:cNvSpPr/>
-          <p:nvPr/>
-        </p:nvSpPr>
-        <p:spPr>
-          <a:xfrm>
-            <a:off x="4691002" y="106722"/>
-            <a:ext cx="2809996" cy="830997"/>
-          </a:xfrm>
-          <a:prstGeom prst="rect">
-            <a:avLst/>
-          </a:prstGeom>
-        </p:spPr>
-        <p:txBody>
-          <a:bodyPr wrap="square">
-            <a:spAutoFit/>
-          </a:bodyPr>
-          <a:lstStyle/>
-          <a:p>
-            <a:r>
-              <a:rPr lang="zh-TW" altLang="en-US" sz="4800" b="1" dirty="0">
-                <a:solidFill>
-                  <a:schemeClr val="bg1"/>
-                </a:solidFill>
-                <a:latin typeface="微軟正黑體" panose="020B0604030504040204" pitchFamily="34" charset="-120"/>
-                <a:ea typeface="微軟正黑體" panose="020B0604030504040204" pitchFamily="34" charset="-120"/>
-              </a:rPr>
-              <a:t>測試結果</a:t>
-            </a:r>
-          </a:p>
-        </p:txBody>
-      </p:sp>
-      <p:grpSp>
-        <p:nvGrpSpPr>
-          <p:cNvPr id="4" name="群組 3">
-            <a:extLst>
-              <a:ext uri="{FF2B5EF4-FFF2-40B4-BE49-F238E27FC236}">
-                <a16:creationId xmlns:a16="http://schemas.microsoft.com/office/drawing/2014/main" id="{25257DC2-8C69-492C-833E-4348A068E15C}"/>
-              </a:ext>
-            </a:extLst>
-          </p:cNvPr>
-          <p:cNvGrpSpPr/>
-          <p:nvPr/>
-        </p:nvGrpSpPr>
-        <p:grpSpPr>
-          <a:xfrm>
-            <a:off x="974029" y="1038493"/>
-            <a:ext cx="10243943" cy="3992559"/>
-            <a:chOff x="343599" y="1038493"/>
-            <a:chExt cx="10243943" cy="3992559"/>
-          </a:xfrm>
-        </p:grpSpPr>
-        <p:pic>
-          <p:nvPicPr>
-            <p:cNvPr id="3" name="圖片 2">
-              <a:extLst>
-                <a:ext uri="{FF2B5EF4-FFF2-40B4-BE49-F238E27FC236}">
-                  <a16:creationId xmlns:a16="http://schemas.microsoft.com/office/drawing/2014/main" id="{C480BC30-F72D-4BD1-B6C3-3987B762C6D2}"/>
-                </a:ext>
-              </a:extLst>
-            </p:cNvPr>
-            <p:cNvPicPr>
-              <a:picLocks noChangeAspect="1"/>
-            </p:cNvPicPr>
-            <p:nvPr/>
-          </p:nvPicPr>
-          <p:blipFill rotWithShape="1">
-            <a:blip r:embed="rId2"/>
-            <a:srcRect b="50000"/>
-            <a:stretch/>
-          </p:blipFill>
-          <p:spPr>
-            <a:xfrm>
-              <a:off x="343599" y="1038493"/>
-              <a:ext cx="5091556" cy="3992559"/>
-            </a:xfrm>
-            <a:prstGeom prst="rect">
-              <a:avLst/>
-            </a:prstGeom>
-          </p:spPr>
-        </p:pic>
-        <p:pic>
-          <p:nvPicPr>
-            <p:cNvPr id="39" name="圖片 38">
-              <a:extLst>
-                <a:ext uri="{FF2B5EF4-FFF2-40B4-BE49-F238E27FC236}">
-                  <a16:creationId xmlns:a16="http://schemas.microsoft.com/office/drawing/2014/main" id="{FBEA2331-211F-4BDB-8FE3-A7D242CB1888}"/>
-                </a:ext>
-              </a:extLst>
-            </p:cNvPr>
-            <p:cNvPicPr>
-              <a:picLocks noChangeAspect="1"/>
-            </p:cNvPicPr>
-            <p:nvPr/>
-          </p:nvPicPr>
-          <p:blipFill rotWithShape="1">
-            <a:blip r:embed="rId2"/>
-            <a:srcRect t="48898"/>
-            <a:stretch/>
-          </p:blipFill>
-          <p:spPr>
-            <a:xfrm>
-              <a:off x="5622485" y="1051884"/>
-              <a:ext cx="4965057" cy="3979168"/>
-            </a:xfrm>
-            <a:prstGeom prst="rect">
-              <a:avLst/>
-            </a:prstGeom>
-          </p:spPr>
-        </p:pic>
-      </p:grpSp>
-    </p:spTree>
-    <p:extLst>
-      <p:ext uri="{BB962C8B-B14F-4D97-AF65-F5344CB8AC3E}">
-        <p14:creationId xmlns:p14="http://schemas.microsoft.com/office/powerpoint/2010/main" val="1506754298"/>
-      </p:ext>
-    </p:extLst>
-  </p:cSld>
-  <p:clrMapOvr>
-    <a:masterClrMapping/>
-  </p:clrMapOvr>
-</p:sld>
-</file>
-
-<file path=ppt/slides/slide7.xml><?xml version="1.0" encoding="utf-8"?>
-<p:sld xmlns:a="http://schemas.openxmlformats.org/drawingml/2006/main" xmlns:r="http://schemas.openxmlformats.org/officeDocument/2006/relationships" xmlns:p="http://schemas.openxmlformats.org/presentationml/2006/main">
-  <p:cSld>
-    <p:bg>
-      <p:bgPr>
-        <a:solidFill>
-          <a:schemeClr val="tx2">
-            <a:lumMod val="50000"/>
-          </a:schemeClr>
-        </a:solidFill>
-        <a:effectLst/>
-      </p:bgPr>
-    </p:bg>
-    <p:spTree>
-      <p:nvGrpSpPr>
-        <p:cNvPr id="1" name=""/>
-        <p:cNvGrpSpPr/>
-        <p:nvPr/>
-      </p:nvGrpSpPr>
-      <p:grpSpPr>
-        <a:xfrm>
-          <a:off x="0" y="0"/>
-          <a:ext cx="0" cy="0"/>
-          <a:chOff x="0" y="0"/>
-          <a:chExt cx="0" cy="0"/>
-        </a:xfrm>
-      </p:grpSpPr>
-      <p:pic>
-        <p:nvPicPr>
-          <p:cNvPr id="2" name="圖片 1">
-            <a:extLst>
-              <a:ext uri="{FF2B5EF4-FFF2-40B4-BE49-F238E27FC236}">
-                <a16:creationId xmlns:a16="http://schemas.microsoft.com/office/drawing/2014/main" id="{E56A735E-85BF-46C5-A3DF-76F9B86EC9D6}"/>
-              </a:ext>
-            </a:extLst>
-          </p:cNvPr>
-          <p:cNvPicPr>
-            <a:picLocks noChangeAspect="1"/>
-          </p:cNvPicPr>
-          <p:nvPr/>
-        </p:nvPicPr>
-        <p:blipFill>
-          <a:blip r:embed="rId2"/>
-          <a:stretch>
-            <a:fillRect/>
-          </a:stretch>
-        </p:blipFill>
-        <p:spPr>
-          <a:xfrm>
-            <a:off x="797953" y="2228324"/>
-            <a:ext cx="10596094" cy="1419443"/>
-          </a:xfrm>
-          <a:prstGeom prst="rect">
-            <a:avLst/>
-          </a:prstGeom>
-        </p:spPr>
-      </p:pic>
       <p:grpSp>
         <p:nvGrpSpPr>
           <p:cNvPr id="58" name="群組 57"/>
@@ -13930,10 +9205,10 @@
       </p:sp>
       <p:pic>
         <p:nvPicPr>
-          <p:cNvPr id="5" name="圖片 4">
+          <p:cNvPr id="3" name="圖片 2">
             <a:extLst>
               <a:ext uri="{FF2B5EF4-FFF2-40B4-BE49-F238E27FC236}">
-                <a16:creationId xmlns:a16="http://schemas.microsoft.com/office/drawing/2014/main" id="{B628CC63-3636-45A7-A6E5-96B225862D68}"/>
+                <a16:creationId xmlns:a16="http://schemas.microsoft.com/office/drawing/2014/main" id="{71178A89-1CA2-4034-9BA4-0FB7B6C93563}"/>
               </a:ext>
             </a:extLst>
           </p:cNvPr>
@@ -13943,15 +9218,15 @@
           <p:nvPr/>
         </p:nvPicPr>
         <p:blipFill>
-          <a:blip r:embed="rId3"/>
+          <a:blip r:embed="rId2"/>
           <a:stretch>
             <a:fillRect/>
           </a:stretch>
         </p:blipFill>
         <p:spPr>
           <a:xfrm>
-            <a:off x="766492" y="3957409"/>
-            <a:ext cx="10659016" cy="634256"/>
+            <a:off x="421937" y="3173027"/>
+            <a:ext cx="11348126" cy="511946"/>
           </a:xfrm>
           <a:prstGeom prst="rect">
             <a:avLst/>
@@ -13971,7 +9246,7 @@
 </p:sld>
 </file>
 
-<file path=ppt/slides/slide8.xml><?xml version="1.0" encoding="utf-8"?>
+<file path=ppt/slides/slide6.xml><?xml version="1.0" encoding="utf-8"?>
 <p:sld xmlns:a="http://schemas.openxmlformats.org/drawingml/2006/main" xmlns:r="http://schemas.openxmlformats.org/officeDocument/2006/relationships" xmlns:p="http://schemas.openxmlformats.org/presentationml/2006/main">
   <p:cSld>
     <p:bg>
